--- a/mlu-dlti/Lessons/DEV_MLUDTI-EN-M2-L3.pptx
+++ b/mlu-dlti/Lessons/DEV_MLUDTI-EN-M2-L3.pptx
@@ -362,7 +362,7 @@
           <a:p>
             <a:fld id="{129848E0-960D-4BB4-BB9E-C21D55625BC4}" type="datetimeFigureOut">
               <a:rPr lang="en-US" smtClean="0"/>
-              <a:t>5/9/25</a:t>
+              <a:t>6/3/25</a:t>
             </a:fld>
             <a:endParaRPr lang="en-US" dirty="0"/>
           </a:p>
@@ -8453,7 +8453,7 @@
           <a:p>
             <a:fld id="{3A884B4A-747C-AA41-80CD-0F87274B77BC}" type="datetimeFigureOut">
               <a:rPr lang="en-US" smtClean="0"/>
-              <a:t>5/9/25</a:t>
+              <a:t>6/3/25</a:t>
             </a:fld>
             <a:endParaRPr lang="en-US"/>
           </a:p>
@@ -17063,7 +17063,12 @@
             <p:ph idx="2"/>
           </p:nvPr>
         </p:nvSpPr>
-        <p:spPr/>
+        <p:spPr>
+          <a:xfrm>
+            <a:off x="365760" y="1165536"/>
+            <a:ext cx="8260080" cy="5262696"/>
+          </a:xfrm>
+        </p:spPr>
         <p:txBody>
           <a:bodyPr/>
           <a:lstStyle/>
@@ -25240,7 +25245,7 @@
         </p:nvGraphicFramePr>
         <p:xfrm>
           <a:off x="6418263" y="1465263"/>
-          <a:ext cx="5773737" cy="4572000"/>
+          <a:ext cx="5774025" cy="4572000"/>
         </p:xfrm>
         <a:graphic>
           <a:graphicData uri="http://schemas.openxmlformats.org/drawingml/2006/table">

--- a/mlu-dlti/Lessons/DEV_MLUDTI-EN-M2-L3.pptx
+++ b/mlu-dlti/Lessons/DEV_MLUDTI-EN-M2-L3.pptx
@@ -2,56 +2,57 @@
 <file path=ppt/presentation.xml><?xml version="1.0" encoding="utf-8"?>
 <p:presentation xmlns:a="http://schemas.openxmlformats.org/drawingml/2006/main" xmlns:r="http://schemas.openxmlformats.org/officeDocument/2006/relationships" xmlns:p="http://schemas.openxmlformats.org/presentationml/2006/main" saveSubsetFonts="1" autoCompressPictures="0">
   <p:sldMasterIdLst>
-    <p:sldMasterId id="2147483695" r:id="rId1"/>
+    <p:sldMasterId id="2147483671" r:id="rId1"/>
+    <p:sldMasterId id="2147483695" r:id="rId2"/>
   </p:sldMasterIdLst>
   <p:notesMasterIdLst>
-    <p:notesMasterId r:id="rId38"/>
+    <p:notesMasterId r:id="rId39"/>
   </p:notesMasterIdLst>
   <p:handoutMasterIdLst>
-    <p:handoutMasterId r:id="rId39"/>
+    <p:handoutMasterId r:id="rId40"/>
   </p:handoutMasterIdLst>
   <p:sldIdLst>
-    <p:sldId id="4050" r:id="rId2"/>
-    <p:sldId id="4199" r:id="rId3"/>
-    <p:sldId id="4217" r:id="rId4"/>
-    <p:sldId id="4202" r:id="rId5"/>
-    <p:sldId id="4220" r:id="rId6"/>
-    <p:sldId id="325" r:id="rId7"/>
-    <p:sldId id="4204" r:id="rId8"/>
-    <p:sldId id="4216" r:id="rId9"/>
-    <p:sldId id="1189" r:id="rId10"/>
-    <p:sldId id="2147477357" r:id="rId11"/>
-    <p:sldId id="1236" r:id="rId12"/>
-    <p:sldId id="4205" r:id="rId13"/>
-    <p:sldId id="4206" r:id="rId14"/>
-    <p:sldId id="981" r:id="rId15"/>
-    <p:sldId id="2147477359" r:id="rId16"/>
-    <p:sldId id="1239" r:id="rId17"/>
-    <p:sldId id="1240" r:id="rId18"/>
-    <p:sldId id="4224" r:id="rId19"/>
-    <p:sldId id="4225" r:id="rId20"/>
-    <p:sldId id="1243" r:id="rId21"/>
-    <p:sldId id="4219" r:id="rId22"/>
-    <p:sldId id="1244" r:id="rId23"/>
-    <p:sldId id="1245" r:id="rId24"/>
-    <p:sldId id="4237" r:id="rId25"/>
-    <p:sldId id="4238" r:id="rId26"/>
-    <p:sldId id="4236" r:id="rId27"/>
-    <p:sldId id="4221" r:id="rId28"/>
-    <p:sldId id="1246" r:id="rId29"/>
-    <p:sldId id="1247" r:id="rId30"/>
-    <p:sldId id="4214" r:id="rId31"/>
-    <p:sldId id="1249" r:id="rId32"/>
-    <p:sldId id="1250" r:id="rId33"/>
-    <p:sldId id="4171" r:id="rId34"/>
-    <p:sldId id="2147477356" r:id="rId35"/>
-    <p:sldId id="2147477360" r:id="rId36"/>
-    <p:sldId id="2147477358" r:id="rId37"/>
+    <p:sldId id="4050" r:id="rId3"/>
+    <p:sldId id="4199" r:id="rId4"/>
+    <p:sldId id="4217" r:id="rId5"/>
+    <p:sldId id="4202" r:id="rId6"/>
+    <p:sldId id="4220" r:id="rId7"/>
+    <p:sldId id="325" r:id="rId8"/>
+    <p:sldId id="4204" r:id="rId9"/>
+    <p:sldId id="4216" r:id="rId10"/>
+    <p:sldId id="1189" r:id="rId11"/>
+    <p:sldId id="2147477357" r:id="rId12"/>
+    <p:sldId id="1236" r:id="rId13"/>
+    <p:sldId id="4205" r:id="rId14"/>
+    <p:sldId id="4206" r:id="rId15"/>
+    <p:sldId id="981" r:id="rId16"/>
+    <p:sldId id="2147477359" r:id="rId17"/>
+    <p:sldId id="1239" r:id="rId18"/>
+    <p:sldId id="1240" r:id="rId19"/>
+    <p:sldId id="4224" r:id="rId20"/>
+    <p:sldId id="4225" r:id="rId21"/>
+    <p:sldId id="1243" r:id="rId22"/>
+    <p:sldId id="4219" r:id="rId23"/>
+    <p:sldId id="1244" r:id="rId24"/>
+    <p:sldId id="1245" r:id="rId25"/>
+    <p:sldId id="4237" r:id="rId26"/>
+    <p:sldId id="4238" r:id="rId27"/>
+    <p:sldId id="4236" r:id="rId28"/>
+    <p:sldId id="4221" r:id="rId29"/>
+    <p:sldId id="1246" r:id="rId30"/>
+    <p:sldId id="1247" r:id="rId31"/>
+    <p:sldId id="4214" r:id="rId32"/>
+    <p:sldId id="1249" r:id="rId33"/>
+    <p:sldId id="1250" r:id="rId34"/>
+    <p:sldId id="4171" r:id="rId35"/>
+    <p:sldId id="2147477356" r:id="rId36"/>
+    <p:sldId id="2147477360" r:id="rId37"/>
+    <p:sldId id="2147477358" r:id="rId38"/>
   </p:sldIdLst>
   <p:sldSz cx="12192000" cy="6858000"/>
   <p:notesSz cx="6858000" cy="9144000"/>
   <p:custDataLst>
-    <p:tags r:id="rId40"/>
+    <p:tags r:id="rId41"/>
   </p:custDataLst>
   <p:defaultTextStyle>
     <a:defPPr>
@@ -362,7 +363,7 @@
           <a:p>
             <a:fld id="{129848E0-960D-4BB4-BB9E-C21D55625BC4}" type="datetimeFigureOut">
               <a:rPr lang="en-US" smtClean="0"/>
-              <a:t>6/3/25</a:t>
+              <a:t>8/6/25</a:t>
             </a:fld>
             <a:endParaRPr lang="en-US" dirty="0"/>
           </a:p>
@@ -1590,7 +1591,7 @@
           <a:p>
             <a:r>
               <a:rPr lang="en-US" dirty="0"/>
-              <a:t>One-hot encoding example of identity but not semantic meaning: The first word in the vocabulary is [1, 0, 0, 0..], the second is [0, 1, 0, ..], and so forth.</a:t>
+              <a:t>One-hot encoding is an example of identity but not semantic meaning: The first word in the vocabulary is [1, 0, 0, 0..], the second is [0, 1, 0, ..], and so forth.</a:t>
             </a:r>
           </a:p>
           <a:p>
@@ -4855,6 +4856,511 @@
 </file>
 
 <file path=ppt/slideLayouts/slideLayout1.xml><?xml version="1.0" encoding="utf-8"?>
+<p:sldLayout xmlns:a="http://schemas.openxmlformats.org/drawingml/2006/main" xmlns:r="http://schemas.openxmlformats.org/officeDocument/2006/relationships" xmlns:p="http://schemas.openxmlformats.org/presentationml/2006/main" showMasterSp="0" userDrawn="1">
+  <p:cSld name="1_Title slide">
+    <p:bg>
+      <p:bgPr>
+        <a:blipFill dpi="0" rotWithShape="1">
+          <a:blip r:embed="rId3">
+            <a:lum/>
+          </a:blip>
+          <a:srcRect/>
+          <a:stretch>
+            <a:fillRect/>
+          </a:stretch>
+        </a:blipFill>
+        <a:effectLst/>
+      </p:bgPr>
+    </p:bg>
+    <p:spTree>
+      <p:nvGrpSpPr>
+        <p:cNvPr id="1" name=""/>
+        <p:cNvGrpSpPr/>
+        <p:nvPr/>
+      </p:nvGrpSpPr>
+      <p:grpSpPr>
+        <a:xfrm>
+          <a:off x="0" y="0"/>
+          <a:ext cx="0" cy="0"/>
+          <a:chOff x="0" y="0"/>
+          <a:chExt cx="0" cy="0"/>
+        </a:xfrm>
+      </p:grpSpPr>
+      <p:pic>
+        <p:nvPicPr>
+          <p:cNvPr id="98" name="Copyright2">
+            <a:extLst>
+              <a:ext uri="{FF2B5EF4-FFF2-40B4-BE49-F238E27FC236}">
+                <a16:creationId xmlns:a16="http://schemas.microsoft.com/office/drawing/2014/main" id="{FB8C5349-93AF-43C3-AC09-E6C1457C5381}"/>
+              </a:ext>
+              <a:ext uri="{C183D7F6-B498-43B3-948B-1728B52AA6E4}">
+                <adec:decorative xmlns:adec="http://schemas.microsoft.com/office/drawing/2017/decorative" val="1"/>
+              </a:ext>
+            </a:extLst>
+          </p:cNvPr>
+          <p:cNvPicPr>
+            <a:picLocks/>
+          </p:cNvPicPr>
+          <p:nvPr/>
+        </p:nvPicPr>
+        <p:blipFill>
+          <a:blip r:embed="rId4">
+            <a:extLst>
+              <a:ext uri="{28A0092B-C50C-407E-A947-70E740481C1C}">
+                <a14:useLocalDpi xmlns:a14="http://schemas.microsoft.com/office/drawing/2010/main" val="0"/>
+              </a:ext>
+            </a:extLst>
+          </a:blip>
+          <a:stretch>
+            <a:fillRect/>
+          </a:stretch>
+        </p:blipFill>
+        <p:spPr>
+          <a:xfrm>
+            <a:off x="3799983" y="6446519"/>
+            <a:ext cx="4610100" cy="311150"/>
+          </a:xfrm>
+          <a:prstGeom prst="rect">
+            <a:avLst/>
+          </a:prstGeom>
+        </p:spPr>
+      </p:pic>
+      <p:sp>
+        <p:nvSpPr>
+          <p:cNvPr id="97" name="Slide Number">
+            <a:extLst>
+              <a:ext uri="{FF2B5EF4-FFF2-40B4-BE49-F238E27FC236}">
+                <a16:creationId xmlns:a16="http://schemas.microsoft.com/office/drawing/2014/main" id="{576AC153-25F3-4431-87F8-2E0931CF2549}"/>
+              </a:ext>
+            </a:extLst>
+          </p:cNvPr>
+          <p:cNvSpPr>
+            <a:spLocks noGrp="1"/>
+          </p:cNvSpPr>
+          <p:nvPr>
+            <p:ph type="sldNum" idx="97"/>
+          </p:nvPr>
+        </p:nvSpPr>
+        <p:spPr>
+          <a:xfrm>
+            <a:off x="11347704" y="6446520"/>
+            <a:ext cx="484632" cy="228600"/>
+          </a:xfrm>
+        </p:spPr>
+        <p:txBody>
+          <a:bodyPr/>
+          <a:lstStyle>
+            <a:lvl1pPr>
+              <a:defRPr>
+                <a:solidFill>
+                  <a:srgbClr val="232F3E"/>
+                </a:solidFill>
+              </a:defRPr>
+            </a:lvl1pPr>
+          </a:lstStyle>
+          <a:p>
+            <a:fld id="{86A8BF56-6CB3-514C-9A64-F39D95C9E25B}" type="slidenum">
+              <a:rPr lang="en-US" smtClean="0"/>
+              <a:t>‹#›</a:t>
+            </a:fld>
+            <a:endParaRPr lang="en-US" dirty="0"/>
+          </a:p>
+        </p:txBody>
+      </p:sp>
+      <p:sp>
+        <p:nvSpPr>
+          <p:cNvPr id="5" name="Title 4">
+            <a:extLst>
+              <a:ext uri="{FF2B5EF4-FFF2-40B4-BE49-F238E27FC236}">
+                <a16:creationId xmlns:a16="http://schemas.microsoft.com/office/drawing/2014/main" id="{08D269A5-D107-2782-1600-9CFF8B439252}"/>
+              </a:ext>
+            </a:extLst>
+          </p:cNvPr>
+          <p:cNvSpPr>
+            <a:spLocks noGrp="1"/>
+          </p:cNvSpPr>
+          <p:nvPr>
+            <p:ph type="title" idx="1" hasCustomPrompt="1"/>
+          </p:nvPr>
+        </p:nvSpPr>
+        <p:spPr>
+          <a:xfrm>
+            <a:off x="457200" y="1554480"/>
+            <a:ext cx="8083296" cy="1463040"/>
+          </a:xfrm>
+        </p:spPr>
+        <p:txBody>
+          <a:bodyPr anchor="b">
+            <a:normAutofit/>
+          </a:bodyPr>
+          <a:lstStyle>
+            <a:lvl1pPr>
+              <a:defRPr sz="4800" b="1" i="0">
+                <a:solidFill>
+                  <a:srgbClr val="F1F3F3"/>
+                </a:solidFill>
+                <a:latin typeface="Amazon Ember Heavy" panose="020B0603020204020204" pitchFamily="34" charset="0"/>
+                <a:ea typeface="Amazon Ember Heavy" panose="020B0603020204020204" pitchFamily="34" charset="0"/>
+                <a:cs typeface="Amazon Ember Heavy" panose="020B0603020204020204" pitchFamily="34" charset="0"/>
+              </a:defRPr>
+            </a:lvl1pPr>
+          </a:lstStyle>
+          <a:p>
+            <a:r>
+              <a:rPr lang="en-US" dirty="0"/>
+              <a:t>Enter lesson title</a:t>
+            </a:r>
+          </a:p>
+        </p:txBody>
+      </p:sp>
+      <p:sp>
+        <p:nvSpPr>
+          <p:cNvPr id="6" name="Text Placeholder 5">
+            <a:extLst>
+              <a:ext uri="{FF2B5EF4-FFF2-40B4-BE49-F238E27FC236}">
+                <a16:creationId xmlns:a16="http://schemas.microsoft.com/office/drawing/2014/main" id="{56B61F05-1C18-7A17-A21D-C93186B1401A}"/>
+              </a:ext>
+            </a:extLst>
+          </p:cNvPr>
+          <p:cNvSpPr>
+            <a:spLocks noGrp="1"/>
+          </p:cNvSpPr>
+          <p:nvPr>
+            <p:ph type="body" idx="2" hasCustomPrompt="1"/>
+          </p:nvPr>
+        </p:nvSpPr>
+        <p:spPr>
+          <a:xfrm>
+            <a:off x="457199" y="3017520"/>
+            <a:ext cx="8412479" cy="548641"/>
+          </a:xfrm>
+        </p:spPr>
+        <p:txBody>
+          <a:bodyPr tIns="91440">
+            <a:normAutofit/>
+          </a:bodyPr>
+          <a:lstStyle>
+            <a:lvl1pPr marL="0" indent="0">
+              <a:buNone/>
+              <a:defRPr sz="3200" i="0">
+                <a:solidFill>
+                  <a:srgbClr val="F1F3F3"/>
+                </a:solidFill>
+                <a:latin typeface="+mn-lt"/>
+              </a:defRPr>
+            </a:lvl1pPr>
+          </a:lstStyle>
+          <a:p>
+            <a:r>
+              <a:rPr lang="en-US" dirty="0"/>
+              <a:t>Enter course name</a:t>
+            </a:r>
+          </a:p>
+        </p:txBody>
+      </p:sp>
+      <p:sp>
+        <p:nvSpPr>
+          <p:cNvPr id="8" name="Text Placeholder 5">
+            <a:extLst>
+              <a:ext uri="{FF2B5EF4-FFF2-40B4-BE49-F238E27FC236}">
+                <a16:creationId xmlns:a16="http://schemas.microsoft.com/office/drawing/2014/main" id="{98007F72-4142-F93E-B4D8-E79E478801B1}"/>
+              </a:ext>
+            </a:extLst>
+          </p:cNvPr>
+          <p:cNvSpPr>
+            <a:spLocks noGrp="1"/>
+          </p:cNvSpPr>
+          <p:nvPr>
+            <p:ph type="body" idx="98" hasCustomPrompt="1"/>
+          </p:nvPr>
+        </p:nvSpPr>
+        <p:spPr>
+          <a:xfrm>
+            <a:off x="457200" y="5120640"/>
+            <a:ext cx="5486400" cy="548640"/>
+          </a:xfrm>
+        </p:spPr>
+        <p:txBody>
+          <a:bodyPr>
+            <a:normAutofit/>
+          </a:bodyPr>
+          <a:lstStyle>
+            <a:lvl1pPr marL="0" indent="0">
+              <a:buNone/>
+              <a:defRPr sz="2800">
+                <a:solidFill>
+                  <a:srgbClr val="F1F3F3"/>
+                </a:solidFill>
+                <a:latin typeface="+mn-lt"/>
+              </a:defRPr>
+            </a:lvl1pPr>
+          </a:lstStyle>
+          <a:p>
+            <a:r>
+              <a:rPr lang="en-US" dirty="0"/>
+              <a:t>Module # - Lesson #</a:t>
+            </a:r>
+          </a:p>
+        </p:txBody>
+      </p:sp>
+    </p:spTree>
+    <p:custDataLst>
+      <p:tags r:id="rId1"/>
+    </p:custDataLst>
+    <p:extLst>
+      <p:ext uri="{BB962C8B-B14F-4D97-AF65-F5344CB8AC3E}">
+        <p14:creationId xmlns:p14="http://schemas.microsoft.com/office/powerpoint/2010/main" val="674086123"/>
+      </p:ext>
+    </p:extLst>
+  </p:cSld>
+  <p:clrMapOvr>
+    <a:masterClrMapping/>
+  </p:clrMapOvr>
+</p:sldLayout>
+</file>
+
+<file path=ppt/slideLayouts/slideLayout10.xml><?xml version="1.0" encoding="utf-8"?>
+<p:sldLayout xmlns:a="http://schemas.openxmlformats.org/drawingml/2006/main" xmlns:r="http://schemas.openxmlformats.org/officeDocument/2006/relationships" xmlns:p="http://schemas.openxmlformats.org/presentationml/2006/main" showMasterSp="0" userDrawn="1">
+  <p:cSld name="2_Thank You">
+    <p:bg>
+      <p:bgPr>
+        <a:blipFill dpi="0" rotWithShape="1">
+          <a:blip r:embed="rId3">
+            <a:lum/>
+          </a:blip>
+          <a:srcRect/>
+          <a:stretch>
+            <a:fillRect/>
+          </a:stretch>
+        </a:blipFill>
+        <a:effectLst/>
+      </p:bgPr>
+    </p:bg>
+    <p:spTree>
+      <p:nvGrpSpPr>
+        <p:cNvPr id="1" name=""/>
+        <p:cNvGrpSpPr/>
+        <p:nvPr/>
+      </p:nvGrpSpPr>
+      <p:grpSpPr>
+        <a:xfrm>
+          <a:off x="0" y="0"/>
+          <a:ext cx="0" cy="0"/>
+          <a:chOff x="0" y="0"/>
+          <a:chExt cx="0" cy="0"/>
+        </a:xfrm>
+      </p:grpSpPr>
+      <p:pic>
+        <p:nvPicPr>
+          <p:cNvPr id="98" name="Copyright2">
+            <a:extLst>
+              <a:ext uri="{FF2B5EF4-FFF2-40B4-BE49-F238E27FC236}">
+                <a16:creationId xmlns:a16="http://schemas.microsoft.com/office/drawing/2014/main" id="{8FF0BAF7-53D6-4FA8-BA21-0899A446DA9F}"/>
+              </a:ext>
+              <a:ext uri="{C183D7F6-B498-43B3-948B-1728B52AA6E4}">
+                <adec:decorative xmlns:adec="http://schemas.microsoft.com/office/drawing/2017/decorative" val="1"/>
+              </a:ext>
+            </a:extLst>
+          </p:cNvPr>
+          <p:cNvPicPr>
+            <a:picLocks/>
+          </p:cNvPicPr>
+          <p:nvPr/>
+        </p:nvPicPr>
+        <p:blipFill>
+          <a:blip r:embed="rId4">
+            <a:extLst>
+              <a:ext uri="{28A0092B-C50C-407E-A947-70E740481C1C}">
+                <a14:useLocalDpi xmlns:a14="http://schemas.microsoft.com/office/drawing/2010/main" val="0"/>
+              </a:ext>
+            </a:extLst>
+          </a:blip>
+          <a:stretch>
+            <a:fillRect/>
+          </a:stretch>
+        </p:blipFill>
+        <p:spPr>
+          <a:xfrm>
+            <a:off x="3799983" y="6446520"/>
+            <a:ext cx="4610100" cy="311150"/>
+          </a:xfrm>
+          <a:prstGeom prst="rect">
+            <a:avLst/>
+          </a:prstGeom>
+        </p:spPr>
+      </p:pic>
+      <p:sp>
+        <p:nvSpPr>
+          <p:cNvPr id="97" name="Slide Number">
+            <a:extLst>
+              <a:ext uri="{FF2B5EF4-FFF2-40B4-BE49-F238E27FC236}">
+                <a16:creationId xmlns:a16="http://schemas.microsoft.com/office/drawing/2014/main" id="{576AC153-25F3-4431-87F8-2E0931CF2549}"/>
+              </a:ext>
+            </a:extLst>
+          </p:cNvPr>
+          <p:cNvSpPr>
+            <a:spLocks noGrp="1"/>
+          </p:cNvSpPr>
+          <p:nvPr>
+            <p:ph type="sldNum" idx="97"/>
+          </p:nvPr>
+        </p:nvSpPr>
+        <p:spPr>
+          <a:xfrm>
+            <a:off x="11347704" y="6446520"/>
+            <a:ext cx="484632" cy="228600"/>
+          </a:xfrm>
+        </p:spPr>
+        <p:txBody>
+          <a:bodyPr/>
+          <a:lstStyle>
+            <a:lvl1pPr>
+              <a:defRPr>
+                <a:solidFill>
+                  <a:srgbClr val="232F3E"/>
+                </a:solidFill>
+              </a:defRPr>
+            </a:lvl1pPr>
+          </a:lstStyle>
+          <a:p>
+            <a:fld id="{86A8BF56-6CB3-514C-9A64-F39D95C9E25B}" type="slidenum">
+              <a:rPr lang="en-US" smtClean="0"/>
+              <a:t>‹#›</a:t>
+            </a:fld>
+            <a:endParaRPr lang="en-US" dirty="0"/>
+          </a:p>
+        </p:txBody>
+      </p:sp>
+      <p:sp>
+        <p:nvSpPr>
+          <p:cNvPr id="2" name="Title 1">
+            <a:extLst>
+              <a:ext uri="{FF2B5EF4-FFF2-40B4-BE49-F238E27FC236}">
+                <a16:creationId xmlns:a16="http://schemas.microsoft.com/office/drawing/2014/main" id="{483E0238-7303-4F06-B0DF-010000D82A4D}"/>
+              </a:ext>
+            </a:extLst>
+          </p:cNvPr>
+          <p:cNvSpPr>
+            <a:spLocks noGrp="1"/>
+          </p:cNvSpPr>
+          <p:nvPr>
+            <p:ph type="title" hasCustomPrompt="1"/>
+          </p:nvPr>
+        </p:nvSpPr>
+        <p:spPr>
+          <a:xfrm>
+            <a:off x="2249424" y="4242816"/>
+            <a:ext cx="4416552" cy="1446550"/>
+          </a:xfrm>
+        </p:spPr>
+        <p:txBody>
+          <a:bodyPr anchor="t" anchorCtr="0">
+            <a:spAutoFit/>
+          </a:bodyPr>
+          <a:lstStyle>
+            <a:lvl1pPr algn="ctr">
+              <a:lnSpc>
+                <a:spcPct val="100000"/>
+              </a:lnSpc>
+              <a:defRPr sz="4400">
+                <a:solidFill>
+                  <a:schemeClr val="bg1"/>
+                </a:solidFill>
+              </a:defRPr>
+            </a:lvl1pPr>
+          </a:lstStyle>
+          <a:p>
+            <a:r>
+              <a:rPr lang="en-US" dirty="0"/>
+              <a:t>Add thank you here</a:t>
+            </a:r>
+          </a:p>
+        </p:txBody>
+      </p:sp>
+      <p:sp>
+        <p:nvSpPr>
+          <p:cNvPr id="4" name="Text Placeholder 3">
+            <a:extLst>
+              <a:ext uri="{FF2B5EF4-FFF2-40B4-BE49-F238E27FC236}">
+                <a16:creationId xmlns:a16="http://schemas.microsoft.com/office/drawing/2014/main" id="{4EBEA89D-12E0-4832-BFEA-C24A9F451940}"/>
+              </a:ext>
+            </a:extLst>
+          </p:cNvPr>
+          <p:cNvSpPr>
+            <a:spLocks noGrp="1"/>
+          </p:cNvSpPr>
+          <p:nvPr>
+            <p:ph type="body" sz="quarter" idx="98" hasCustomPrompt="1"/>
+          </p:nvPr>
+        </p:nvSpPr>
+        <p:spPr>
+          <a:xfrm>
+            <a:off x="457200" y="5303520"/>
+            <a:ext cx="8001000" cy="1197864"/>
+          </a:xfrm>
+        </p:spPr>
+        <p:txBody>
+          <a:bodyPr>
+            <a:noAutofit/>
+          </a:bodyPr>
+          <a:lstStyle>
+            <a:lvl1pPr marL="0" indent="0">
+              <a:lnSpc>
+                <a:spcPct val="100000"/>
+              </a:lnSpc>
+              <a:spcBef>
+                <a:spcPts val="0"/>
+              </a:spcBef>
+              <a:buNone/>
+              <a:defRPr sz="1800">
+                <a:solidFill>
+                  <a:schemeClr val="bg1"/>
+                </a:solidFill>
+              </a:defRPr>
+            </a:lvl1pPr>
+            <a:lvl2pPr marL="457200" indent="0">
+              <a:buNone/>
+              <a:defRPr/>
+            </a:lvl2pPr>
+            <a:lvl3pPr marL="914400" indent="0">
+              <a:buNone/>
+              <a:defRPr/>
+            </a:lvl3pPr>
+            <a:lvl4pPr marL="1371600" indent="0">
+              <a:buNone/>
+              <a:defRPr/>
+            </a:lvl4pPr>
+            <a:lvl5pPr marL="1828800" indent="0">
+              <a:buNone/>
+              <a:defRPr/>
+            </a:lvl5pPr>
+          </a:lstStyle>
+          <a:p>
+            <a:pPr lvl="0"/>
+            <a:r>
+              <a:rPr lang="en-US" dirty="0"/>
+              <a:t>Enter the contact us text here</a:t>
+            </a:r>
+          </a:p>
+        </p:txBody>
+      </p:sp>
+    </p:spTree>
+    <p:custDataLst>
+      <p:tags r:id="rId1"/>
+    </p:custDataLst>
+    <p:extLst>
+      <p:ext uri="{BB962C8B-B14F-4D97-AF65-F5344CB8AC3E}">
+        <p14:creationId xmlns:p14="http://schemas.microsoft.com/office/powerpoint/2010/main" val="2199729514"/>
+      </p:ext>
+    </p:extLst>
+  </p:cSld>
+  <p:clrMapOvr>
+    <a:masterClrMapping/>
+  </p:clrMapOvr>
+</p:sldLayout>
+</file>
+
+<file path=ppt/slideLayouts/slideLayout11.xml><?xml version="1.0" encoding="utf-8"?>
 <p:sldLayout xmlns:a="http://schemas.openxmlformats.org/drawingml/2006/main" xmlns:r="http://schemas.openxmlformats.org/officeDocument/2006/relationships" xmlns:p="http://schemas.openxmlformats.org/presentationml/2006/main" preserve="1">
   <p:cSld name="Title Slide">
     <p:bg>
@@ -5088,7 +5594,2667 @@
 </p:sldLayout>
 </file>
 
-<file path=ppt/slideLayouts/slideLayout10.xml><?xml version="1.0" encoding="utf-8"?>
+<file path=ppt/slideLayouts/slideLayout12.xml><?xml version="1.0" encoding="utf-8"?>
+<p:sldLayout xmlns:a="http://schemas.openxmlformats.org/drawingml/2006/main" xmlns:r="http://schemas.openxmlformats.org/officeDocument/2006/relationships" xmlns:p="http://schemas.openxmlformats.org/presentationml/2006/main" showMasterSp="0" type="secHead" preserve="1">
+  <p:cSld name="Quote slide">
+    <p:bg>
+      <p:bgPr>
+        <a:gradFill>
+          <a:gsLst>
+            <a:gs pos="0">
+              <a:srgbClr val="47008F">
+                <a:lumMod val="90000"/>
+                <a:lumOff val="10000"/>
+              </a:srgbClr>
+            </a:gs>
+            <a:gs pos="23000">
+              <a:srgbClr val="47008F">
+                <a:lumMod val="97000"/>
+                <a:lumOff val="3000"/>
+              </a:srgbClr>
+            </a:gs>
+            <a:gs pos="69000">
+              <a:srgbClr val="47008F">
+                <a:lumMod val="83000"/>
+              </a:srgbClr>
+            </a:gs>
+            <a:gs pos="97000">
+              <a:srgbClr val="47008F">
+                <a:lumMod val="73000"/>
+              </a:srgbClr>
+            </a:gs>
+          </a:gsLst>
+          <a:path path="circle">
+            <a:fillToRect l="50000" t="50000" r="50000" b="50000"/>
+          </a:path>
+        </a:gradFill>
+        <a:effectLst/>
+      </p:bgPr>
+    </p:bg>
+    <p:spTree>
+      <p:nvGrpSpPr>
+        <p:cNvPr id="1" name=""/>
+        <p:cNvGrpSpPr/>
+        <p:nvPr/>
+      </p:nvGrpSpPr>
+      <p:grpSpPr>
+        <a:xfrm>
+          <a:off x="0" y="0"/>
+          <a:ext cx="0" cy="0"/>
+          <a:chOff x="0" y="0"/>
+          <a:chExt cx="0" cy="0"/>
+        </a:xfrm>
+      </p:grpSpPr>
+      <p:sp>
+        <p:nvSpPr>
+          <p:cNvPr id="97" name="Slide Number">
+            <a:extLst>
+              <a:ext uri="{FF2B5EF4-FFF2-40B4-BE49-F238E27FC236}">
+                <a16:creationId xmlns:a16="http://schemas.microsoft.com/office/drawing/2014/main" id="{576AC153-25F3-4431-87F8-2E0931CF2549}"/>
+              </a:ext>
+            </a:extLst>
+          </p:cNvPr>
+          <p:cNvSpPr>
+            <a:spLocks noGrp="1"/>
+          </p:cNvSpPr>
+          <p:nvPr>
+            <p:ph type="sldNum" idx="97"/>
+          </p:nvPr>
+        </p:nvSpPr>
+        <p:spPr>
+          <a:xfrm>
+            <a:off x="11347704" y="6446520"/>
+            <a:ext cx="484632" cy="228600"/>
+          </a:xfrm>
+        </p:spPr>
+        <p:txBody>
+          <a:bodyPr/>
+          <a:lstStyle>
+            <a:lvl1pPr>
+              <a:defRPr>
+                <a:solidFill>
+                  <a:schemeClr val="bg1"/>
+                </a:solidFill>
+              </a:defRPr>
+            </a:lvl1pPr>
+          </a:lstStyle>
+          <a:p>
+            <a:fld id="{86A8BF56-6CB3-514C-9A64-F39D95C9E25B}" type="slidenum">
+              <a:rPr lang="en-US" smtClean="0"/>
+              <a:t>‹#›</a:t>
+            </a:fld>
+            <a:endParaRPr lang="en-US"/>
+          </a:p>
+        </p:txBody>
+      </p:sp>
+      <p:sp>
+        <p:nvSpPr>
+          <p:cNvPr id="3" name="Title">
+            <a:extLst>
+              <a:ext uri="{FF2B5EF4-FFF2-40B4-BE49-F238E27FC236}">
+                <a16:creationId xmlns:a16="http://schemas.microsoft.com/office/drawing/2014/main" id="{FEA5D771-1E37-4674-A454-5B6A887E81B8}"/>
+              </a:ext>
+            </a:extLst>
+          </p:cNvPr>
+          <p:cNvSpPr>
+            <a:spLocks noGrp="1"/>
+          </p:cNvSpPr>
+          <p:nvPr>
+            <p:ph type="title" idx="1" hasCustomPrompt="1"/>
+          </p:nvPr>
+        </p:nvSpPr>
+        <p:spPr>
+          <a:xfrm>
+            <a:off x="365760" y="2435469"/>
+            <a:ext cx="11472013" cy="1960803"/>
+          </a:xfrm>
+        </p:spPr>
+        <p:txBody>
+          <a:bodyPr anchor="ctr">
+            <a:normAutofit/>
+          </a:bodyPr>
+          <a:lstStyle>
+            <a:lvl1pPr>
+              <a:defRPr sz="4000">
+                <a:solidFill>
+                  <a:schemeClr val="bg2"/>
+                </a:solidFill>
+                <a:latin typeface="Amazon Ember Display Heavy"/>
+              </a:defRPr>
+            </a:lvl1pPr>
+          </a:lstStyle>
+          <a:p>
+            <a:r>
+              <a:rPr lang="en-US" dirty="0"/>
+              <a:t>“Enter quote here”</a:t>
+            </a:r>
+          </a:p>
+        </p:txBody>
+      </p:sp>
+      <p:sp>
+        <p:nvSpPr>
+          <p:cNvPr id="2" name="Attribution">
+            <a:extLst>
+              <a:ext uri="{FF2B5EF4-FFF2-40B4-BE49-F238E27FC236}">
+                <a16:creationId xmlns:a16="http://schemas.microsoft.com/office/drawing/2014/main" id="{0DEABB21-C29F-4E2E-AADE-6FBA5EF95AF4}"/>
+              </a:ext>
+            </a:extLst>
+          </p:cNvPr>
+          <p:cNvSpPr>
+            <a:spLocks noGrp="1"/>
+          </p:cNvSpPr>
+          <p:nvPr>
+            <p:ph type="body" idx="2" hasCustomPrompt="1"/>
+          </p:nvPr>
+        </p:nvSpPr>
+        <p:spPr>
+          <a:xfrm>
+            <a:off x="6096000" y="4624991"/>
+            <a:ext cx="5741773" cy="770066"/>
+          </a:xfrm>
+        </p:spPr>
+        <p:txBody>
+          <a:bodyPr>
+            <a:noAutofit/>
+          </a:bodyPr>
+          <a:lstStyle>
+            <a:lvl1pPr marL="0" indent="0">
+              <a:buNone/>
+              <a:defRPr sz="2800">
+                <a:solidFill>
+                  <a:schemeClr val="bg2"/>
+                </a:solidFill>
+              </a:defRPr>
+            </a:lvl1pPr>
+          </a:lstStyle>
+          <a:p>
+            <a:r>
+              <a:rPr lang="en-US" dirty="0"/>
+              <a:t>- Attribution</a:t>
+            </a:r>
+          </a:p>
+        </p:txBody>
+      </p:sp>
+    </p:spTree>
+    <p:extLst>
+      <p:ext uri="{BB962C8B-B14F-4D97-AF65-F5344CB8AC3E}">
+        <p14:creationId xmlns:p14="http://schemas.microsoft.com/office/powerpoint/2010/main" val="1333554643"/>
+      </p:ext>
+    </p:extLst>
+  </p:cSld>
+  <p:clrMapOvr>
+    <a:masterClrMapping/>
+  </p:clrMapOvr>
+</p:sldLayout>
+</file>
+
+<file path=ppt/slideLayouts/slideLayout13.xml><?xml version="1.0" encoding="utf-8"?>
+<p:sldLayout xmlns:a="http://schemas.openxmlformats.org/drawingml/2006/main" xmlns:r="http://schemas.openxmlformats.org/officeDocument/2006/relationships" xmlns:p="http://schemas.openxmlformats.org/presentationml/2006/main" showMasterSp="0" preserve="1">
+  <p:cSld name="Topic Introduction">
+    <p:bg>
+      <p:bgPr>
+        <a:solidFill>
+          <a:schemeClr val="bg1"/>
+        </a:solidFill>
+        <a:effectLst/>
+      </p:bgPr>
+    </p:bg>
+    <p:spTree>
+      <p:nvGrpSpPr>
+        <p:cNvPr id="1" name=""/>
+        <p:cNvGrpSpPr/>
+        <p:nvPr/>
+      </p:nvGrpSpPr>
+      <p:grpSpPr>
+        <a:xfrm>
+          <a:off x="0" y="0"/>
+          <a:ext cx="0" cy="0"/>
+          <a:chOff x="0" y="0"/>
+          <a:chExt cx="0" cy="0"/>
+        </a:xfrm>
+      </p:grpSpPr>
+      <p:sp>
+        <p:nvSpPr>
+          <p:cNvPr id="6" name="Rectangle 5">
+            <a:extLst>
+              <a:ext uri="{FF2B5EF4-FFF2-40B4-BE49-F238E27FC236}">
+                <a16:creationId xmlns:a16="http://schemas.microsoft.com/office/drawing/2014/main" id="{388A78E8-6AA2-E26A-BE84-51DCD543A1DF}"/>
+              </a:ext>
+            </a:extLst>
+          </p:cNvPr>
+          <p:cNvSpPr/>
+          <p:nvPr/>
+        </p:nvSpPr>
+        <p:spPr>
+          <a:xfrm>
+            <a:off x="0" y="11648"/>
+            <a:ext cx="4434840" cy="6858000"/>
+          </a:xfrm>
+          <a:prstGeom prst="rect">
+            <a:avLst/>
+          </a:prstGeom>
+          <a:gradFill flip="none" rotWithShape="1">
+            <a:gsLst>
+              <a:gs pos="0">
+                <a:srgbClr val="47008F">
+                  <a:lumMod val="90000"/>
+                  <a:lumOff val="10000"/>
+                </a:srgbClr>
+              </a:gs>
+              <a:gs pos="23000">
+                <a:srgbClr val="47008F">
+                  <a:lumMod val="97000"/>
+                  <a:lumOff val="3000"/>
+                </a:srgbClr>
+              </a:gs>
+              <a:gs pos="69000">
+                <a:srgbClr val="47008F">
+                  <a:lumMod val="83000"/>
+                </a:srgbClr>
+              </a:gs>
+              <a:gs pos="97000">
+                <a:srgbClr val="47008F">
+                  <a:lumMod val="73000"/>
+                </a:srgbClr>
+              </a:gs>
+            </a:gsLst>
+            <a:path path="circle">
+              <a:fillToRect l="100000" t="100000"/>
+            </a:path>
+            <a:tileRect r="-100000" b="-100000"/>
+          </a:gradFill>
+          <a:ln>
+            <a:noFill/>
+          </a:ln>
+        </p:spPr>
+        <p:style>
+          <a:lnRef idx="2">
+            <a:schemeClr val="accent1">
+              <a:shade val="15000"/>
+            </a:schemeClr>
+          </a:lnRef>
+          <a:fillRef idx="1">
+            <a:schemeClr val="accent1"/>
+          </a:fillRef>
+          <a:effectRef idx="0">
+            <a:schemeClr val="accent1"/>
+          </a:effectRef>
+          <a:fontRef idx="minor">
+            <a:schemeClr val="lt1"/>
+          </a:fontRef>
+        </p:style>
+        <p:txBody>
+          <a:bodyPr rtlCol="0" anchor="ctr"/>
+          <a:lstStyle/>
+          <a:p>
+            <a:pPr algn="ctr"/>
+            <a:endParaRPr lang="en-US"/>
+          </a:p>
+        </p:txBody>
+      </p:sp>
+      <p:sp>
+        <p:nvSpPr>
+          <p:cNvPr id="97" name="Slide Number">
+            <a:extLst>
+              <a:ext uri="{FF2B5EF4-FFF2-40B4-BE49-F238E27FC236}">
+                <a16:creationId xmlns:a16="http://schemas.microsoft.com/office/drawing/2014/main" id="{E7A23F66-1657-489E-8769-B7CCC9F020AC}"/>
+              </a:ext>
+            </a:extLst>
+          </p:cNvPr>
+          <p:cNvSpPr>
+            <a:spLocks noGrp="1"/>
+          </p:cNvSpPr>
+          <p:nvPr>
+            <p:ph type="sldNum" idx="97"/>
+          </p:nvPr>
+        </p:nvSpPr>
+        <p:spPr>
+          <a:xfrm>
+            <a:off x="11347704" y="6446520"/>
+            <a:ext cx="484632" cy="228600"/>
+          </a:xfrm>
+        </p:spPr>
+        <p:txBody>
+          <a:bodyPr/>
+          <a:lstStyle>
+            <a:lvl1pPr>
+              <a:defRPr>
+                <a:solidFill>
+                  <a:srgbClr val="232F3E"/>
+                </a:solidFill>
+              </a:defRPr>
+            </a:lvl1pPr>
+          </a:lstStyle>
+          <a:p>
+            <a:fld id="{86A8BF56-6CB3-514C-9A64-F39D95C9E25B}" type="slidenum">
+              <a:rPr lang="en-US" smtClean="0"/>
+              <a:t>‹#›</a:t>
+            </a:fld>
+            <a:endParaRPr lang="en-US"/>
+          </a:p>
+        </p:txBody>
+      </p:sp>
+      <p:sp>
+        <p:nvSpPr>
+          <p:cNvPr id="4" name="Title">
+            <a:extLst>
+              <a:ext uri="{FF2B5EF4-FFF2-40B4-BE49-F238E27FC236}">
+                <a16:creationId xmlns:a16="http://schemas.microsoft.com/office/drawing/2014/main" id="{F2D32D74-0FC6-414A-96C5-2549942CD64E}"/>
+              </a:ext>
+            </a:extLst>
+          </p:cNvPr>
+          <p:cNvSpPr>
+            <a:spLocks noGrp="1"/>
+          </p:cNvSpPr>
+          <p:nvPr>
+            <p:ph type="title" idx="1" hasCustomPrompt="1"/>
+          </p:nvPr>
+        </p:nvSpPr>
+        <p:spPr>
+          <a:xfrm>
+            <a:off x="243242" y="292099"/>
+            <a:ext cx="4062057" cy="1866901"/>
+          </a:xfrm>
+        </p:spPr>
+        <p:txBody>
+          <a:bodyPr anchor="t">
+            <a:noAutofit/>
+          </a:bodyPr>
+          <a:lstStyle>
+            <a:lvl1pPr algn="ctr">
+              <a:lnSpc>
+                <a:spcPct val="100000"/>
+              </a:lnSpc>
+              <a:defRPr sz="3600">
+                <a:solidFill>
+                  <a:srgbClr val="F1F3F3"/>
+                </a:solidFill>
+                <a:latin typeface="Amazon Ember Display Heavy"/>
+              </a:defRPr>
+            </a:lvl1pPr>
+          </a:lstStyle>
+          <a:p>
+            <a:r>
+              <a:rPr lang="en-US" dirty="0"/>
+              <a:t>Type title here</a:t>
+            </a:r>
+          </a:p>
+        </p:txBody>
+      </p:sp>
+      <p:sp>
+        <p:nvSpPr>
+          <p:cNvPr id="2" name="LeftPlaceholder">
+            <a:extLst>
+              <a:ext uri="{FF2B5EF4-FFF2-40B4-BE49-F238E27FC236}">
+                <a16:creationId xmlns:a16="http://schemas.microsoft.com/office/drawing/2014/main" id="{84AC47C1-092B-4DE6-902E-A0B393854995}"/>
+              </a:ext>
+              <a:ext uri="{C183D7F6-B498-43B3-948B-1728B52AA6E4}">
+                <adec:decorative xmlns:adec="http://schemas.microsoft.com/office/drawing/2017/decorative" val="1"/>
+              </a:ext>
+            </a:extLst>
+          </p:cNvPr>
+          <p:cNvSpPr>
+            <a:spLocks noGrp="1"/>
+          </p:cNvSpPr>
+          <p:nvPr>
+            <p:ph idx="2" hasCustomPrompt="1"/>
+          </p:nvPr>
+        </p:nvSpPr>
+        <p:spPr>
+          <a:xfrm>
+            <a:off x="246888" y="2434960"/>
+            <a:ext cx="4060392" cy="3657600"/>
+          </a:xfrm>
+        </p:spPr>
+        <p:txBody>
+          <a:bodyPr anchor="t">
+            <a:noAutofit/>
+          </a:bodyPr>
+          <a:lstStyle>
+            <a:lvl1pPr marL="0" indent="0" algn="ctr">
+              <a:buNone/>
+              <a:defRPr>
+                <a:solidFill>
+                  <a:srgbClr val="F1F3F3"/>
+                </a:solidFill>
+                <a:latin typeface="+mn-lt"/>
+              </a:defRPr>
+            </a:lvl1pPr>
+          </a:lstStyle>
+          <a:p>
+            <a:r>
+              <a:rPr lang="en-US" dirty="0"/>
+              <a:t>Click to add image</a:t>
+            </a:r>
+          </a:p>
+        </p:txBody>
+      </p:sp>
+      <p:sp>
+        <p:nvSpPr>
+          <p:cNvPr id="3" name="Content">
+            <a:extLst>
+              <a:ext uri="{FF2B5EF4-FFF2-40B4-BE49-F238E27FC236}">
+                <a16:creationId xmlns:a16="http://schemas.microsoft.com/office/drawing/2014/main" id="{E88E0D0B-F719-4929-9A45-08A3503393CA}"/>
+              </a:ext>
+            </a:extLst>
+          </p:cNvPr>
+          <p:cNvSpPr>
+            <a:spLocks noGrp="1"/>
+          </p:cNvSpPr>
+          <p:nvPr>
+            <p:ph type="body" idx="3" hasCustomPrompt="1"/>
+          </p:nvPr>
+        </p:nvSpPr>
+        <p:spPr>
+          <a:xfrm>
+            <a:off x="4592635" y="292099"/>
+            <a:ext cx="7239701" cy="6142651"/>
+          </a:xfrm>
+        </p:spPr>
+        <p:txBody>
+          <a:bodyPr>
+            <a:noAutofit/>
+          </a:bodyPr>
+          <a:lstStyle>
+            <a:lvl1pPr>
+              <a:lnSpc>
+                <a:spcPct val="100000"/>
+              </a:lnSpc>
+              <a:spcAft>
+                <a:spcPts val="600"/>
+              </a:spcAft>
+              <a:buClr>
+                <a:schemeClr val="tx2"/>
+              </a:buClr>
+              <a:defRPr sz="2800">
+                <a:solidFill>
+                  <a:srgbClr val="232F3E"/>
+                </a:solidFill>
+                <a:latin typeface="+mn-lt"/>
+              </a:defRPr>
+            </a:lvl1pPr>
+            <a:lvl2pPr marL="461963" indent="-228600">
+              <a:lnSpc>
+                <a:spcPct val="100000"/>
+              </a:lnSpc>
+              <a:spcAft>
+                <a:spcPts val="600"/>
+              </a:spcAft>
+              <a:buClr>
+                <a:schemeClr val="tx2"/>
+              </a:buClr>
+              <a:defRPr sz="2400">
+                <a:solidFill>
+                  <a:srgbClr val="232F3E"/>
+                </a:solidFill>
+                <a:latin typeface="+mn-lt"/>
+              </a:defRPr>
+            </a:lvl2pPr>
+            <a:lvl3pPr marL="684213" indent="-228600">
+              <a:lnSpc>
+                <a:spcPct val="100000"/>
+              </a:lnSpc>
+              <a:spcAft>
+                <a:spcPts val="600"/>
+              </a:spcAft>
+              <a:buClr>
+                <a:schemeClr val="tx2"/>
+              </a:buClr>
+              <a:defRPr sz="2200">
+                <a:solidFill>
+                  <a:srgbClr val="232F3E"/>
+                </a:solidFill>
+                <a:latin typeface="+mn-lt"/>
+              </a:defRPr>
+            </a:lvl3pPr>
+            <a:lvl4pPr marL="914400" indent="-228600">
+              <a:lnSpc>
+                <a:spcPct val="100000"/>
+              </a:lnSpc>
+              <a:spcAft>
+                <a:spcPts val="600"/>
+              </a:spcAft>
+              <a:buClr>
+                <a:schemeClr val="tx2"/>
+              </a:buClr>
+              <a:defRPr sz="1800">
+                <a:solidFill>
+                  <a:srgbClr val="232F3E"/>
+                </a:solidFill>
+                <a:latin typeface="+mn-lt"/>
+              </a:defRPr>
+            </a:lvl4pPr>
+            <a:lvl5pPr marL="1144588" indent="-228600">
+              <a:lnSpc>
+                <a:spcPct val="100000"/>
+              </a:lnSpc>
+              <a:spcAft>
+                <a:spcPts val="600"/>
+              </a:spcAft>
+              <a:buClr>
+                <a:schemeClr val="tx2"/>
+              </a:buClr>
+              <a:defRPr sz="1800">
+                <a:solidFill>
+                  <a:srgbClr val="232F3E"/>
+                </a:solidFill>
+                <a:latin typeface="+mn-lt"/>
+              </a:defRPr>
+            </a:lvl5pPr>
+            <a:lvl7pPr marL="2743200" indent="0">
+              <a:buNone/>
+              <a:defRPr/>
+            </a:lvl7pPr>
+          </a:lstStyle>
+          <a:p>
+            <a:pPr lvl="0"/>
+            <a:r>
+              <a:rPr lang="en-US" dirty="0"/>
+              <a:t>Add content text</a:t>
+            </a:r>
+          </a:p>
+          <a:p>
+            <a:pPr lvl="1"/>
+            <a:r>
+              <a:rPr lang="en-US" dirty="0"/>
+              <a:t>Second level</a:t>
+            </a:r>
+          </a:p>
+          <a:p>
+            <a:pPr lvl="2"/>
+            <a:r>
+              <a:rPr lang="en-US" dirty="0"/>
+              <a:t>Third level</a:t>
+            </a:r>
+          </a:p>
+          <a:p>
+            <a:pPr lvl="3"/>
+            <a:r>
+              <a:rPr lang="en-US" dirty="0"/>
+              <a:t>Avoid using fourth level</a:t>
+            </a:r>
+          </a:p>
+          <a:p>
+            <a:pPr lvl="4"/>
+            <a:r>
+              <a:rPr lang="en-US" dirty="0"/>
+              <a:t>Avoid using fifth level</a:t>
+            </a:r>
+          </a:p>
+        </p:txBody>
+      </p:sp>
+    </p:spTree>
+    <p:custDataLst>
+      <p:tags r:id="rId1"/>
+    </p:custDataLst>
+    <p:extLst>
+      <p:ext uri="{BB962C8B-B14F-4D97-AF65-F5344CB8AC3E}">
+        <p14:creationId xmlns:p14="http://schemas.microsoft.com/office/powerpoint/2010/main" val="2667086999"/>
+      </p:ext>
+    </p:extLst>
+  </p:cSld>
+  <p:clrMapOvr>
+    <a:masterClrMapping/>
+  </p:clrMapOvr>
+</p:sldLayout>
+</file>
+
+<file path=ppt/slideLayouts/slideLayout14.xml><?xml version="1.0" encoding="utf-8"?>
+<p:sldLayout xmlns:a="http://schemas.openxmlformats.org/drawingml/2006/main" xmlns:r="http://schemas.openxmlformats.org/officeDocument/2006/relationships" xmlns:p="http://schemas.openxmlformats.org/presentationml/2006/main" preserve="1">
+  <p:cSld name="Title and Content">
+    <p:bg>
+      <p:bgPr>
+        <a:solidFill>
+          <a:schemeClr val="bg1"/>
+        </a:solidFill>
+        <a:effectLst/>
+      </p:bgPr>
+    </p:bg>
+    <p:spTree>
+      <p:nvGrpSpPr>
+        <p:cNvPr id="1" name=""/>
+        <p:cNvGrpSpPr/>
+        <p:nvPr/>
+      </p:nvGrpSpPr>
+      <p:grpSpPr>
+        <a:xfrm>
+          <a:off x="0" y="0"/>
+          <a:ext cx="0" cy="0"/>
+          <a:chOff x="0" y="0"/>
+          <a:chExt cx="0" cy="0"/>
+        </a:xfrm>
+      </p:grpSpPr>
+      <p:pic>
+        <p:nvPicPr>
+          <p:cNvPr id="99" name="Divider">
+            <a:extLst>
+              <a:ext uri="{FF2B5EF4-FFF2-40B4-BE49-F238E27FC236}">
+                <a16:creationId xmlns:a16="http://schemas.microsoft.com/office/drawing/2014/main" id="{F3CAEA78-64D9-4CA8-84AB-317B5F555D3C}"/>
+              </a:ext>
+              <a:ext uri="{C183D7F6-B498-43B3-948B-1728B52AA6E4}">
+                <adec:decorative xmlns:adec="http://schemas.microsoft.com/office/drawing/2017/decorative" val="1"/>
+              </a:ext>
+            </a:extLst>
+          </p:cNvPr>
+          <p:cNvPicPr>
+            <a:picLocks/>
+          </p:cNvPicPr>
+          <p:nvPr/>
+        </p:nvPicPr>
+        <p:blipFill>
+          <a:blip r:embed="rId3">
+            <a:extLst>
+              <a:ext uri="{28A0092B-C50C-407E-A947-70E740481C1C}">
+                <a14:useLocalDpi xmlns:a14="http://schemas.microsoft.com/office/drawing/2010/main" val="0"/>
+              </a:ext>
+            </a:extLst>
+          </a:blip>
+          <a:stretch>
+            <a:fillRect/>
+          </a:stretch>
+        </p:blipFill>
+        <p:spPr>
+          <a:xfrm>
+            <a:off x="365759" y="1028377"/>
+            <a:ext cx="11484864" cy="45720"/>
+          </a:xfrm>
+          <a:prstGeom prst="rect">
+            <a:avLst/>
+          </a:prstGeom>
+        </p:spPr>
+      </p:pic>
+      <p:sp>
+        <p:nvSpPr>
+          <p:cNvPr id="97" name="Slide Number">
+            <a:extLst>
+              <a:ext uri="{FF2B5EF4-FFF2-40B4-BE49-F238E27FC236}">
+                <a16:creationId xmlns:a16="http://schemas.microsoft.com/office/drawing/2014/main" id="{02D04820-1551-4DB8-9246-39CB85899696}"/>
+              </a:ext>
+            </a:extLst>
+          </p:cNvPr>
+          <p:cNvSpPr>
+            <a:spLocks noGrp="1"/>
+          </p:cNvSpPr>
+          <p:nvPr>
+            <p:ph type="sldNum" idx="97"/>
+          </p:nvPr>
+        </p:nvSpPr>
+        <p:spPr>
+          <a:xfrm>
+            <a:off x="11347704" y="6446520"/>
+            <a:ext cx="484632" cy="228600"/>
+          </a:xfrm>
+        </p:spPr>
+        <p:txBody>
+          <a:bodyPr/>
+          <a:lstStyle>
+            <a:lvl1pPr>
+              <a:defRPr>
+                <a:solidFill>
+                  <a:srgbClr val="232F3E"/>
+                </a:solidFill>
+              </a:defRPr>
+            </a:lvl1pPr>
+          </a:lstStyle>
+          <a:p>
+            <a:fld id="{86A8BF56-6CB3-514C-9A64-F39D95C9E25B}" type="slidenum">
+              <a:rPr lang="en-US" smtClean="0"/>
+              <a:t>‹#›</a:t>
+            </a:fld>
+            <a:endParaRPr lang="en-US"/>
+          </a:p>
+        </p:txBody>
+      </p:sp>
+      <p:sp>
+        <p:nvSpPr>
+          <p:cNvPr id="3" name="Title">
+            <a:extLst>
+              <a:ext uri="{FF2B5EF4-FFF2-40B4-BE49-F238E27FC236}">
+                <a16:creationId xmlns:a16="http://schemas.microsoft.com/office/drawing/2014/main" id="{5F8A0ED5-8D88-437F-965F-590C0BD195F1}"/>
+              </a:ext>
+            </a:extLst>
+          </p:cNvPr>
+          <p:cNvSpPr>
+            <a:spLocks noGrp="1"/>
+          </p:cNvSpPr>
+          <p:nvPr>
+            <p:ph type="title" idx="1" hasCustomPrompt="1"/>
+          </p:nvPr>
+        </p:nvSpPr>
+        <p:spPr>
+          <a:xfrm>
+            <a:off x="365760" y="301752"/>
+            <a:ext cx="11466576" cy="731520"/>
+          </a:xfrm>
+        </p:spPr>
+        <p:txBody>
+          <a:bodyPr lIns="91440" tIns="45720" rIns="91440" bIns="45720"/>
+          <a:lstStyle>
+            <a:lvl1pPr>
+              <a:lnSpc>
+                <a:spcPct val="100000"/>
+              </a:lnSpc>
+              <a:defRPr>
+                <a:solidFill>
+                  <a:srgbClr val="232F3E"/>
+                </a:solidFill>
+                <a:latin typeface="Amazon Ember Display Heavy"/>
+              </a:defRPr>
+            </a:lvl1pPr>
+          </a:lstStyle>
+          <a:p>
+            <a:r>
+              <a:rPr lang="en-US" dirty="0"/>
+              <a:t>Title and text column</a:t>
+            </a:r>
+          </a:p>
+        </p:txBody>
+      </p:sp>
+      <p:sp>
+        <p:nvSpPr>
+          <p:cNvPr id="2" name="Content">
+            <a:extLst>
+              <a:ext uri="{FF2B5EF4-FFF2-40B4-BE49-F238E27FC236}">
+                <a16:creationId xmlns:a16="http://schemas.microsoft.com/office/drawing/2014/main" id="{C4E502B2-1435-4BCB-BD77-B9E6CB7B3BF5}"/>
+              </a:ext>
+            </a:extLst>
+          </p:cNvPr>
+          <p:cNvSpPr>
+            <a:spLocks noGrp="1"/>
+          </p:cNvSpPr>
+          <p:nvPr>
+            <p:ph idx="2" hasCustomPrompt="1"/>
+          </p:nvPr>
+        </p:nvSpPr>
+        <p:spPr>
+          <a:xfrm>
+            <a:off x="365760" y="1165536"/>
+            <a:ext cx="11466576" cy="5262696"/>
+          </a:xfrm>
+        </p:spPr>
+        <p:txBody>
+          <a:bodyPr>
+            <a:noAutofit/>
+          </a:bodyPr>
+          <a:lstStyle>
+            <a:lvl1pPr>
+              <a:lnSpc>
+                <a:spcPct val="100000"/>
+              </a:lnSpc>
+              <a:spcBef>
+                <a:spcPts val="1000"/>
+              </a:spcBef>
+              <a:spcAft>
+                <a:spcPts val="600"/>
+              </a:spcAft>
+              <a:buClr>
+                <a:schemeClr val="tx2"/>
+              </a:buClr>
+              <a:defRPr>
+                <a:solidFill>
+                  <a:srgbClr val="232F3E"/>
+                </a:solidFill>
+              </a:defRPr>
+            </a:lvl1pPr>
+            <a:lvl2pPr marL="457200" indent="-223838">
+              <a:lnSpc>
+                <a:spcPct val="100000"/>
+              </a:lnSpc>
+              <a:spcBef>
+                <a:spcPts val="500"/>
+              </a:spcBef>
+              <a:spcAft>
+                <a:spcPts val="600"/>
+              </a:spcAft>
+              <a:buClr>
+                <a:schemeClr val="tx2"/>
+              </a:buClr>
+              <a:tabLst/>
+              <a:defRPr>
+                <a:solidFill>
+                  <a:srgbClr val="232F3E"/>
+                </a:solidFill>
+              </a:defRPr>
+            </a:lvl2pPr>
+            <a:lvl3pPr marL="685800" indent="-228600">
+              <a:lnSpc>
+                <a:spcPct val="100000"/>
+              </a:lnSpc>
+              <a:spcBef>
+                <a:spcPts val="500"/>
+              </a:spcBef>
+              <a:spcAft>
+                <a:spcPts val="600"/>
+              </a:spcAft>
+              <a:buClr>
+                <a:schemeClr val="tx2"/>
+              </a:buClr>
+              <a:tabLst/>
+              <a:defRPr sz="2000">
+                <a:solidFill>
+                  <a:srgbClr val="232F3E"/>
+                </a:solidFill>
+              </a:defRPr>
+            </a:lvl3pPr>
+            <a:lvl4pPr marL="914400" indent="-228600">
+              <a:lnSpc>
+                <a:spcPct val="100000"/>
+              </a:lnSpc>
+              <a:spcBef>
+                <a:spcPts val="500"/>
+              </a:spcBef>
+              <a:spcAft>
+                <a:spcPts val="600"/>
+              </a:spcAft>
+              <a:buClr>
+                <a:schemeClr val="tx2"/>
+              </a:buClr>
+              <a:tabLst/>
+              <a:defRPr>
+                <a:solidFill>
+                  <a:srgbClr val="232F3E"/>
+                </a:solidFill>
+              </a:defRPr>
+            </a:lvl4pPr>
+            <a:lvl5pPr marL="1147763" indent="-233363">
+              <a:lnSpc>
+                <a:spcPct val="100000"/>
+              </a:lnSpc>
+              <a:spcBef>
+                <a:spcPts val="500"/>
+              </a:spcBef>
+              <a:spcAft>
+                <a:spcPts val="600"/>
+              </a:spcAft>
+              <a:buClr>
+                <a:schemeClr val="tx2"/>
+              </a:buClr>
+              <a:buFont typeface="Arial" panose="020B0604020202020204" pitchFamily="34" charset="0"/>
+              <a:buChar char="•"/>
+              <a:tabLst/>
+              <a:defRPr sz="1800">
+                <a:solidFill>
+                  <a:srgbClr val="232F3E"/>
+                </a:solidFill>
+              </a:defRPr>
+            </a:lvl5pPr>
+          </a:lstStyle>
+          <a:p>
+            <a:pPr lvl="0"/>
+            <a:r>
+              <a:rPr lang="en-US" dirty="0"/>
+              <a:t>Add content text</a:t>
+            </a:r>
+          </a:p>
+          <a:p>
+            <a:pPr lvl="1"/>
+            <a:r>
+              <a:rPr lang="en-US" dirty="0"/>
+              <a:t>Second level</a:t>
+            </a:r>
+          </a:p>
+          <a:p>
+            <a:pPr lvl="2"/>
+            <a:r>
+              <a:rPr lang="en-US" dirty="0"/>
+              <a:t>Third level</a:t>
+            </a:r>
+          </a:p>
+          <a:p>
+            <a:pPr lvl="3"/>
+            <a:r>
+              <a:rPr lang="en-US" dirty="0"/>
+              <a:t>Avoid using fourth level</a:t>
+            </a:r>
+          </a:p>
+          <a:p>
+            <a:pPr lvl="4"/>
+            <a:r>
+              <a:rPr lang="en-US" dirty="0"/>
+              <a:t>Avoid using fifth level</a:t>
+            </a:r>
+          </a:p>
+        </p:txBody>
+      </p:sp>
+    </p:spTree>
+    <p:custDataLst>
+      <p:tags r:id="rId1"/>
+    </p:custDataLst>
+    <p:extLst>
+      <p:ext uri="{BB962C8B-B14F-4D97-AF65-F5344CB8AC3E}">
+        <p14:creationId xmlns:p14="http://schemas.microsoft.com/office/powerpoint/2010/main" val="2458608713"/>
+      </p:ext>
+    </p:extLst>
+  </p:cSld>
+  <p:clrMapOvr>
+    <a:masterClrMapping/>
+  </p:clrMapOvr>
+</p:sldLayout>
+</file>
+
+<file path=ppt/slideLayouts/slideLayout15.xml><?xml version="1.0" encoding="utf-8"?>
+<p:sldLayout xmlns:a="http://schemas.openxmlformats.org/drawingml/2006/main" xmlns:r="http://schemas.openxmlformats.org/officeDocument/2006/relationships" xmlns:p="http://schemas.openxmlformats.org/presentationml/2006/main" type="tx" preserve="1">
+  <p:cSld name="Title and Code">
+    <p:bg>
+      <p:bgPr>
+        <a:solidFill>
+          <a:schemeClr val="bg1"/>
+        </a:solidFill>
+        <a:effectLst/>
+      </p:bgPr>
+    </p:bg>
+    <p:spTree>
+      <p:nvGrpSpPr>
+        <p:cNvPr id="1" name=""/>
+        <p:cNvGrpSpPr/>
+        <p:nvPr/>
+      </p:nvGrpSpPr>
+      <p:grpSpPr>
+        <a:xfrm>
+          <a:off x="0" y="0"/>
+          <a:ext cx="0" cy="0"/>
+          <a:chOff x="0" y="0"/>
+          <a:chExt cx="0" cy="0"/>
+        </a:xfrm>
+      </p:grpSpPr>
+      <p:pic>
+        <p:nvPicPr>
+          <p:cNvPr id="99" name="Divider">
+            <a:extLst>
+              <a:ext uri="{FF2B5EF4-FFF2-40B4-BE49-F238E27FC236}">
+                <a16:creationId xmlns:a16="http://schemas.microsoft.com/office/drawing/2014/main" id="{1AA7B286-8B48-4C92-B2A9-AADCF2EEA2A0}"/>
+              </a:ext>
+              <a:ext uri="{C183D7F6-B498-43B3-948B-1728B52AA6E4}">
+                <adec:decorative xmlns:adec="http://schemas.microsoft.com/office/drawing/2017/decorative" val="1"/>
+              </a:ext>
+            </a:extLst>
+          </p:cNvPr>
+          <p:cNvPicPr>
+            <a:picLocks/>
+          </p:cNvPicPr>
+          <p:nvPr/>
+        </p:nvPicPr>
+        <p:blipFill>
+          <a:blip r:embed="rId3">
+            <a:extLst>
+              <a:ext uri="{28A0092B-C50C-407E-A947-70E740481C1C}">
+                <a14:useLocalDpi xmlns:a14="http://schemas.microsoft.com/office/drawing/2010/main" val="0"/>
+              </a:ext>
+            </a:extLst>
+          </a:blip>
+          <a:stretch>
+            <a:fillRect/>
+          </a:stretch>
+        </p:blipFill>
+        <p:spPr>
+          <a:xfrm>
+            <a:off x="365759" y="1028377"/>
+            <a:ext cx="11484864" cy="45720"/>
+          </a:xfrm>
+          <a:prstGeom prst="rect">
+            <a:avLst/>
+          </a:prstGeom>
+        </p:spPr>
+      </p:pic>
+      <p:sp>
+        <p:nvSpPr>
+          <p:cNvPr id="97" name="Slide Number">
+            <a:extLst>
+              <a:ext uri="{FF2B5EF4-FFF2-40B4-BE49-F238E27FC236}">
+                <a16:creationId xmlns:a16="http://schemas.microsoft.com/office/drawing/2014/main" id="{1D7818F9-B3C0-42E7-B6E1-5347230963DC}"/>
+              </a:ext>
+            </a:extLst>
+          </p:cNvPr>
+          <p:cNvSpPr>
+            <a:spLocks noGrp="1"/>
+          </p:cNvSpPr>
+          <p:nvPr>
+            <p:ph type="sldNum" idx="97"/>
+          </p:nvPr>
+        </p:nvSpPr>
+        <p:spPr>
+          <a:xfrm>
+            <a:off x="11347704" y="6446520"/>
+            <a:ext cx="484632" cy="228600"/>
+          </a:xfrm>
+        </p:spPr>
+        <p:txBody>
+          <a:bodyPr/>
+          <a:lstStyle>
+            <a:lvl1pPr>
+              <a:defRPr>
+                <a:solidFill>
+                  <a:srgbClr val="232F3E"/>
+                </a:solidFill>
+              </a:defRPr>
+            </a:lvl1pPr>
+          </a:lstStyle>
+          <a:p>
+            <a:fld id="{86A8BF56-6CB3-514C-9A64-F39D95C9E25B}" type="slidenum">
+              <a:rPr lang="en-US" smtClean="0"/>
+              <a:t>‹#›</a:t>
+            </a:fld>
+            <a:endParaRPr lang="en-US"/>
+          </a:p>
+        </p:txBody>
+      </p:sp>
+      <p:sp>
+        <p:nvSpPr>
+          <p:cNvPr id="3" name="Title">
+            <a:extLst>
+              <a:ext uri="{FF2B5EF4-FFF2-40B4-BE49-F238E27FC236}">
+                <a16:creationId xmlns:a16="http://schemas.microsoft.com/office/drawing/2014/main" id="{5F8A0ED5-8D88-437F-965F-590C0BD195F1}"/>
+              </a:ext>
+            </a:extLst>
+          </p:cNvPr>
+          <p:cNvSpPr>
+            <a:spLocks noGrp="1"/>
+          </p:cNvSpPr>
+          <p:nvPr>
+            <p:ph type="title" idx="1" hasCustomPrompt="1"/>
+          </p:nvPr>
+        </p:nvSpPr>
+        <p:spPr>
+          <a:xfrm>
+            <a:off x="365760" y="301752"/>
+            <a:ext cx="11466576" cy="731520"/>
+          </a:xfrm>
+        </p:spPr>
+        <p:txBody>
+          <a:bodyPr lIns="91440" tIns="45720" rIns="91440" bIns="45720"/>
+          <a:lstStyle>
+            <a:lvl1pPr>
+              <a:lnSpc>
+                <a:spcPct val="100000"/>
+              </a:lnSpc>
+              <a:defRPr>
+                <a:solidFill>
+                  <a:srgbClr val="232F3E"/>
+                </a:solidFill>
+                <a:latin typeface="Amazon Ember Display Heavy"/>
+              </a:defRPr>
+            </a:lvl1pPr>
+          </a:lstStyle>
+          <a:p>
+            <a:r>
+              <a:rPr lang="en-US" dirty="0"/>
+              <a:t>Title and code</a:t>
+            </a:r>
+          </a:p>
+        </p:txBody>
+      </p:sp>
+      <p:sp>
+        <p:nvSpPr>
+          <p:cNvPr id="2" name="Code">
+            <a:extLst>
+              <a:ext uri="{FF2B5EF4-FFF2-40B4-BE49-F238E27FC236}">
+                <a16:creationId xmlns:a16="http://schemas.microsoft.com/office/drawing/2014/main" id="{D77EFECE-400E-4BAA-A766-7DD8A1117BBC}"/>
+              </a:ext>
+            </a:extLst>
+          </p:cNvPr>
+          <p:cNvSpPr>
+            <a:spLocks noGrp="1"/>
+          </p:cNvSpPr>
+          <p:nvPr>
+            <p:ph type="body" idx="2" hasCustomPrompt="1"/>
+          </p:nvPr>
+        </p:nvSpPr>
+        <p:spPr>
+          <a:xfrm>
+            <a:off x="365760" y="1183340"/>
+            <a:ext cx="11466576" cy="5244891"/>
+          </a:xfrm>
+        </p:spPr>
+        <p:txBody>
+          <a:bodyPr>
+            <a:noAutofit/>
+          </a:bodyPr>
+          <a:lstStyle>
+            <a:lvl1pPr marL="0" indent="0">
+              <a:spcBef>
+                <a:spcPts val="0"/>
+              </a:spcBef>
+              <a:buNone/>
+              <a:defRPr sz="1600">
+                <a:solidFill>
+                  <a:srgbClr val="232F3E"/>
+                </a:solidFill>
+                <a:latin typeface="Lucida Console" panose="020B0609040504020204" pitchFamily="49" charset="0"/>
+              </a:defRPr>
+            </a:lvl1pPr>
+          </a:lstStyle>
+          <a:p>
+            <a:pPr lvl="0"/>
+            <a:r>
+              <a:rPr lang="en-US" dirty="0"/>
+              <a:t># Import libraries</a:t>
+            </a:r>
+          </a:p>
+          <a:p>
+            <a:pPr marL="0" marR="0" lvl="0" indent="0" algn="l" defTabSz="914400" rtl="0" eaLnBrk="1" fontAlgn="auto" latinLnBrk="0" hangingPunct="1">
+              <a:lnSpc>
+                <a:spcPct val="90000"/>
+              </a:lnSpc>
+              <a:spcBef>
+                <a:spcPts val="0"/>
+              </a:spcBef>
+              <a:spcAft>
+                <a:spcPts val="0"/>
+              </a:spcAft>
+              <a:buClrTx/>
+              <a:buSzTx/>
+              <a:buFont typeface="Amazon Ember Display"/>
+              <a:buNone/>
+              <a:tabLst/>
+              <a:defRPr/>
+            </a:pPr>
+            <a:r>
+              <a:rPr lang="en-US" dirty="0"/>
+              <a:t>from </a:t>
+            </a:r>
+            <a:r>
+              <a:rPr lang="en-US" dirty="0" err="1"/>
+              <a:t>autogluon.tabular</a:t>
+            </a:r>
+            <a:r>
+              <a:rPr lang="en-US" dirty="0"/>
+              <a:t> import </a:t>
+            </a:r>
+            <a:r>
+              <a:rPr lang="en-US" dirty="0" err="1"/>
+              <a:t>TabularPredictor</a:t>
+            </a:r>
+            <a:endParaRPr lang="en-US" dirty="0"/>
+          </a:p>
+          <a:p>
+            <a:pPr marL="0" marR="0" lvl="0" indent="0" algn="l" defTabSz="914400" rtl="0" eaLnBrk="1" fontAlgn="auto" latinLnBrk="0" hangingPunct="1">
+              <a:lnSpc>
+                <a:spcPct val="90000"/>
+              </a:lnSpc>
+              <a:spcBef>
+                <a:spcPts val="0"/>
+              </a:spcBef>
+              <a:spcAft>
+                <a:spcPts val="0"/>
+              </a:spcAft>
+              <a:buClrTx/>
+              <a:buSzTx/>
+              <a:buFont typeface="Amazon Ember Display"/>
+              <a:buNone/>
+              <a:tabLst/>
+              <a:defRPr/>
+            </a:pPr>
+            <a:endParaRPr lang="en-US" dirty="0"/>
+          </a:p>
+          <a:p>
+            <a:pPr marL="0" marR="0" lvl="0" indent="0" algn="l" defTabSz="914400" rtl="0" eaLnBrk="1" fontAlgn="auto" latinLnBrk="0" hangingPunct="1">
+              <a:lnSpc>
+                <a:spcPct val="90000"/>
+              </a:lnSpc>
+              <a:spcBef>
+                <a:spcPts val="0"/>
+              </a:spcBef>
+              <a:spcAft>
+                <a:spcPts val="0"/>
+              </a:spcAft>
+              <a:buClrTx/>
+              <a:buSzTx/>
+              <a:buFont typeface="Amazon Ember Display"/>
+              <a:buNone/>
+              <a:tabLst/>
+              <a:defRPr/>
+            </a:pPr>
+            <a:r>
+              <a:rPr lang="en-US" dirty="0"/>
+              <a:t># Create the model</a:t>
+            </a:r>
+          </a:p>
+          <a:p>
+            <a:pPr marL="0" marR="0" lvl="0" indent="0" algn="l" defTabSz="914400" rtl="0" eaLnBrk="1" fontAlgn="auto" latinLnBrk="0" hangingPunct="1">
+              <a:lnSpc>
+                <a:spcPct val="90000"/>
+              </a:lnSpc>
+              <a:spcBef>
+                <a:spcPts val="0"/>
+              </a:spcBef>
+              <a:spcAft>
+                <a:spcPts val="0"/>
+              </a:spcAft>
+              <a:buClrTx/>
+              <a:buSzTx/>
+              <a:buFont typeface="Amazon Ember Display"/>
+              <a:buNone/>
+              <a:tabLst/>
+              <a:defRPr/>
+            </a:pPr>
+            <a:r>
+              <a:rPr lang="en-US" dirty="0"/>
+              <a:t>predictor = </a:t>
+            </a:r>
+            <a:r>
+              <a:rPr lang="en-US" dirty="0" err="1"/>
+              <a:t>TabularPredictor</a:t>
+            </a:r>
+            <a:r>
+              <a:rPr lang="en-US" dirty="0"/>
+              <a:t>(label="Price").fit("</a:t>
+            </a:r>
+            <a:r>
+              <a:rPr lang="en-US" dirty="0" err="1"/>
+              <a:t>train.csv</a:t>
+            </a:r>
+            <a:r>
+              <a:rPr lang="en-US" dirty="0"/>
+              <a:t>")</a:t>
+            </a:r>
+          </a:p>
+          <a:p>
+            <a:pPr marL="0" marR="0" lvl="0" indent="0" algn="l" defTabSz="914400" rtl="0" eaLnBrk="1" fontAlgn="auto" latinLnBrk="0" hangingPunct="1">
+              <a:lnSpc>
+                <a:spcPct val="90000"/>
+              </a:lnSpc>
+              <a:spcBef>
+                <a:spcPts val="0"/>
+              </a:spcBef>
+              <a:spcAft>
+                <a:spcPts val="0"/>
+              </a:spcAft>
+              <a:buClrTx/>
+              <a:buSzTx/>
+              <a:buFont typeface="Amazon Ember Display"/>
+              <a:buNone/>
+              <a:tabLst/>
+              <a:defRPr/>
+            </a:pPr>
+            <a:endParaRPr lang="en-US" dirty="0"/>
+          </a:p>
+          <a:p>
+            <a:pPr marL="0" marR="0" lvl="0" indent="0" algn="l" defTabSz="914400" rtl="0" eaLnBrk="1" fontAlgn="auto" latinLnBrk="0" hangingPunct="1">
+              <a:lnSpc>
+                <a:spcPct val="90000"/>
+              </a:lnSpc>
+              <a:spcBef>
+                <a:spcPts val="0"/>
+              </a:spcBef>
+              <a:spcAft>
+                <a:spcPts val="0"/>
+              </a:spcAft>
+              <a:buClrTx/>
+              <a:buSzTx/>
+              <a:buFont typeface="Amazon Ember Display"/>
+              <a:buNone/>
+              <a:tabLst/>
+              <a:defRPr/>
+            </a:pPr>
+            <a:r>
+              <a:rPr lang="en-US" dirty="0"/>
+              <a:t># Get predictions</a:t>
+            </a:r>
+          </a:p>
+          <a:p>
+            <a:pPr marL="0" marR="0" lvl="0" indent="0" algn="l" defTabSz="914400" rtl="0" eaLnBrk="1" fontAlgn="auto" latinLnBrk="0" hangingPunct="1">
+              <a:lnSpc>
+                <a:spcPct val="90000"/>
+              </a:lnSpc>
+              <a:spcBef>
+                <a:spcPts val="0"/>
+              </a:spcBef>
+              <a:spcAft>
+                <a:spcPts val="0"/>
+              </a:spcAft>
+              <a:buClrTx/>
+              <a:buSzTx/>
+              <a:buFont typeface="Amazon Ember Display"/>
+              <a:buNone/>
+              <a:tabLst/>
+              <a:defRPr/>
+            </a:pPr>
+            <a:r>
+              <a:rPr lang="en-US" dirty="0"/>
+              <a:t>predictions = </a:t>
+            </a:r>
+            <a:r>
+              <a:rPr lang="en-US" dirty="0" err="1"/>
+              <a:t>predictor.predict</a:t>
+            </a:r>
+            <a:r>
+              <a:rPr lang="en-US" dirty="0"/>
+              <a:t>("</a:t>
+            </a:r>
+            <a:r>
+              <a:rPr lang="en-US" dirty="0" err="1"/>
+              <a:t>test.csv</a:t>
+            </a:r>
+            <a:r>
+              <a:rPr lang="en-US" dirty="0"/>
+              <a:t>")</a:t>
+            </a:r>
+          </a:p>
+        </p:txBody>
+      </p:sp>
+    </p:spTree>
+    <p:custDataLst>
+      <p:tags r:id="rId1"/>
+    </p:custDataLst>
+    <p:extLst>
+      <p:ext uri="{BB962C8B-B14F-4D97-AF65-F5344CB8AC3E}">
+        <p14:creationId xmlns:p14="http://schemas.microsoft.com/office/powerpoint/2010/main" val="1864013706"/>
+      </p:ext>
+    </p:extLst>
+  </p:cSld>
+  <p:clrMapOvr>
+    <a:masterClrMapping/>
+  </p:clrMapOvr>
+</p:sldLayout>
+</file>
+
+<file path=ppt/slideLayouts/slideLayout16.xml><?xml version="1.0" encoding="utf-8"?>
+<p:sldLayout xmlns:a="http://schemas.openxmlformats.org/drawingml/2006/main" xmlns:r="http://schemas.openxmlformats.org/officeDocument/2006/relationships" xmlns:p="http://schemas.openxmlformats.org/presentationml/2006/main" type="picTx" preserve="1">
+  <p:cSld name="Title, Text, and Small Picture">
+    <p:bg>
+      <p:bgPr>
+        <a:solidFill>
+          <a:schemeClr val="bg1"/>
+        </a:solidFill>
+        <a:effectLst/>
+      </p:bgPr>
+    </p:bg>
+    <p:spTree>
+      <p:nvGrpSpPr>
+        <p:cNvPr id="1" name=""/>
+        <p:cNvGrpSpPr/>
+        <p:nvPr/>
+      </p:nvGrpSpPr>
+      <p:grpSpPr>
+        <a:xfrm>
+          <a:off x="0" y="0"/>
+          <a:ext cx="0" cy="0"/>
+          <a:chOff x="0" y="0"/>
+          <a:chExt cx="0" cy="0"/>
+        </a:xfrm>
+      </p:grpSpPr>
+      <p:pic>
+        <p:nvPicPr>
+          <p:cNvPr id="99" name="Divider">
+            <a:extLst>
+              <a:ext uri="{FF2B5EF4-FFF2-40B4-BE49-F238E27FC236}">
+                <a16:creationId xmlns:a16="http://schemas.microsoft.com/office/drawing/2014/main" id="{ECDF26F2-E972-40FE-806F-12B056EA9DCC}"/>
+              </a:ext>
+              <a:ext uri="{C183D7F6-B498-43B3-948B-1728B52AA6E4}">
+                <adec:decorative xmlns:adec="http://schemas.microsoft.com/office/drawing/2017/decorative" val="1"/>
+              </a:ext>
+            </a:extLst>
+          </p:cNvPr>
+          <p:cNvPicPr>
+            <a:picLocks/>
+          </p:cNvPicPr>
+          <p:nvPr/>
+        </p:nvPicPr>
+        <p:blipFill>
+          <a:blip r:embed="rId3">
+            <a:extLst>
+              <a:ext uri="{28A0092B-C50C-407E-A947-70E740481C1C}">
+                <a14:useLocalDpi xmlns:a14="http://schemas.microsoft.com/office/drawing/2010/main" val="0"/>
+              </a:ext>
+            </a:extLst>
+          </a:blip>
+          <a:stretch>
+            <a:fillRect/>
+          </a:stretch>
+        </p:blipFill>
+        <p:spPr>
+          <a:xfrm>
+            <a:off x="365759" y="1028377"/>
+            <a:ext cx="11484864" cy="45720"/>
+          </a:xfrm>
+          <a:prstGeom prst="rect">
+            <a:avLst/>
+          </a:prstGeom>
+        </p:spPr>
+      </p:pic>
+      <p:sp>
+        <p:nvSpPr>
+          <p:cNvPr id="97" name="Slide Number">
+            <a:extLst>
+              <a:ext uri="{FF2B5EF4-FFF2-40B4-BE49-F238E27FC236}">
+                <a16:creationId xmlns:a16="http://schemas.microsoft.com/office/drawing/2014/main" id="{F8BD5B93-38A6-4C4A-A3EB-A591F4EDD6E5}"/>
+              </a:ext>
+            </a:extLst>
+          </p:cNvPr>
+          <p:cNvSpPr>
+            <a:spLocks noGrp="1"/>
+          </p:cNvSpPr>
+          <p:nvPr>
+            <p:ph type="sldNum" idx="97"/>
+          </p:nvPr>
+        </p:nvSpPr>
+        <p:spPr>
+          <a:xfrm>
+            <a:off x="11347704" y="6446520"/>
+            <a:ext cx="484632" cy="228600"/>
+          </a:xfrm>
+        </p:spPr>
+        <p:txBody>
+          <a:bodyPr/>
+          <a:lstStyle>
+            <a:lvl1pPr>
+              <a:defRPr>
+                <a:solidFill>
+                  <a:srgbClr val="232F3E"/>
+                </a:solidFill>
+              </a:defRPr>
+            </a:lvl1pPr>
+          </a:lstStyle>
+          <a:p>
+            <a:fld id="{4037B1B0-0345-4E15-985A-6BECCDBE474F}" type="slidenum">
+              <a:rPr lang="en-US" smtClean="0"/>
+              <a:pPr/>
+              <a:t>‹#›</a:t>
+            </a:fld>
+            <a:endParaRPr lang="en-US"/>
+          </a:p>
+        </p:txBody>
+      </p:sp>
+      <p:sp>
+        <p:nvSpPr>
+          <p:cNvPr id="3" name="Title">
+            <a:extLst>
+              <a:ext uri="{FF2B5EF4-FFF2-40B4-BE49-F238E27FC236}">
+                <a16:creationId xmlns:a16="http://schemas.microsoft.com/office/drawing/2014/main" id="{75DBD6AA-5E11-44A8-900B-2519518B0622}"/>
+              </a:ext>
+            </a:extLst>
+          </p:cNvPr>
+          <p:cNvSpPr>
+            <a:spLocks noGrp="1"/>
+          </p:cNvSpPr>
+          <p:nvPr>
+            <p:ph type="title" idx="1" hasCustomPrompt="1"/>
+          </p:nvPr>
+        </p:nvSpPr>
+        <p:spPr>
+          <a:xfrm>
+            <a:off x="365760" y="301752"/>
+            <a:ext cx="11466576" cy="731318"/>
+          </a:xfrm>
+        </p:spPr>
+        <p:txBody>
+          <a:bodyPr/>
+          <a:lstStyle>
+            <a:lvl1pPr>
+              <a:defRPr>
+                <a:solidFill>
+                  <a:srgbClr val="232F3E"/>
+                </a:solidFill>
+                <a:latin typeface="Amazon Ember Display Heavy"/>
+              </a:defRPr>
+            </a:lvl1pPr>
+          </a:lstStyle>
+          <a:p>
+            <a:r>
+              <a:rPr lang="en-US" dirty="0"/>
+              <a:t>Title, 2/3 Column, and picture</a:t>
+            </a:r>
+          </a:p>
+        </p:txBody>
+      </p:sp>
+      <p:sp>
+        <p:nvSpPr>
+          <p:cNvPr id="2" name="Content">
+            <a:extLst>
+              <a:ext uri="{FF2B5EF4-FFF2-40B4-BE49-F238E27FC236}">
+                <a16:creationId xmlns:a16="http://schemas.microsoft.com/office/drawing/2014/main" id="{5ACBD598-6775-4223-B2AB-B169A112E3FF}"/>
+              </a:ext>
+            </a:extLst>
+          </p:cNvPr>
+          <p:cNvSpPr>
+            <a:spLocks noGrp="1"/>
+          </p:cNvSpPr>
+          <p:nvPr>
+            <p:ph idx="2" hasCustomPrompt="1"/>
+          </p:nvPr>
+        </p:nvSpPr>
+        <p:spPr>
+          <a:xfrm>
+            <a:off x="365760" y="1097280"/>
+            <a:ext cx="7644384" cy="5330952"/>
+          </a:xfrm>
+        </p:spPr>
+        <p:txBody>
+          <a:bodyPr>
+            <a:noAutofit/>
+          </a:bodyPr>
+          <a:lstStyle>
+            <a:lvl1pPr>
+              <a:lnSpc>
+                <a:spcPct val="100000"/>
+              </a:lnSpc>
+              <a:spcBef>
+                <a:spcPts val="1000"/>
+              </a:spcBef>
+              <a:spcAft>
+                <a:spcPts val="600"/>
+              </a:spcAft>
+              <a:buClr>
+                <a:schemeClr val="tx2"/>
+              </a:buClr>
+              <a:defRPr>
+                <a:solidFill>
+                  <a:srgbClr val="232F3E"/>
+                </a:solidFill>
+              </a:defRPr>
+            </a:lvl1pPr>
+            <a:lvl2pPr marL="461963" indent="-228600">
+              <a:lnSpc>
+                <a:spcPct val="100000"/>
+              </a:lnSpc>
+              <a:spcBef>
+                <a:spcPts val="500"/>
+              </a:spcBef>
+              <a:spcAft>
+                <a:spcPts val="600"/>
+              </a:spcAft>
+              <a:buClr>
+                <a:schemeClr val="tx2"/>
+              </a:buClr>
+              <a:defRPr>
+                <a:solidFill>
+                  <a:srgbClr val="232F3E"/>
+                </a:solidFill>
+              </a:defRPr>
+            </a:lvl2pPr>
+            <a:lvl3pPr marL="682625" indent="-228600">
+              <a:lnSpc>
+                <a:spcPct val="100000"/>
+              </a:lnSpc>
+              <a:spcBef>
+                <a:spcPts val="500"/>
+              </a:spcBef>
+              <a:spcAft>
+                <a:spcPts val="600"/>
+              </a:spcAft>
+              <a:buClr>
+                <a:schemeClr val="tx2"/>
+              </a:buClr>
+              <a:defRPr sz="2200">
+                <a:solidFill>
+                  <a:srgbClr val="232F3E"/>
+                </a:solidFill>
+              </a:defRPr>
+            </a:lvl3pPr>
+            <a:lvl4pPr marL="914400" indent="-228600">
+              <a:lnSpc>
+                <a:spcPct val="100000"/>
+              </a:lnSpc>
+              <a:spcBef>
+                <a:spcPts val="500"/>
+              </a:spcBef>
+              <a:spcAft>
+                <a:spcPts val="600"/>
+              </a:spcAft>
+              <a:buClr>
+                <a:schemeClr val="tx2"/>
+              </a:buClr>
+              <a:defRPr sz="2000">
+                <a:solidFill>
+                  <a:srgbClr val="232F3E"/>
+                </a:solidFill>
+              </a:defRPr>
+            </a:lvl4pPr>
+            <a:lvl5pPr marL="1146175" indent="-228600">
+              <a:lnSpc>
+                <a:spcPct val="100000"/>
+              </a:lnSpc>
+              <a:spcBef>
+                <a:spcPts val="500"/>
+              </a:spcBef>
+              <a:spcAft>
+                <a:spcPts val="600"/>
+              </a:spcAft>
+              <a:buClr>
+                <a:schemeClr val="tx2"/>
+              </a:buClr>
+              <a:defRPr sz="1800">
+                <a:solidFill>
+                  <a:srgbClr val="232F3E"/>
+                </a:solidFill>
+              </a:defRPr>
+            </a:lvl5pPr>
+          </a:lstStyle>
+          <a:p>
+            <a:pPr lvl="0"/>
+            <a:r>
+              <a:rPr lang="en-US" dirty="0"/>
+              <a:t>Add content text</a:t>
+            </a:r>
+          </a:p>
+          <a:p>
+            <a:pPr lvl="1"/>
+            <a:r>
+              <a:rPr lang="en-US" dirty="0"/>
+              <a:t>Second level</a:t>
+            </a:r>
+          </a:p>
+          <a:p>
+            <a:pPr lvl="2"/>
+            <a:r>
+              <a:rPr lang="en-US" dirty="0"/>
+              <a:t>Third level</a:t>
+            </a:r>
+          </a:p>
+          <a:p>
+            <a:pPr lvl="3"/>
+            <a:r>
+              <a:rPr lang="en-US" dirty="0"/>
+              <a:t>Avoid using fourth level</a:t>
+            </a:r>
+          </a:p>
+          <a:p>
+            <a:pPr lvl="4"/>
+            <a:r>
+              <a:rPr lang="en-US" dirty="0"/>
+              <a:t>Avoid using fifth level</a:t>
+            </a:r>
+          </a:p>
+        </p:txBody>
+      </p:sp>
+      <p:sp>
+        <p:nvSpPr>
+          <p:cNvPr id="22" name="Picture">
+            <a:extLst>
+              <a:ext uri="{FF2B5EF4-FFF2-40B4-BE49-F238E27FC236}">
+                <a16:creationId xmlns:a16="http://schemas.microsoft.com/office/drawing/2014/main" id="{A644AF2C-FFDC-4661-BF6B-D208E5E816FA}"/>
+              </a:ext>
+              <a:ext uri="{C183D7F6-B498-43B3-948B-1728B52AA6E4}">
+                <adec:decorative xmlns:adec="http://schemas.microsoft.com/office/drawing/2017/decorative" val="1"/>
+              </a:ext>
+            </a:extLst>
+          </p:cNvPr>
+          <p:cNvSpPr>
+            <a:spLocks noGrp="1"/>
+          </p:cNvSpPr>
+          <p:nvPr>
+            <p:ph type="pic" idx="22" hasCustomPrompt="1"/>
+          </p:nvPr>
+        </p:nvSpPr>
+        <p:spPr>
+          <a:xfrm>
+            <a:off x="8498586" y="2276856"/>
+            <a:ext cx="2971800" cy="2971800"/>
+          </a:xfrm>
+        </p:spPr>
+        <p:txBody>
+          <a:bodyPr anchor="t">
+            <a:noAutofit/>
+          </a:bodyPr>
+          <a:lstStyle>
+            <a:lvl1pPr marL="0" indent="0" algn="ctr">
+              <a:buNone/>
+              <a:defRPr sz="2000">
+                <a:solidFill>
+                  <a:srgbClr val="232F3E"/>
+                </a:solidFill>
+              </a:defRPr>
+            </a:lvl1pPr>
+          </a:lstStyle>
+          <a:p>
+            <a:r>
+              <a:rPr lang="en-US" dirty="0"/>
+              <a:t>Click icon to add image</a:t>
+            </a:r>
+          </a:p>
+        </p:txBody>
+      </p:sp>
+    </p:spTree>
+    <p:custDataLst>
+      <p:tags r:id="rId1"/>
+    </p:custDataLst>
+    <p:extLst>
+      <p:ext uri="{BB962C8B-B14F-4D97-AF65-F5344CB8AC3E}">
+        <p14:creationId xmlns:p14="http://schemas.microsoft.com/office/powerpoint/2010/main" val="72568665"/>
+      </p:ext>
+    </p:extLst>
+  </p:cSld>
+  <p:clrMapOvr>
+    <a:masterClrMapping/>
+  </p:clrMapOvr>
+</p:sldLayout>
+</file>
+
+<file path=ppt/slideLayouts/slideLayout17.xml><?xml version="1.0" encoding="utf-8"?>
+<p:sldLayout xmlns:a="http://schemas.openxmlformats.org/drawingml/2006/main" xmlns:r="http://schemas.openxmlformats.org/officeDocument/2006/relationships" xmlns:p="http://schemas.openxmlformats.org/presentationml/2006/main" type="tx" preserve="1">
+  <p:cSld name="Title and 2 Content Columns">
+    <p:bg>
+      <p:bgPr>
+        <a:solidFill>
+          <a:schemeClr val="bg1"/>
+        </a:solidFill>
+        <a:effectLst/>
+      </p:bgPr>
+    </p:bg>
+    <p:spTree>
+      <p:nvGrpSpPr>
+        <p:cNvPr id="1" name=""/>
+        <p:cNvGrpSpPr/>
+        <p:nvPr/>
+      </p:nvGrpSpPr>
+      <p:grpSpPr>
+        <a:xfrm>
+          <a:off x="0" y="0"/>
+          <a:ext cx="0" cy="0"/>
+          <a:chOff x="0" y="0"/>
+          <a:chExt cx="0" cy="0"/>
+        </a:xfrm>
+      </p:grpSpPr>
+      <p:pic>
+        <p:nvPicPr>
+          <p:cNvPr id="99" name="Divider">
+            <a:extLst>
+              <a:ext uri="{FF2B5EF4-FFF2-40B4-BE49-F238E27FC236}">
+                <a16:creationId xmlns:a16="http://schemas.microsoft.com/office/drawing/2014/main" id="{DDE84D45-638C-4BCD-B539-05F38F37CF3D}"/>
+              </a:ext>
+              <a:ext uri="{C183D7F6-B498-43B3-948B-1728B52AA6E4}">
+                <adec:decorative xmlns:adec="http://schemas.microsoft.com/office/drawing/2017/decorative" val="1"/>
+              </a:ext>
+            </a:extLst>
+          </p:cNvPr>
+          <p:cNvPicPr>
+            <a:picLocks/>
+          </p:cNvPicPr>
+          <p:nvPr/>
+        </p:nvPicPr>
+        <p:blipFill>
+          <a:blip r:embed="rId3">
+            <a:extLst>
+              <a:ext uri="{28A0092B-C50C-407E-A947-70E740481C1C}">
+                <a14:useLocalDpi xmlns:a14="http://schemas.microsoft.com/office/drawing/2010/main" val="0"/>
+              </a:ext>
+            </a:extLst>
+          </a:blip>
+          <a:stretch>
+            <a:fillRect/>
+          </a:stretch>
+        </p:blipFill>
+        <p:spPr>
+          <a:xfrm>
+            <a:off x="365759" y="1028377"/>
+            <a:ext cx="11484864" cy="45720"/>
+          </a:xfrm>
+          <a:prstGeom prst="rect">
+            <a:avLst/>
+          </a:prstGeom>
+        </p:spPr>
+      </p:pic>
+      <p:sp>
+        <p:nvSpPr>
+          <p:cNvPr id="97" name="Slide Number">
+            <a:extLst>
+              <a:ext uri="{FF2B5EF4-FFF2-40B4-BE49-F238E27FC236}">
+                <a16:creationId xmlns:a16="http://schemas.microsoft.com/office/drawing/2014/main" id="{79271B92-68F7-439C-8199-7E16014A6742}"/>
+              </a:ext>
+            </a:extLst>
+          </p:cNvPr>
+          <p:cNvSpPr>
+            <a:spLocks noGrp="1"/>
+          </p:cNvSpPr>
+          <p:nvPr>
+            <p:ph type="sldNum" idx="97"/>
+          </p:nvPr>
+        </p:nvSpPr>
+        <p:spPr>
+          <a:xfrm>
+            <a:off x="11347704" y="6446520"/>
+            <a:ext cx="484632" cy="228600"/>
+          </a:xfrm>
+        </p:spPr>
+        <p:txBody>
+          <a:bodyPr/>
+          <a:lstStyle>
+            <a:lvl1pPr>
+              <a:defRPr>
+                <a:solidFill>
+                  <a:srgbClr val="232F3E"/>
+                </a:solidFill>
+              </a:defRPr>
+            </a:lvl1pPr>
+          </a:lstStyle>
+          <a:p>
+            <a:fld id="{4037B1B0-0345-4E15-985A-6BECCDBE474F}" type="slidenum">
+              <a:rPr lang="en-US" smtClean="0"/>
+              <a:pPr/>
+              <a:t>‹#›</a:t>
+            </a:fld>
+            <a:endParaRPr lang="en-US"/>
+          </a:p>
+        </p:txBody>
+      </p:sp>
+      <p:sp>
+        <p:nvSpPr>
+          <p:cNvPr id="4" name="Title">
+            <a:extLst>
+              <a:ext uri="{FF2B5EF4-FFF2-40B4-BE49-F238E27FC236}">
+                <a16:creationId xmlns:a16="http://schemas.microsoft.com/office/drawing/2014/main" id="{5F8A0ED5-8D88-437F-965F-590C0BD195F1}"/>
+              </a:ext>
+            </a:extLst>
+          </p:cNvPr>
+          <p:cNvSpPr>
+            <a:spLocks noGrp="1"/>
+          </p:cNvSpPr>
+          <p:nvPr>
+            <p:ph type="title" idx="1" hasCustomPrompt="1"/>
+          </p:nvPr>
+        </p:nvSpPr>
+        <p:spPr>
+          <a:xfrm>
+            <a:off x="365760" y="301752"/>
+            <a:ext cx="11466576" cy="731318"/>
+          </a:xfrm>
+        </p:spPr>
+        <p:txBody>
+          <a:bodyPr/>
+          <a:lstStyle>
+            <a:lvl1pPr>
+              <a:defRPr>
+                <a:solidFill>
+                  <a:srgbClr val="232F3E"/>
+                </a:solidFill>
+              </a:defRPr>
+            </a:lvl1pPr>
+          </a:lstStyle>
+          <a:p>
+            <a:r>
+              <a:rPr lang="en-US" dirty="0">
+                <a:latin typeface="Amazon Ember Display Heavy" panose="04020705040A02060702" pitchFamily="82" charset="0"/>
+              </a:rPr>
+              <a:t>Title and 2 content columns</a:t>
+            </a:r>
+          </a:p>
+        </p:txBody>
+      </p:sp>
+      <p:sp>
+        <p:nvSpPr>
+          <p:cNvPr id="2" name="Content Left">
+            <a:extLst>
+              <a:ext uri="{FF2B5EF4-FFF2-40B4-BE49-F238E27FC236}">
+                <a16:creationId xmlns:a16="http://schemas.microsoft.com/office/drawing/2014/main" id="{8A73B5A2-5001-4FA4-B113-0F6124F1F6A0}"/>
+              </a:ext>
+            </a:extLst>
+          </p:cNvPr>
+          <p:cNvSpPr>
+            <a:spLocks noGrp="1"/>
+          </p:cNvSpPr>
+          <p:nvPr>
+            <p:ph idx="2" hasCustomPrompt="1"/>
+          </p:nvPr>
+        </p:nvSpPr>
+        <p:spPr>
+          <a:xfrm>
+            <a:off x="365760" y="1097280"/>
+            <a:ext cx="5669280" cy="5330952"/>
+          </a:xfrm>
+        </p:spPr>
+        <p:txBody>
+          <a:bodyPr>
+            <a:noAutofit/>
+          </a:bodyPr>
+          <a:lstStyle>
+            <a:lvl1pPr>
+              <a:lnSpc>
+                <a:spcPct val="100000"/>
+              </a:lnSpc>
+              <a:spcAft>
+                <a:spcPts val="600"/>
+              </a:spcAft>
+              <a:defRPr sz="2800">
+                <a:solidFill>
+                  <a:srgbClr val="232F3E"/>
+                </a:solidFill>
+              </a:defRPr>
+            </a:lvl1pPr>
+            <a:lvl2pPr marL="461963" indent="-228600">
+              <a:lnSpc>
+                <a:spcPct val="100000"/>
+              </a:lnSpc>
+              <a:spcAft>
+                <a:spcPts val="600"/>
+              </a:spcAft>
+              <a:defRPr sz="2400">
+                <a:solidFill>
+                  <a:srgbClr val="232F3E"/>
+                </a:solidFill>
+              </a:defRPr>
+            </a:lvl2pPr>
+            <a:lvl3pPr marL="684213" indent="-228600">
+              <a:lnSpc>
+                <a:spcPct val="100000"/>
+              </a:lnSpc>
+              <a:spcAft>
+                <a:spcPts val="600"/>
+              </a:spcAft>
+              <a:defRPr sz="2000">
+                <a:solidFill>
+                  <a:srgbClr val="232F3E"/>
+                </a:solidFill>
+              </a:defRPr>
+            </a:lvl3pPr>
+            <a:lvl4pPr marL="914400" indent="-228600">
+              <a:lnSpc>
+                <a:spcPct val="100000"/>
+              </a:lnSpc>
+              <a:spcAft>
+                <a:spcPts val="600"/>
+              </a:spcAft>
+              <a:defRPr sz="1800">
+                <a:solidFill>
+                  <a:srgbClr val="232F3E"/>
+                </a:solidFill>
+              </a:defRPr>
+            </a:lvl4pPr>
+            <a:lvl5pPr marL="1144588" indent="-228600">
+              <a:lnSpc>
+                <a:spcPct val="100000"/>
+              </a:lnSpc>
+              <a:spcAft>
+                <a:spcPts val="600"/>
+              </a:spcAft>
+              <a:defRPr sz="1800">
+                <a:solidFill>
+                  <a:srgbClr val="232F3E"/>
+                </a:solidFill>
+              </a:defRPr>
+            </a:lvl5pPr>
+          </a:lstStyle>
+          <a:p>
+            <a:pPr lvl="0"/>
+            <a:r>
+              <a:rPr lang="en-US" dirty="0"/>
+              <a:t>Add content text</a:t>
+            </a:r>
+          </a:p>
+          <a:p>
+            <a:pPr lvl="1"/>
+            <a:r>
+              <a:rPr lang="en-US" dirty="0"/>
+              <a:t>Second level</a:t>
+            </a:r>
+          </a:p>
+          <a:p>
+            <a:pPr lvl="2"/>
+            <a:r>
+              <a:rPr lang="en-US" dirty="0"/>
+              <a:t>Third level</a:t>
+            </a:r>
+          </a:p>
+          <a:p>
+            <a:pPr lvl="3"/>
+            <a:r>
+              <a:rPr lang="en-US" dirty="0"/>
+              <a:t>Avoid using fourth level</a:t>
+            </a:r>
+          </a:p>
+          <a:p>
+            <a:pPr lvl="4"/>
+            <a:r>
+              <a:rPr lang="en-US" dirty="0"/>
+              <a:t>Avoid using fifth level</a:t>
+            </a:r>
+          </a:p>
+        </p:txBody>
+      </p:sp>
+      <p:sp>
+        <p:nvSpPr>
+          <p:cNvPr id="3" name="Content Right">
+            <a:extLst>
+              <a:ext uri="{FF2B5EF4-FFF2-40B4-BE49-F238E27FC236}">
+                <a16:creationId xmlns:a16="http://schemas.microsoft.com/office/drawing/2014/main" id="{951E617C-D9F7-4098-883E-6A048DBCF862}"/>
+              </a:ext>
+            </a:extLst>
+          </p:cNvPr>
+          <p:cNvSpPr>
+            <a:spLocks noGrp="1"/>
+          </p:cNvSpPr>
+          <p:nvPr>
+            <p:ph idx="3" hasCustomPrompt="1"/>
+          </p:nvPr>
+        </p:nvSpPr>
+        <p:spPr>
+          <a:xfrm>
+            <a:off x="6163056" y="1097280"/>
+            <a:ext cx="5669280" cy="5330952"/>
+          </a:xfrm>
+        </p:spPr>
+        <p:txBody>
+          <a:bodyPr>
+            <a:noAutofit/>
+          </a:bodyPr>
+          <a:lstStyle>
+            <a:lvl1pPr>
+              <a:lnSpc>
+                <a:spcPct val="100000"/>
+              </a:lnSpc>
+              <a:spcAft>
+                <a:spcPts val="600"/>
+              </a:spcAft>
+              <a:defRPr sz="2800">
+                <a:solidFill>
+                  <a:srgbClr val="232F3E"/>
+                </a:solidFill>
+              </a:defRPr>
+            </a:lvl1pPr>
+            <a:lvl2pPr marL="461963" indent="-228600">
+              <a:lnSpc>
+                <a:spcPct val="100000"/>
+              </a:lnSpc>
+              <a:spcAft>
+                <a:spcPts val="600"/>
+              </a:spcAft>
+              <a:defRPr sz="2400">
+                <a:solidFill>
+                  <a:srgbClr val="232F3E"/>
+                </a:solidFill>
+              </a:defRPr>
+            </a:lvl2pPr>
+            <a:lvl3pPr marL="684213" indent="-228600">
+              <a:lnSpc>
+                <a:spcPct val="100000"/>
+              </a:lnSpc>
+              <a:spcAft>
+                <a:spcPts val="600"/>
+              </a:spcAft>
+              <a:defRPr sz="2000">
+                <a:solidFill>
+                  <a:srgbClr val="232F3E"/>
+                </a:solidFill>
+              </a:defRPr>
+            </a:lvl3pPr>
+            <a:lvl4pPr marL="914400" indent="-228600">
+              <a:lnSpc>
+                <a:spcPct val="100000"/>
+              </a:lnSpc>
+              <a:spcAft>
+                <a:spcPts val="600"/>
+              </a:spcAft>
+              <a:defRPr sz="1800">
+                <a:solidFill>
+                  <a:srgbClr val="232F3E"/>
+                </a:solidFill>
+              </a:defRPr>
+            </a:lvl4pPr>
+            <a:lvl5pPr marL="1144588" indent="-228600">
+              <a:lnSpc>
+                <a:spcPct val="100000"/>
+              </a:lnSpc>
+              <a:spcAft>
+                <a:spcPts val="600"/>
+              </a:spcAft>
+              <a:defRPr sz="1800">
+                <a:solidFill>
+                  <a:srgbClr val="232F3E"/>
+                </a:solidFill>
+              </a:defRPr>
+            </a:lvl5pPr>
+          </a:lstStyle>
+          <a:p>
+            <a:pPr lvl="0"/>
+            <a:r>
+              <a:rPr lang="en-US" dirty="0"/>
+              <a:t>Add content text</a:t>
+            </a:r>
+          </a:p>
+          <a:p>
+            <a:pPr lvl="1"/>
+            <a:r>
+              <a:rPr lang="en-US" dirty="0"/>
+              <a:t>Second level</a:t>
+            </a:r>
+          </a:p>
+          <a:p>
+            <a:pPr lvl="2"/>
+            <a:r>
+              <a:rPr lang="en-US" dirty="0"/>
+              <a:t>Third level</a:t>
+            </a:r>
+          </a:p>
+          <a:p>
+            <a:pPr lvl="3"/>
+            <a:r>
+              <a:rPr lang="en-US" dirty="0"/>
+              <a:t>Avoid using fourth level</a:t>
+            </a:r>
+          </a:p>
+          <a:p>
+            <a:pPr lvl="4"/>
+            <a:r>
+              <a:rPr lang="en-US" dirty="0"/>
+              <a:t>Avoid using fifth level</a:t>
+            </a:r>
+          </a:p>
+        </p:txBody>
+      </p:sp>
+    </p:spTree>
+    <p:custDataLst>
+      <p:tags r:id="rId1"/>
+    </p:custDataLst>
+    <p:extLst>
+      <p:ext uri="{BB962C8B-B14F-4D97-AF65-F5344CB8AC3E}">
+        <p14:creationId xmlns:p14="http://schemas.microsoft.com/office/powerpoint/2010/main" val="3407608658"/>
+      </p:ext>
+    </p:extLst>
+  </p:cSld>
+  <p:clrMapOvr>
+    <a:masterClrMapping/>
+  </p:clrMapOvr>
+</p:sldLayout>
+</file>
+
+<file path=ppt/slideLayouts/slideLayout18.xml><?xml version="1.0" encoding="utf-8"?>
+<p:sldLayout xmlns:a="http://schemas.openxmlformats.org/drawingml/2006/main" xmlns:r="http://schemas.openxmlformats.org/officeDocument/2006/relationships" xmlns:p="http://schemas.openxmlformats.org/presentationml/2006/main" preserve="1">
+  <p:cSld name="Title Only">
+    <p:bg>
+      <p:bgPr>
+        <a:solidFill>
+          <a:schemeClr val="bg1"/>
+        </a:solidFill>
+        <a:effectLst/>
+      </p:bgPr>
+    </p:bg>
+    <p:spTree>
+      <p:nvGrpSpPr>
+        <p:cNvPr id="1" name=""/>
+        <p:cNvGrpSpPr/>
+        <p:nvPr/>
+      </p:nvGrpSpPr>
+      <p:grpSpPr>
+        <a:xfrm>
+          <a:off x="0" y="0"/>
+          <a:ext cx="0" cy="0"/>
+          <a:chOff x="0" y="0"/>
+          <a:chExt cx="0" cy="0"/>
+        </a:xfrm>
+      </p:grpSpPr>
+      <p:pic>
+        <p:nvPicPr>
+          <p:cNvPr id="99" name="Divider">
+            <a:extLst>
+              <a:ext uri="{FF2B5EF4-FFF2-40B4-BE49-F238E27FC236}">
+                <a16:creationId xmlns:a16="http://schemas.microsoft.com/office/drawing/2014/main" id="{1AA7B286-8B48-4C92-B2A9-AADCF2EEA2A0}"/>
+              </a:ext>
+              <a:ext uri="{C183D7F6-B498-43B3-948B-1728B52AA6E4}">
+                <adec:decorative xmlns:adec="http://schemas.microsoft.com/office/drawing/2017/decorative" val="1"/>
+              </a:ext>
+            </a:extLst>
+          </p:cNvPr>
+          <p:cNvPicPr>
+            <a:picLocks/>
+          </p:cNvPicPr>
+          <p:nvPr/>
+        </p:nvPicPr>
+        <p:blipFill>
+          <a:blip r:embed="rId3">
+            <a:extLst>
+              <a:ext uri="{28A0092B-C50C-407E-A947-70E740481C1C}">
+                <a14:useLocalDpi xmlns:a14="http://schemas.microsoft.com/office/drawing/2010/main" val="0"/>
+              </a:ext>
+            </a:extLst>
+          </a:blip>
+          <a:stretch>
+            <a:fillRect/>
+          </a:stretch>
+        </p:blipFill>
+        <p:spPr>
+          <a:xfrm>
+            <a:off x="365759" y="1028377"/>
+            <a:ext cx="11484864" cy="45720"/>
+          </a:xfrm>
+          <a:prstGeom prst="rect">
+            <a:avLst/>
+          </a:prstGeom>
+        </p:spPr>
+      </p:pic>
+      <p:sp>
+        <p:nvSpPr>
+          <p:cNvPr id="97" name="Slide Number">
+            <a:extLst>
+              <a:ext uri="{FF2B5EF4-FFF2-40B4-BE49-F238E27FC236}">
+                <a16:creationId xmlns:a16="http://schemas.microsoft.com/office/drawing/2014/main" id="{1D7818F9-B3C0-42E7-B6E1-5347230963DC}"/>
+              </a:ext>
+            </a:extLst>
+          </p:cNvPr>
+          <p:cNvSpPr>
+            <a:spLocks noGrp="1"/>
+          </p:cNvSpPr>
+          <p:nvPr>
+            <p:ph type="sldNum" idx="97"/>
+          </p:nvPr>
+        </p:nvSpPr>
+        <p:spPr>
+          <a:xfrm>
+            <a:off x="11347704" y="6446520"/>
+            <a:ext cx="484632" cy="228600"/>
+          </a:xfrm>
+        </p:spPr>
+        <p:txBody>
+          <a:bodyPr/>
+          <a:lstStyle>
+            <a:lvl1pPr>
+              <a:defRPr>
+                <a:solidFill>
+                  <a:srgbClr val="232F3E"/>
+                </a:solidFill>
+              </a:defRPr>
+            </a:lvl1pPr>
+          </a:lstStyle>
+          <a:p>
+            <a:fld id="{86A8BF56-6CB3-514C-9A64-F39D95C9E25B}" type="slidenum">
+              <a:rPr lang="en-US" smtClean="0"/>
+              <a:t>‹#›</a:t>
+            </a:fld>
+            <a:endParaRPr lang="en-US"/>
+          </a:p>
+        </p:txBody>
+      </p:sp>
+      <p:sp>
+        <p:nvSpPr>
+          <p:cNvPr id="3" name="Title">
+            <a:extLst>
+              <a:ext uri="{FF2B5EF4-FFF2-40B4-BE49-F238E27FC236}">
+                <a16:creationId xmlns:a16="http://schemas.microsoft.com/office/drawing/2014/main" id="{5F8A0ED5-8D88-437F-965F-590C0BD195F1}"/>
+              </a:ext>
+            </a:extLst>
+          </p:cNvPr>
+          <p:cNvSpPr>
+            <a:spLocks noGrp="1"/>
+          </p:cNvSpPr>
+          <p:nvPr>
+            <p:ph type="title" idx="1" hasCustomPrompt="1"/>
+          </p:nvPr>
+        </p:nvSpPr>
+        <p:spPr>
+          <a:xfrm>
+            <a:off x="365760" y="301752"/>
+            <a:ext cx="11466576" cy="731520"/>
+          </a:xfrm>
+        </p:spPr>
+        <p:txBody>
+          <a:bodyPr lIns="91440" tIns="45720" rIns="91440" bIns="45720"/>
+          <a:lstStyle>
+            <a:lvl1pPr>
+              <a:lnSpc>
+                <a:spcPct val="100000"/>
+              </a:lnSpc>
+              <a:defRPr>
+                <a:solidFill>
+                  <a:srgbClr val="232F3E"/>
+                </a:solidFill>
+                <a:latin typeface="Amazon Ember Display Heavy"/>
+              </a:defRPr>
+            </a:lvl1pPr>
+          </a:lstStyle>
+          <a:p>
+            <a:r>
+              <a:rPr lang="en-US" dirty="0"/>
+              <a:t>Title only</a:t>
+            </a:r>
+          </a:p>
+        </p:txBody>
+      </p:sp>
+    </p:spTree>
+    <p:custDataLst>
+      <p:tags r:id="rId1"/>
+    </p:custDataLst>
+    <p:extLst>
+      <p:ext uri="{BB962C8B-B14F-4D97-AF65-F5344CB8AC3E}">
+        <p14:creationId xmlns:p14="http://schemas.microsoft.com/office/powerpoint/2010/main" val="1979368389"/>
+      </p:ext>
+    </p:extLst>
+  </p:cSld>
+  <p:clrMapOvr>
+    <a:masterClrMapping/>
+  </p:clrMapOvr>
+</p:sldLayout>
+</file>
+
+<file path=ppt/slideLayouts/slideLayout19.xml><?xml version="1.0" encoding="utf-8"?>
+<p:sldLayout xmlns:a="http://schemas.openxmlformats.org/drawingml/2006/main" xmlns:r="http://schemas.openxmlformats.org/officeDocument/2006/relationships" xmlns:p="http://schemas.openxmlformats.org/presentationml/2006/main" preserve="1">
+  <p:cSld name="Title optional">
+    <p:bg>
+      <p:bgPr>
+        <a:solidFill>
+          <a:schemeClr val="bg1"/>
+        </a:solidFill>
+        <a:effectLst/>
+      </p:bgPr>
+    </p:bg>
+    <p:spTree>
+      <p:nvGrpSpPr>
+        <p:cNvPr id="1" name=""/>
+        <p:cNvGrpSpPr/>
+        <p:nvPr/>
+      </p:nvGrpSpPr>
+      <p:grpSpPr>
+        <a:xfrm>
+          <a:off x="0" y="0"/>
+          <a:ext cx="0" cy="0"/>
+          <a:chOff x="0" y="0"/>
+          <a:chExt cx="0" cy="0"/>
+        </a:xfrm>
+      </p:grpSpPr>
+      <p:sp>
+        <p:nvSpPr>
+          <p:cNvPr id="97" name="Slide Number">
+            <a:extLst>
+              <a:ext uri="{FF2B5EF4-FFF2-40B4-BE49-F238E27FC236}">
+                <a16:creationId xmlns:a16="http://schemas.microsoft.com/office/drawing/2014/main" id="{1D7818F9-B3C0-42E7-B6E1-5347230963DC}"/>
+              </a:ext>
+            </a:extLst>
+          </p:cNvPr>
+          <p:cNvSpPr>
+            <a:spLocks noGrp="1"/>
+          </p:cNvSpPr>
+          <p:nvPr>
+            <p:ph type="sldNum" idx="97"/>
+          </p:nvPr>
+        </p:nvSpPr>
+        <p:spPr>
+          <a:xfrm>
+            <a:off x="11347704" y="6446520"/>
+            <a:ext cx="484632" cy="228600"/>
+          </a:xfrm>
+        </p:spPr>
+        <p:txBody>
+          <a:bodyPr/>
+          <a:lstStyle>
+            <a:lvl1pPr>
+              <a:defRPr>
+                <a:solidFill>
+                  <a:srgbClr val="232F3E"/>
+                </a:solidFill>
+              </a:defRPr>
+            </a:lvl1pPr>
+          </a:lstStyle>
+          <a:p>
+            <a:fld id="{86A8BF56-6CB3-514C-9A64-F39D95C9E25B}" type="slidenum">
+              <a:rPr lang="en-US" smtClean="0"/>
+              <a:t>‹#›</a:t>
+            </a:fld>
+            <a:endParaRPr lang="en-US"/>
+          </a:p>
+        </p:txBody>
+      </p:sp>
+      <p:sp>
+        <p:nvSpPr>
+          <p:cNvPr id="3" name="Title">
+            <a:extLst>
+              <a:ext uri="{FF2B5EF4-FFF2-40B4-BE49-F238E27FC236}">
+                <a16:creationId xmlns:a16="http://schemas.microsoft.com/office/drawing/2014/main" id="{5F8A0ED5-8D88-437F-965F-590C0BD195F1}"/>
+              </a:ext>
+            </a:extLst>
+          </p:cNvPr>
+          <p:cNvSpPr>
+            <a:spLocks noGrp="1"/>
+          </p:cNvSpPr>
+          <p:nvPr>
+            <p:ph type="title" idx="1" hasCustomPrompt="1"/>
+          </p:nvPr>
+        </p:nvSpPr>
+        <p:spPr>
+          <a:xfrm>
+            <a:off x="365760" y="301752"/>
+            <a:ext cx="11466576" cy="731520"/>
+          </a:xfrm>
+        </p:spPr>
+        <p:txBody>
+          <a:bodyPr lIns="91440" tIns="45720" rIns="91440" bIns="45720"/>
+          <a:lstStyle>
+            <a:lvl1pPr>
+              <a:lnSpc>
+                <a:spcPct val="100000"/>
+              </a:lnSpc>
+              <a:defRPr>
+                <a:solidFill>
+                  <a:srgbClr val="232F3E"/>
+                </a:solidFill>
+                <a:latin typeface="Amazon Ember Display Heavy"/>
+              </a:defRPr>
+            </a:lvl1pPr>
+          </a:lstStyle>
+          <a:p>
+            <a:r>
+              <a:rPr lang="en-US" dirty="0"/>
+              <a:t>Title optional</a:t>
+            </a:r>
+          </a:p>
+        </p:txBody>
+      </p:sp>
+    </p:spTree>
+    <p:custDataLst>
+      <p:tags r:id="rId1"/>
+    </p:custDataLst>
+    <p:extLst>
+      <p:ext uri="{BB962C8B-B14F-4D97-AF65-F5344CB8AC3E}">
+        <p14:creationId xmlns:p14="http://schemas.microsoft.com/office/powerpoint/2010/main" val="139197964"/>
+      </p:ext>
+    </p:extLst>
+  </p:cSld>
+  <p:clrMapOvr>
+    <a:masterClrMapping/>
+  </p:clrMapOvr>
+</p:sldLayout>
+</file>
+
+<file path=ppt/slideLayouts/slideLayout2.xml><?xml version="1.0" encoding="utf-8"?>
+<p:sldLayout xmlns:a="http://schemas.openxmlformats.org/drawingml/2006/main" xmlns:r="http://schemas.openxmlformats.org/officeDocument/2006/relationships" xmlns:p="http://schemas.openxmlformats.org/presentationml/2006/main" showMasterSp="0" type="secHead" preserve="1">
+  <p:cSld name="Quote slide">
+    <p:bg>
+      <p:bgPr>
+        <a:blipFill dpi="0" rotWithShape="1">
+          <a:blip r:embed="rId2">
+            <a:lum/>
+          </a:blip>
+          <a:srcRect/>
+          <a:stretch>
+            <a:fillRect/>
+          </a:stretch>
+        </a:blipFill>
+        <a:effectLst/>
+      </p:bgPr>
+    </p:bg>
+    <p:spTree>
+      <p:nvGrpSpPr>
+        <p:cNvPr id="1" name=""/>
+        <p:cNvGrpSpPr/>
+        <p:nvPr/>
+      </p:nvGrpSpPr>
+      <p:grpSpPr>
+        <a:xfrm>
+          <a:off x="0" y="0"/>
+          <a:ext cx="0" cy="0"/>
+          <a:chOff x="0" y="0"/>
+          <a:chExt cx="0" cy="0"/>
+        </a:xfrm>
+      </p:grpSpPr>
+      <p:pic>
+        <p:nvPicPr>
+          <p:cNvPr id="98" name="Copyright2">
+            <a:extLst>
+              <a:ext uri="{FF2B5EF4-FFF2-40B4-BE49-F238E27FC236}">
+                <a16:creationId xmlns:a16="http://schemas.microsoft.com/office/drawing/2014/main" id="{FF8B9268-D160-4371-B431-C3FF238B867A}"/>
+              </a:ext>
+              <a:ext uri="{C183D7F6-B498-43B3-948B-1728B52AA6E4}">
+                <adec:decorative xmlns:adec="http://schemas.microsoft.com/office/drawing/2017/decorative" val="1"/>
+              </a:ext>
+            </a:extLst>
+          </p:cNvPr>
+          <p:cNvPicPr>
+            <a:picLocks/>
+          </p:cNvPicPr>
+          <p:nvPr/>
+        </p:nvPicPr>
+        <p:blipFill>
+          <a:blip r:embed="rId3">
+            <a:extLst>
+              <a:ext uri="{28A0092B-C50C-407E-A947-70E740481C1C}">
+                <a14:useLocalDpi xmlns:a14="http://schemas.microsoft.com/office/drawing/2010/main" val="0"/>
+              </a:ext>
+            </a:extLst>
+          </a:blip>
+          <a:stretch>
+            <a:fillRect/>
+          </a:stretch>
+        </p:blipFill>
+        <p:spPr>
+          <a:xfrm>
+            <a:off x="3799983" y="6446520"/>
+            <a:ext cx="4610100" cy="311150"/>
+          </a:xfrm>
+          <a:prstGeom prst="rect">
+            <a:avLst/>
+          </a:prstGeom>
+        </p:spPr>
+      </p:pic>
+      <p:sp>
+        <p:nvSpPr>
+          <p:cNvPr id="97" name="Slide Number">
+            <a:extLst>
+              <a:ext uri="{FF2B5EF4-FFF2-40B4-BE49-F238E27FC236}">
+                <a16:creationId xmlns:a16="http://schemas.microsoft.com/office/drawing/2014/main" id="{576AC153-25F3-4431-87F8-2E0931CF2549}"/>
+              </a:ext>
+            </a:extLst>
+          </p:cNvPr>
+          <p:cNvSpPr>
+            <a:spLocks noGrp="1"/>
+          </p:cNvSpPr>
+          <p:nvPr>
+            <p:ph type="sldNum" idx="97"/>
+          </p:nvPr>
+        </p:nvSpPr>
+        <p:spPr>
+          <a:xfrm>
+            <a:off x="11347704" y="6446520"/>
+            <a:ext cx="484632" cy="228600"/>
+          </a:xfrm>
+        </p:spPr>
+        <p:txBody>
+          <a:bodyPr/>
+          <a:lstStyle>
+            <a:lvl1pPr>
+              <a:defRPr>
+                <a:solidFill>
+                  <a:srgbClr val="232F3E"/>
+                </a:solidFill>
+              </a:defRPr>
+            </a:lvl1pPr>
+          </a:lstStyle>
+          <a:p>
+            <a:fld id="{86A8BF56-6CB3-514C-9A64-F39D95C9E25B}" type="slidenum">
+              <a:rPr lang="en-US" smtClean="0"/>
+              <a:t>‹#›</a:t>
+            </a:fld>
+            <a:endParaRPr lang="en-US" dirty="0"/>
+          </a:p>
+        </p:txBody>
+      </p:sp>
+      <p:sp>
+        <p:nvSpPr>
+          <p:cNvPr id="3" name="Title">
+            <a:extLst>
+              <a:ext uri="{FF2B5EF4-FFF2-40B4-BE49-F238E27FC236}">
+                <a16:creationId xmlns:a16="http://schemas.microsoft.com/office/drawing/2014/main" id="{FEA5D771-1E37-4674-A454-5B6A887E81B8}"/>
+              </a:ext>
+            </a:extLst>
+          </p:cNvPr>
+          <p:cNvSpPr>
+            <a:spLocks noGrp="1"/>
+          </p:cNvSpPr>
+          <p:nvPr>
+            <p:ph type="title" idx="1" hasCustomPrompt="1"/>
+          </p:nvPr>
+        </p:nvSpPr>
+        <p:spPr>
+          <a:xfrm>
+            <a:off x="365760" y="2435469"/>
+            <a:ext cx="11472013" cy="1960803"/>
+          </a:xfrm>
+        </p:spPr>
+        <p:txBody>
+          <a:bodyPr anchor="ctr">
+            <a:normAutofit/>
+          </a:bodyPr>
+          <a:lstStyle>
+            <a:lvl1pPr>
+              <a:defRPr sz="4000">
+                <a:solidFill>
+                  <a:schemeClr val="bg2"/>
+                </a:solidFill>
+                <a:latin typeface="Amazon Ember Display Heavy"/>
+              </a:defRPr>
+            </a:lvl1pPr>
+          </a:lstStyle>
+          <a:p>
+            <a:r>
+              <a:rPr lang="en-US" dirty="0"/>
+              <a:t>“Enter quote here”</a:t>
+            </a:r>
+          </a:p>
+        </p:txBody>
+      </p:sp>
+      <p:sp>
+        <p:nvSpPr>
+          <p:cNvPr id="2" name="Attribution">
+            <a:extLst>
+              <a:ext uri="{FF2B5EF4-FFF2-40B4-BE49-F238E27FC236}">
+                <a16:creationId xmlns:a16="http://schemas.microsoft.com/office/drawing/2014/main" id="{0DEABB21-C29F-4E2E-AADE-6FBA5EF95AF4}"/>
+              </a:ext>
+            </a:extLst>
+          </p:cNvPr>
+          <p:cNvSpPr>
+            <a:spLocks noGrp="1"/>
+          </p:cNvSpPr>
+          <p:nvPr>
+            <p:ph type="body" idx="2" hasCustomPrompt="1"/>
+          </p:nvPr>
+        </p:nvSpPr>
+        <p:spPr>
+          <a:xfrm>
+            <a:off x="6096000" y="4624991"/>
+            <a:ext cx="5741773" cy="770066"/>
+          </a:xfrm>
+        </p:spPr>
+        <p:txBody>
+          <a:bodyPr>
+            <a:noAutofit/>
+          </a:bodyPr>
+          <a:lstStyle>
+            <a:lvl1pPr marL="0" indent="0">
+              <a:buNone/>
+              <a:defRPr sz="2800">
+                <a:solidFill>
+                  <a:schemeClr val="bg2"/>
+                </a:solidFill>
+              </a:defRPr>
+            </a:lvl1pPr>
+          </a:lstStyle>
+          <a:p>
+            <a:r>
+              <a:rPr lang="en-US" dirty="0"/>
+              <a:t>- Attribution</a:t>
+            </a:r>
+          </a:p>
+        </p:txBody>
+      </p:sp>
+    </p:spTree>
+    <p:extLst>
+      <p:ext uri="{BB962C8B-B14F-4D97-AF65-F5344CB8AC3E}">
+        <p14:creationId xmlns:p14="http://schemas.microsoft.com/office/powerpoint/2010/main" val="4253493302"/>
+      </p:ext>
+    </p:extLst>
+  </p:cSld>
+  <p:clrMapOvr>
+    <a:masterClrMapping/>
+  </p:clrMapOvr>
+</p:sldLayout>
+</file>
+
+<file path=ppt/slideLayouts/slideLayout20.xml><?xml version="1.0" encoding="utf-8"?>
 <p:sldLayout xmlns:a="http://schemas.openxmlformats.org/drawingml/2006/main" xmlns:r="http://schemas.openxmlformats.org/officeDocument/2006/relationships" xmlns:p="http://schemas.openxmlformats.org/presentationml/2006/main" preserve="1">
   <p:cSld name="Thank You">
     <p:bg>
@@ -5838,40 +9004,20 @@
 </p:sldLayout>
 </file>
 
-<file path=ppt/slideLayouts/slideLayout2.xml><?xml version="1.0" encoding="utf-8"?>
-<p:sldLayout xmlns:a="http://schemas.openxmlformats.org/drawingml/2006/main" xmlns:r="http://schemas.openxmlformats.org/officeDocument/2006/relationships" xmlns:p="http://schemas.openxmlformats.org/presentationml/2006/main" showMasterSp="0" type="secHead" preserve="1">
-  <p:cSld name="Quote slide">
+<file path=ppt/slideLayouts/slideLayout3.xml><?xml version="1.0" encoding="utf-8"?>
+<p:sldLayout xmlns:a="http://schemas.openxmlformats.org/drawingml/2006/main" xmlns:r="http://schemas.openxmlformats.org/officeDocument/2006/relationships" xmlns:p="http://schemas.openxmlformats.org/presentationml/2006/main" showMasterSp="0">
+  <p:cSld name="Topic Introduction">
     <p:bg>
       <p:bgPr>
-        <a:gradFill>
-          <a:gsLst>
-            <a:gs pos="0">
-              <a:srgbClr val="47008F">
-                <a:lumMod val="90000"/>
-                <a:lumOff val="10000"/>
-              </a:srgbClr>
-            </a:gs>
-            <a:gs pos="23000">
-              <a:srgbClr val="47008F">
-                <a:lumMod val="97000"/>
-                <a:lumOff val="3000"/>
-              </a:srgbClr>
-            </a:gs>
-            <a:gs pos="69000">
-              <a:srgbClr val="47008F">
-                <a:lumMod val="83000"/>
-              </a:srgbClr>
-            </a:gs>
-            <a:gs pos="97000">
-              <a:srgbClr val="47008F">
-                <a:lumMod val="73000"/>
-              </a:srgbClr>
-            </a:gs>
-          </a:gsLst>
-          <a:path path="circle">
-            <a:fillToRect l="50000" t="50000" r="50000" b="50000"/>
-          </a:path>
-        </a:gradFill>
+        <a:blipFill dpi="0" rotWithShape="1">
+          <a:blip r:embed="rId3">
+            <a:lum/>
+          </a:blip>
+          <a:srcRect/>
+          <a:stretch>
+            <a:fillRect/>
+          </a:stretch>
+        </a:blipFill>
         <a:effectLst/>
       </p:bgPr>
     </p:bg>
@@ -5889,253 +9035,45 @@
           <a:chExt cx="0" cy="0"/>
         </a:xfrm>
       </p:grpSpPr>
-      <p:sp>
-        <p:nvSpPr>
-          <p:cNvPr id="97" name="Slide Number">
+      <p:pic>
+        <p:nvPicPr>
+          <p:cNvPr id="98" name="Copyright1">
             <a:extLst>
               <a:ext uri="{FF2B5EF4-FFF2-40B4-BE49-F238E27FC236}">
-                <a16:creationId xmlns:a16="http://schemas.microsoft.com/office/drawing/2014/main" id="{576AC153-25F3-4431-87F8-2E0931CF2549}"/>
+                <a16:creationId xmlns:a16="http://schemas.microsoft.com/office/drawing/2014/main" id="{5B6281CA-DDB5-4FA8-9C31-F9EAA4393B75}"/>
+              </a:ext>
+              <a:ext uri="{C183D7F6-B498-43B3-948B-1728B52AA6E4}">
+                <adec:decorative xmlns:adec="http://schemas.microsoft.com/office/drawing/2017/decorative" val="1"/>
               </a:ext>
             </a:extLst>
           </p:cNvPr>
-          <p:cNvSpPr>
-            <a:spLocks noGrp="1"/>
-          </p:cNvSpPr>
-          <p:nvPr>
-            <p:ph type="sldNum" idx="97"/>
-          </p:nvPr>
-        </p:nvSpPr>
+          <p:cNvPicPr>
+            <a:picLocks/>
+          </p:cNvPicPr>
+          <p:nvPr/>
+        </p:nvPicPr>
+        <p:blipFill>
+          <a:blip r:embed="rId4">
+            <a:extLst>
+              <a:ext uri="{28A0092B-C50C-407E-A947-70E740481C1C}">
+                <a14:useLocalDpi xmlns:a14="http://schemas.microsoft.com/office/drawing/2010/main" val="0"/>
+              </a:ext>
+            </a:extLst>
+          </a:blip>
+          <a:stretch>
+            <a:fillRect/>
+          </a:stretch>
+        </p:blipFill>
         <p:spPr>
           <a:xfrm>
-            <a:off x="11347704" y="6446520"/>
-            <a:ext cx="484632" cy="228600"/>
-          </a:xfrm>
-        </p:spPr>
-        <p:txBody>
-          <a:bodyPr/>
-          <a:lstStyle>
-            <a:lvl1pPr>
-              <a:defRPr>
-                <a:solidFill>
-                  <a:schemeClr val="bg1"/>
-                </a:solidFill>
-              </a:defRPr>
-            </a:lvl1pPr>
-          </a:lstStyle>
-          <a:p>
-            <a:fld id="{86A8BF56-6CB3-514C-9A64-F39D95C9E25B}" type="slidenum">
-              <a:rPr lang="en-US" smtClean="0"/>
-              <a:t>‹#›</a:t>
-            </a:fld>
-            <a:endParaRPr lang="en-US"/>
-          </a:p>
-        </p:txBody>
-      </p:sp>
-      <p:sp>
-        <p:nvSpPr>
-          <p:cNvPr id="3" name="Title">
-            <a:extLst>
-              <a:ext uri="{FF2B5EF4-FFF2-40B4-BE49-F238E27FC236}">
-                <a16:creationId xmlns:a16="http://schemas.microsoft.com/office/drawing/2014/main" id="{FEA5D771-1E37-4674-A454-5B6A887E81B8}"/>
-              </a:ext>
-            </a:extLst>
-          </p:cNvPr>
-          <p:cNvSpPr>
-            <a:spLocks noGrp="1"/>
-          </p:cNvSpPr>
-          <p:nvPr>
-            <p:ph type="title" idx="1" hasCustomPrompt="1"/>
-          </p:nvPr>
-        </p:nvSpPr>
-        <p:spPr>
-          <a:xfrm>
-            <a:off x="365760" y="2435469"/>
-            <a:ext cx="11472013" cy="1960803"/>
-          </a:xfrm>
-        </p:spPr>
-        <p:txBody>
-          <a:bodyPr anchor="ctr">
-            <a:normAutofit/>
-          </a:bodyPr>
-          <a:lstStyle>
-            <a:lvl1pPr>
-              <a:defRPr sz="4000">
-                <a:solidFill>
-                  <a:schemeClr val="bg2"/>
-                </a:solidFill>
-                <a:latin typeface="Amazon Ember Display Heavy"/>
-              </a:defRPr>
-            </a:lvl1pPr>
-          </a:lstStyle>
-          <a:p>
-            <a:r>
-              <a:rPr lang="en-US" dirty="0"/>
-              <a:t>“Enter quote here”</a:t>
-            </a:r>
-          </a:p>
-        </p:txBody>
-      </p:sp>
-      <p:sp>
-        <p:nvSpPr>
-          <p:cNvPr id="2" name="Attribution">
-            <a:extLst>
-              <a:ext uri="{FF2B5EF4-FFF2-40B4-BE49-F238E27FC236}">
-                <a16:creationId xmlns:a16="http://schemas.microsoft.com/office/drawing/2014/main" id="{0DEABB21-C29F-4E2E-AADE-6FBA5EF95AF4}"/>
-              </a:ext>
-            </a:extLst>
-          </p:cNvPr>
-          <p:cNvSpPr>
-            <a:spLocks noGrp="1"/>
-          </p:cNvSpPr>
-          <p:nvPr>
-            <p:ph type="body" idx="2" hasCustomPrompt="1"/>
-          </p:nvPr>
-        </p:nvSpPr>
-        <p:spPr>
-          <a:xfrm>
-            <a:off x="6096000" y="4624991"/>
-            <a:ext cx="5741773" cy="770066"/>
-          </a:xfrm>
-        </p:spPr>
-        <p:txBody>
-          <a:bodyPr>
-            <a:noAutofit/>
-          </a:bodyPr>
-          <a:lstStyle>
-            <a:lvl1pPr marL="0" indent="0">
-              <a:buNone/>
-              <a:defRPr sz="2800">
-                <a:solidFill>
-                  <a:schemeClr val="bg2"/>
-                </a:solidFill>
-              </a:defRPr>
-            </a:lvl1pPr>
-          </a:lstStyle>
-          <a:p>
-            <a:r>
-              <a:rPr lang="en-US" dirty="0"/>
-              <a:t>- Attribution</a:t>
-            </a:r>
-          </a:p>
-        </p:txBody>
-      </p:sp>
-    </p:spTree>
-    <p:extLst>
-      <p:ext uri="{BB962C8B-B14F-4D97-AF65-F5344CB8AC3E}">
-        <p14:creationId xmlns:p14="http://schemas.microsoft.com/office/powerpoint/2010/main" val="1333554643"/>
-      </p:ext>
-    </p:extLst>
-  </p:cSld>
-  <p:clrMapOvr>
-    <a:masterClrMapping/>
-  </p:clrMapOvr>
-</p:sldLayout>
-</file>
-
-<file path=ppt/slideLayouts/slideLayout3.xml><?xml version="1.0" encoding="utf-8"?>
-<p:sldLayout xmlns:a="http://schemas.openxmlformats.org/drawingml/2006/main" xmlns:r="http://schemas.openxmlformats.org/officeDocument/2006/relationships" xmlns:p="http://schemas.openxmlformats.org/presentationml/2006/main" showMasterSp="0" preserve="1">
-  <p:cSld name="Topic Introduction">
-    <p:bg>
-      <p:bgPr>
-        <a:solidFill>
-          <a:schemeClr val="bg1"/>
-        </a:solidFill>
-        <a:effectLst/>
-      </p:bgPr>
-    </p:bg>
-    <p:spTree>
-      <p:nvGrpSpPr>
-        <p:cNvPr id="1" name=""/>
-        <p:cNvGrpSpPr/>
-        <p:nvPr/>
-      </p:nvGrpSpPr>
-      <p:grpSpPr>
-        <a:xfrm>
-          <a:off x="0" y="0"/>
-          <a:ext cx="0" cy="0"/>
-          <a:chOff x="0" y="0"/>
-          <a:chExt cx="0" cy="0"/>
-        </a:xfrm>
-      </p:grpSpPr>
-      <p:sp>
-        <p:nvSpPr>
-          <p:cNvPr id="6" name="Rectangle 5">
-            <a:extLst>
-              <a:ext uri="{FF2B5EF4-FFF2-40B4-BE49-F238E27FC236}">
-                <a16:creationId xmlns:a16="http://schemas.microsoft.com/office/drawing/2014/main" id="{388A78E8-6AA2-E26A-BE84-51DCD543A1DF}"/>
-              </a:ext>
-            </a:extLst>
-          </p:cNvPr>
-          <p:cNvSpPr/>
-          <p:nvPr/>
-        </p:nvSpPr>
-        <p:spPr>
-          <a:xfrm>
-            <a:off x="0" y="11648"/>
-            <a:ext cx="4434840" cy="6858000"/>
+            <a:off x="6009640" y="6446520"/>
+            <a:ext cx="4610100" cy="311150"/>
           </a:xfrm>
           <a:prstGeom prst="rect">
             <a:avLst/>
           </a:prstGeom>
-          <a:gradFill flip="none" rotWithShape="1">
-            <a:gsLst>
-              <a:gs pos="0">
-                <a:srgbClr val="47008F">
-                  <a:lumMod val="90000"/>
-                  <a:lumOff val="10000"/>
-                </a:srgbClr>
-              </a:gs>
-              <a:gs pos="23000">
-                <a:srgbClr val="47008F">
-                  <a:lumMod val="97000"/>
-                  <a:lumOff val="3000"/>
-                </a:srgbClr>
-              </a:gs>
-              <a:gs pos="69000">
-                <a:srgbClr val="47008F">
-                  <a:lumMod val="83000"/>
-                </a:srgbClr>
-              </a:gs>
-              <a:gs pos="97000">
-                <a:srgbClr val="47008F">
-                  <a:lumMod val="73000"/>
-                </a:srgbClr>
-              </a:gs>
-            </a:gsLst>
-            <a:path path="circle">
-              <a:fillToRect l="100000" t="100000"/>
-            </a:path>
-            <a:tileRect r="-100000" b="-100000"/>
-          </a:gradFill>
-          <a:ln>
-            <a:noFill/>
-          </a:ln>
         </p:spPr>
-        <p:style>
-          <a:lnRef idx="2">
-            <a:schemeClr val="accent1">
-              <a:shade val="15000"/>
-            </a:schemeClr>
-          </a:lnRef>
-          <a:fillRef idx="1">
-            <a:schemeClr val="accent1"/>
-          </a:fillRef>
-          <a:effectRef idx="0">
-            <a:schemeClr val="accent1"/>
-          </a:effectRef>
-          <a:fontRef idx="minor">
-            <a:schemeClr val="lt1"/>
-          </a:fontRef>
-        </p:style>
-        <p:txBody>
-          <a:bodyPr rtlCol="0" anchor="ctr"/>
-          <a:lstStyle/>
-          <a:p>
-            <a:pPr algn="ctr"/>
-            <a:endParaRPr lang="en-US"/>
-          </a:p>
-        </p:txBody>
-      </p:sp>
+      </p:pic>
       <p:sp>
         <p:nvSpPr>
           <p:cNvPr id="97" name="Slide Number">
@@ -6174,7 +9112,7 @@
               <a:rPr lang="en-US" smtClean="0"/>
               <a:t>‹#›</a:t>
             </a:fld>
-            <a:endParaRPr lang="en-US"/>
+            <a:endParaRPr lang="en-US" dirty="0"/>
           </a:p>
         </p:txBody>
       </p:sp>
@@ -6433,7 +9371,7 @@
     </p:custDataLst>
     <p:extLst>
       <p:ext uri="{BB962C8B-B14F-4D97-AF65-F5344CB8AC3E}">
-        <p14:creationId xmlns:p14="http://schemas.microsoft.com/office/powerpoint/2010/main" val="2667086999"/>
+        <p14:creationId xmlns:p14="http://schemas.microsoft.com/office/powerpoint/2010/main" val="2188354890"/>
       </p:ext>
     </p:extLst>
   </p:cSld>
@@ -6545,7 +9483,7 @@
               <a:rPr lang="en-US" smtClean="0"/>
               <a:t>‹#›</a:t>
             </a:fld>
-            <a:endParaRPr lang="en-US"/>
+            <a:endParaRPr lang="en-US" dirty="0"/>
           </a:p>
         </p:txBody>
       </p:sp>
@@ -6766,7 +9704,7 @@
     </p:custDataLst>
     <p:extLst>
       <p:ext uri="{BB962C8B-B14F-4D97-AF65-F5344CB8AC3E}">
-        <p14:creationId xmlns:p14="http://schemas.microsoft.com/office/powerpoint/2010/main" val="2458608713"/>
+        <p14:creationId xmlns:p14="http://schemas.microsoft.com/office/powerpoint/2010/main" val="2763409176"/>
       </p:ext>
     </p:extLst>
   </p:cSld>
@@ -6878,7 +9816,7 @@
               <a:rPr lang="en-US" smtClean="0"/>
               <a:t>‹#›</a:t>
             </a:fld>
-            <a:endParaRPr lang="en-US"/>
+            <a:endParaRPr lang="en-US" dirty="0"/>
           </a:p>
         </p:txBody>
       </p:sp>
@@ -7182,7 +10120,7 @@
     </p:custDataLst>
     <p:extLst>
       <p:ext uri="{BB962C8B-B14F-4D97-AF65-F5344CB8AC3E}">
-        <p14:creationId xmlns:p14="http://schemas.microsoft.com/office/powerpoint/2010/main" val="1864013706"/>
+        <p14:creationId xmlns:p14="http://schemas.microsoft.com/office/powerpoint/2010/main" val="442422164"/>
       </p:ext>
     </p:extLst>
   </p:cSld>
@@ -7295,7 +10233,7 @@
               <a:pPr/>
               <a:t>‹#›</a:t>
             </a:fld>
-            <a:endParaRPr lang="en-US"/>
+            <a:endParaRPr lang="en-US" dirty="0"/>
           </a:p>
         </p:txBody>
       </p:sp>
@@ -7554,7 +10492,7 @@
     </p:custDataLst>
     <p:extLst>
       <p:ext uri="{BB962C8B-B14F-4D97-AF65-F5344CB8AC3E}">
-        <p14:creationId xmlns:p14="http://schemas.microsoft.com/office/powerpoint/2010/main" val="72568665"/>
+        <p14:creationId xmlns:p14="http://schemas.microsoft.com/office/powerpoint/2010/main" val="2167518299"/>
       </p:ext>
     </p:extLst>
   </p:cSld>
@@ -7667,7 +10605,7 @@
               <a:pPr/>
               <a:t>‹#›</a:t>
             </a:fld>
-            <a:endParaRPr lang="en-US"/>
+            <a:endParaRPr lang="en-US" dirty="0"/>
           </a:p>
         </p:txBody>
       </p:sp>
@@ -7701,6 +10639,7 @@
                 <a:solidFill>
                   <a:srgbClr val="232F3E"/>
                 </a:solidFill>
+                <a:latin typeface="+mj-lt"/>
               </a:defRPr>
             </a:lvl1pPr>
           </a:lstStyle>
@@ -7980,7 +10919,7 @@
     </p:custDataLst>
     <p:extLst>
       <p:ext uri="{BB962C8B-B14F-4D97-AF65-F5344CB8AC3E}">
-        <p14:creationId xmlns:p14="http://schemas.microsoft.com/office/powerpoint/2010/main" val="3407608658"/>
+        <p14:creationId xmlns:p14="http://schemas.microsoft.com/office/powerpoint/2010/main" val="2194051536"/>
       </p:ext>
     </p:extLst>
   </p:cSld>
@@ -8092,7 +11031,7 @@
               <a:rPr lang="en-US" smtClean="0"/>
               <a:t>‹#›</a:t>
             </a:fld>
-            <a:endParaRPr lang="en-US"/>
+            <a:endParaRPr lang="en-US" dirty="0"/>
           </a:p>
         </p:txBody>
       </p:sp>
@@ -8129,7 +11068,7 @@
                 <a:solidFill>
                   <a:srgbClr val="232F3E"/>
                 </a:solidFill>
-                <a:latin typeface="Amazon Ember Display Heavy"/>
+                <a:latin typeface="+mj-lt"/>
               </a:defRPr>
             </a:lvl1pPr>
           </a:lstStyle>
@@ -8147,7 +11086,7 @@
     </p:custDataLst>
     <p:extLst>
       <p:ext uri="{BB962C8B-B14F-4D97-AF65-F5344CB8AC3E}">
-        <p14:creationId xmlns:p14="http://schemas.microsoft.com/office/powerpoint/2010/main" val="1979368389"/>
+        <p14:creationId xmlns:p14="http://schemas.microsoft.com/office/powerpoint/2010/main" val="358160680"/>
       </p:ext>
     </p:extLst>
   </p:cSld>
@@ -8220,7 +11159,7 @@
               <a:rPr lang="en-US" smtClean="0"/>
               <a:t>‹#›</a:t>
             </a:fld>
-            <a:endParaRPr lang="en-US"/>
+            <a:endParaRPr lang="en-US" dirty="0"/>
           </a:p>
         </p:txBody>
       </p:sp>
@@ -8257,7 +11196,7 @@
                 <a:solidFill>
                   <a:srgbClr val="232F3E"/>
                 </a:solidFill>
-                <a:latin typeface="Amazon Ember Display Heavy"/>
+                <a:latin typeface="+mj-lt"/>
               </a:defRPr>
             </a:lvl1pPr>
           </a:lstStyle>
@@ -8275,7 +11214,7 @@
     </p:custDataLst>
     <p:extLst>
       <p:ext uri="{BB962C8B-B14F-4D97-AF65-F5344CB8AC3E}">
-        <p14:creationId xmlns:p14="http://schemas.microsoft.com/office/powerpoint/2010/main" val="139197964"/>
+        <p14:creationId xmlns:p14="http://schemas.microsoft.com/office/powerpoint/2010/main" val="3548761182"/>
       </p:ext>
     </p:extLst>
   </p:cSld>
@@ -8286,6 +11225,584 @@
 </file>
 
 <file path=ppt/slideMasters/slideMaster1.xml><?xml version="1.0" encoding="utf-8"?>
+<p:sldMaster xmlns:a="http://schemas.openxmlformats.org/drawingml/2006/main" xmlns:r="http://schemas.openxmlformats.org/officeDocument/2006/relationships" xmlns:p="http://schemas.openxmlformats.org/presentationml/2006/main">
+  <p:cSld>
+    <p:bg>
+      <p:bgPr>
+        <a:solidFill>
+          <a:schemeClr val="bg2"/>
+        </a:solidFill>
+        <a:effectLst/>
+      </p:bgPr>
+    </p:bg>
+    <p:spTree>
+      <p:nvGrpSpPr>
+        <p:cNvPr id="1" name=""/>
+        <p:cNvGrpSpPr/>
+        <p:nvPr/>
+      </p:nvGrpSpPr>
+      <p:grpSpPr>
+        <a:xfrm>
+          <a:off x="0" y="0"/>
+          <a:ext cx="0" cy="0"/>
+          <a:chOff x="0" y="0"/>
+          <a:chExt cx="0" cy="0"/>
+        </a:xfrm>
+      </p:grpSpPr>
+      <p:sp>
+        <p:nvSpPr>
+          <p:cNvPr id="3" name="Title">
+            <a:extLst>
+              <a:ext uri="{FF2B5EF4-FFF2-40B4-BE49-F238E27FC236}">
+                <a16:creationId xmlns:a16="http://schemas.microsoft.com/office/drawing/2014/main" id="{95BD4D1B-B3EB-4C0C-8CE3-A35C1F88F6BC}"/>
+              </a:ext>
+            </a:extLst>
+          </p:cNvPr>
+          <p:cNvSpPr>
+            <a:spLocks noGrp="1"/>
+          </p:cNvSpPr>
+          <p:nvPr>
+            <p:ph type="title" idx="1"/>
+          </p:nvPr>
+        </p:nvSpPr>
+        <p:spPr>
+          <a:xfrm>
+            <a:off x="365760" y="301752"/>
+            <a:ext cx="11567160" cy="731520"/>
+          </a:xfrm>
+          <a:prstGeom prst="rect">
+            <a:avLst/>
+          </a:prstGeom>
+        </p:spPr>
+        <p:txBody>
+          <a:bodyPr vert="horz" lIns="91440" tIns="45720" rIns="91440" bIns="45720" rtlCol="0" anchor="ctr">
+            <a:normAutofit/>
+          </a:bodyPr>
+          <a:lstStyle/>
+          <a:p>
+            <a:r>
+              <a:rPr lang="en-US" dirty="0">
+                <a:latin typeface="Amazon Ember Display Heavy" panose="04020705040A02060702" pitchFamily="82" charset="0"/>
+              </a:rPr>
+              <a:t>Click to edit Master title style</a:t>
+            </a:r>
+            <a:endParaRPr lang="en-US" dirty="0"/>
+          </a:p>
+        </p:txBody>
+      </p:sp>
+      <p:sp>
+        <p:nvSpPr>
+          <p:cNvPr id="2" name="Content">
+            <a:extLst>
+              <a:ext uri="{FF2B5EF4-FFF2-40B4-BE49-F238E27FC236}">
+                <a16:creationId xmlns:a16="http://schemas.microsoft.com/office/drawing/2014/main" id="{3AF961A5-759C-41EF-B858-64D5160112BA}"/>
+              </a:ext>
+            </a:extLst>
+          </p:cNvPr>
+          <p:cNvSpPr>
+            <a:spLocks noGrp="1"/>
+          </p:cNvSpPr>
+          <p:nvPr>
+            <p:ph type="body" idx="2"/>
+          </p:nvPr>
+        </p:nvSpPr>
+        <p:spPr>
+          <a:xfrm>
+            <a:off x="365760" y="1143000"/>
+            <a:ext cx="11567160" cy="5294376"/>
+          </a:xfrm>
+          <a:prstGeom prst="rect">
+            <a:avLst/>
+          </a:prstGeom>
+        </p:spPr>
+        <p:txBody>
+          <a:bodyPr vert="horz" lIns="91440" tIns="45720" rIns="91440" bIns="45720" rtlCol="0">
+            <a:normAutofit/>
+          </a:bodyPr>
+          <a:lstStyle/>
+          <a:p>
+            <a:pPr marL="230188" lvl="0" indent="-230188" defTabSz="228600">
+              <a:lnSpc>
+                <a:spcPct val="100000"/>
+              </a:lnSpc>
+              <a:spcBef>
+                <a:spcPts val="500"/>
+              </a:spcBef>
+              <a:spcAft>
+                <a:spcPts val="600"/>
+              </a:spcAft>
+              <a:buFont typeface="Amazon Ember Display"/>
+            </a:pPr>
+            <a:r>
+              <a:rPr lang="en-US"/>
+              <a:t>Click to edit Master text styles</a:t>
+            </a:r>
+          </a:p>
+          <a:p>
+            <a:pPr marL="230188" lvl="1" indent="-230188" defTabSz="228600">
+              <a:lnSpc>
+                <a:spcPct val="100000"/>
+              </a:lnSpc>
+              <a:spcBef>
+                <a:spcPts val="500"/>
+              </a:spcBef>
+              <a:spcAft>
+                <a:spcPts val="600"/>
+              </a:spcAft>
+              <a:buFont typeface="Amazon Ember Display"/>
+            </a:pPr>
+            <a:r>
+              <a:rPr lang="en-US"/>
+              <a:t>Second level</a:t>
+            </a:r>
+          </a:p>
+          <a:p>
+            <a:pPr marL="230188" lvl="2" indent="-230188" defTabSz="228600">
+              <a:lnSpc>
+                <a:spcPct val="100000"/>
+              </a:lnSpc>
+              <a:spcBef>
+                <a:spcPts val="500"/>
+              </a:spcBef>
+              <a:spcAft>
+                <a:spcPts val="600"/>
+              </a:spcAft>
+              <a:buFont typeface="Amazon Ember Display"/>
+            </a:pPr>
+            <a:r>
+              <a:rPr lang="en-US"/>
+              <a:t>Third level</a:t>
+            </a:r>
+          </a:p>
+          <a:p>
+            <a:pPr marL="230188" lvl="3" indent="-230188" defTabSz="228600">
+              <a:lnSpc>
+                <a:spcPct val="100000"/>
+              </a:lnSpc>
+              <a:spcBef>
+                <a:spcPts val="500"/>
+              </a:spcBef>
+              <a:spcAft>
+                <a:spcPts val="600"/>
+              </a:spcAft>
+              <a:buFont typeface="Amazon Ember Display"/>
+            </a:pPr>
+            <a:r>
+              <a:rPr lang="en-US"/>
+              <a:t>Fourth level</a:t>
+            </a:r>
+          </a:p>
+          <a:p>
+            <a:pPr marL="230188" lvl="4" indent="-230188" defTabSz="228600">
+              <a:lnSpc>
+                <a:spcPct val="100000"/>
+              </a:lnSpc>
+              <a:spcBef>
+                <a:spcPts val="500"/>
+              </a:spcBef>
+              <a:spcAft>
+                <a:spcPts val="600"/>
+              </a:spcAft>
+              <a:buFont typeface="Amazon Ember Display"/>
+            </a:pPr>
+            <a:r>
+              <a:rPr lang="en-US"/>
+              <a:t>Fifth level</a:t>
+            </a:r>
+            <a:endParaRPr lang="en-US" dirty="0"/>
+          </a:p>
+        </p:txBody>
+      </p:sp>
+      <p:sp>
+        <p:nvSpPr>
+          <p:cNvPr id="89" name="Slide Number">
+            <a:extLst>
+              <a:ext uri="{FF2B5EF4-FFF2-40B4-BE49-F238E27FC236}">
+                <a16:creationId xmlns:a16="http://schemas.microsoft.com/office/drawing/2014/main" id="{A07A00D0-EC0A-44D2-9309-40C08E7F67D5}"/>
+              </a:ext>
+            </a:extLst>
+          </p:cNvPr>
+          <p:cNvSpPr>
+            <a:spLocks noGrp="1"/>
+          </p:cNvSpPr>
+          <p:nvPr>
+            <p:ph type="sldNum" idx="89"/>
+          </p:nvPr>
+        </p:nvSpPr>
+        <p:spPr>
+          <a:xfrm>
+            <a:off x="11466576" y="6446520"/>
+            <a:ext cx="484632" cy="228600"/>
+          </a:xfrm>
+          <a:prstGeom prst="rect">
+            <a:avLst/>
+          </a:prstGeom>
+        </p:spPr>
+        <p:txBody>
+          <a:bodyPr vert="horz" lIns="0" tIns="0" rIns="0" bIns="0" rtlCol="0" anchor="ctr"/>
+          <a:lstStyle>
+            <a:lvl1pPr algn="r">
+              <a:defRPr sz="1200">
+                <a:solidFill>
+                  <a:srgbClr val="232F3E"/>
+                </a:solidFill>
+              </a:defRPr>
+            </a:lvl1pPr>
+          </a:lstStyle>
+          <a:p>
+            <a:fld id="{86A8BF56-6CB3-514C-9A64-F39D95C9E25B}" type="slidenum">
+              <a:rPr lang="en-US" smtClean="0"/>
+              <a:t>‹#›</a:t>
+            </a:fld>
+            <a:endParaRPr lang="en-US" dirty="0"/>
+          </a:p>
+        </p:txBody>
+      </p:sp>
+      <p:pic>
+        <p:nvPicPr>
+          <p:cNvPr id="98" name="AWS Logo">
+            <a:extLst>
+              <a:ext uri="{FF2B5EF4-FFF2-40B4-BE49-F238E27FC236}">
+                <a16:creationId xmlns:a16="http://schemas.microsoft.com/office/drawing/2014/main" id="{9E7E1626-AACF-488B-8999-ACEC2A595C0B}"/>
+              </a:ext>
+              <a:ext uri="{C183D7F6-B498-43B3-948B-1728B52AA6E4}">
+                <adec:decorative xmlns:adec="http://schemas.microsoft.com/office/drawing/2017/decorative" val="1"/>
+              </a:ext>
+            </a:extLst>
+          </p:cNvPr>
+          <p:cNvPicPr>
+            <a:picLocks noChangeAspect="1"/>
+          </p:cNvPicPr>
+          <p:nvPr/>
+        </p:nvPicPr>
+        <p:blipFill>
+          <a:blip r:embed="rId12">
+            <a:extLst>
+              <a:ext uri="{96DAC541-7B7A-43D3-8B79-37D633B846F1}">
+                <asvg:svgBlip xmlns:asvg="http://schemas.microsoft.com/office/drawing/2016/SVG/main" r:embed="rId13"/>
+              </a:ext>
+            </a:extLst>
+          </a:blip>
+          <a:stretch>
+            <a:fillRect/>
+          </a:stretch>
+        </p:blipFill>
+        <p:spPr>
+          <a:xfrm>
+            <a:off x="243599" y="6445721"/>
+            <a:ext cx="366979" cy="219456"/>
+          </a:xfrm>
+          <a:prstGeom prst="rect">
+            <a:avLst/>
+          </a:prstGeom>
+        </p:spPr>
+      </p:pic>
+      <p:pic>
+        <p:nvPicPr>
+          <p:cNvPr id="88" name="Copyright1">
+            <a:extLst>
+              <a:ext uri="{FF2B5EF4-FFF2-40B4-BE49-F238E27FC236}">
+                <a16:creationId xmlns:a16="http://schemas.microsoft.com/office/drawing/2014/main" id="{D279C8CD-9488-4A44-A4D2-4C5E7235BC34}"/>
+              </a:ext>
+              <a:ext uri="{C183D7F6-B498-43B3-948B-1728B52AA6E4}">
+                <adec:decorative xmlns:adec="http://schemas.microsoft.com/office/drawing/2017/decorative" val="1"/>
+              </a:ext>
+            </a:extLst>
+          </p:cNvPr>
+          <p:cNvPicPr>
+            <a:picLocks/>
+          </p:cNvPicPr>
+          <p:nvPr/>
+        </p:nvPicPr>
+        <p:blipFill>
+          <a:blip r:embed="rId14">
+            <a:extLst>
+              <a:ext uri="{28A0092B-C50C-407E-A947-70E740481C1C}">
+                <a14:useLocalDpi xmlns:a14="http://schemas.microsoft.com/office/drawing/2010/main" val="0"/>
+              </a:ext>
+            </a:extLst>
+          </a:blip>
+          <a:stretch>
+            <a:fillRect/>
+          </a:stretch>
+        </p:blipFill>
+        <p:spPr>
+          <a:xfrm>
+            <a:off x="3787140" y="6446520"/>
+            <a:ext cx="4610100" cy="311150"/>
+          </a:xfrm>
+          <a:prstGeom prst="rect">
+            <a:avLst/>
+          </a:prstGeom>
+        </p:spPr>
+      </p:pic>
+    </p:spTree>
+    <p:extLst>
+      <p:ext uri="{BB962C8B-B14F-4D97-AF65-F5344CB8AC3E}">
+        <p14:creationId xmlns:p14="http://schemas.microsoft.com/office/powerpoint/2010/main" val="895584001"/>
+      </p:ext>
+    </p:extLst>
+  </p:cSld>
+  <p:clrMap bg1="lt1" tx1="dk1" bg2="lt2" tx2="dk2" accent1="accent1" accent2="accent2" accent3="accent3" accent4="accent4" accent5="accent5" accent6="accent6" hlink="hlink" folHlink="folHlink"/>
+  <p:sldLayoutIdLst>
+    <p:sldLayoutId id="2147483694" r:id="rId1"/>
+    <p:sldLayoutId id="2147483674" r:id="rId2"/>
+    <p:sldLayoutId id="2147483675" r:id="rId3"/>
+    <p:sldLayoutId id="2147483676" r:id="rId4"/>
+    <p:sldLayoutId id="2147483677" r:id="rId5"/>
+    <p:sldLayoutId id="2147483681" r:id="rId6"/>
+    <p:sldLayoutId id="2147483682" r:id="rId7"/>
+    <p:sldLayoutId id="2147483678" r:id="rId8"/>
+    <p:sldLayoutId id="2147483679" r:id="rId9"/>
+    <p:sldLayoutId id="2147483693" r:id="rId10"/>
+  </p:sldLayoutIdLst>
+  <p:hf hdr="0" ftr="0" dt="0"/>
+  <p:txStyles>
+    <p:titleStyle>
+      <a:lvl1pPr algn="l" defTabSz="914400" rtl="0" eaLnBrk="1" latinLnBrk="0" hangingPunct="1">
+        <a:lnSpc>
+          <a:spcPct val="90000"/>
+        </a:lnSpc>
+        <a:spcBef>
+          <a:spcPct val="0"/>
+        </a:spcBef>
+        <a:buNone/>
+        <a:defRPr sz="3600" b="0" kern="1200">
+          <a:solidFill>
+            <a:srgbClr val="232F3E"/>
+          </a:solidFill>
+          <a:latin typeface="+mj-lt"/>
+        </a:defRPr>
+      </a:lvl1pPr>
+    </p:titleStyle>
+    <p:bodyStyle>
+      <a:lvl1pPr marL="228600" indent="-228600" algn="l" defTabSz="914400" rtl="0" eaLnBrk="1" latinLnBrk="0" hangingPunct="1">
+        <a:lnSpc>
+          <a:spcPct val="90000"/>
+        </a:lnSpc>
+        <a:spcBef>
+          <a:spcPts val="1000"/>
+        </a:spcBef>
+        <a:buFont typeface="Amazon Ember Display"/>
+        <a:buChar char="•"/>
+        <a:defRPr lang="en-US" sz="2800" kern="1200" dirty="0">
+          <a:solidFill>
+            <a:srgbClr val="232F3E"/>
+          </a:solidFill>
+          <a:latin typeface="Amazon Ember display"/>
+        </a:defRPr>
+      </a:lvl1pPr>
+      <a:lvl2pPr marL="685800" indent="-228600" algn="l" defTabSz="914400" rtl="0" eaLnBrk="1" latinLnBrk="0" hangingPunct="1">
+        <a:lnSpc>
+          <a:spcPct val="90000"/>
+        </a:lnSpc>
+        <a:spcBef>
+          <a:spcPts val="500"/>
+        </a:spcBef>
+        <a:buFont typeface="Amazon Ember Display"/>
+        <a:buChar char="•"/>
+        <a:defRPr lang="en-US" sz="2400" kern="1200" dirty="0">
+          <a:solidFill>
+            <a:srgbClr val="232F3E"/>
+          </a:solidFill>
+          <a:latin typeface="Amazon Ember display"/>
+        </a:defRPr>
+      </a:lvl2pPr>
+      <a:lvl3pPr marL="1143000" indent="-228600" algn="l" defTabSz="914400" rtl="0" eaLnBrk="1" latinLnBrk="0" hangingPunct="1">
+        <a:lnSpc>
+          <a:spcPct val="90000"/>
+        </a:lnSpc>
+        <a:spcBef>
+          <a:spcPts val="500"/>
+        </a:spcBef>
+        <a:buFont typeface="Amazon Ember Display"/>
+        <a:buChar char="•"/>
+        <a:defRPr lang="en-US" sz="2400" kern="1200" dirty="0">
+          <a:solidFill>
+            <a:srgbClr val="232F3E"/>
+          </a:solidFill>
+          <a:latin typeface="Amazon Ember display"/>
+        </a:defRPr>
+      </a:lvl3pPr>
+      <a:lvl4pPr marL="1600200" indent="-228600" algn="l" defTabSz="914400" rtl="0" eaLnBrk="1" latinLnBrk="0" hangingPunct="1">
+        <a:lnSpc>
+          <a:spcPct val="90000"/>
+        </a:lnSpc>
+        <a:spcBef>
+          <a:spcPts val="500"/>
+        </a:spcBef>
+        <a:buFont typeface="Amazon Ember Display"/>
+        <a:buChar char="•"/>
+        <a:defRPr lang="en-US" sz="1800" kern="1200" dirty="0">
+          <a:solidFill>
+            <a:srgbClr val="232F3E"/>
+          </a:solidFill>
+          <a:latin typeface="Amazon Ember display"/>
+        </a:defRPr>
+      </a:lvl4pPr>
+      <a:lvl5pPr marL="2057400" indent="-228600" algn="l" defTabSz="914400" rtl="0" eaLnBrk="1" latinLnBrk="0" hangingPunct="1">
+        <a:lnSpc>
+          <a:spcPct val="90000"/>
+        </a:lnSpc>
+        <a:spcBef>
+          <a:spcPts val="500"/>
+        </a:spcBef>
+        <a:buFont typeface="Amazon Ember Display"/>
+        <a:buChar char="•"/>
+        <a:defRPr lang="en-US" sz="2000" kern="1200" dirty="0">
+          <a:solidFill>
+            <a:srgbClr val="232F3E"/>
+          </a:solidFill>
+          <a:latin typeface="Amazon Ember display"/>
+        </a:defRPr>
+      </a:lvl5pPr>
+      <a:lvl6pPr marL="2514600" indent="-228600" algn="l" defTabSz="914400" rtl="0" eaLnBrk="1" latinLnBrk="0" hangingPunct="1">
+        <a:lnSpc>
+          <a:spcPct val="90000"/>
+        </a:lnSpc>
+        <a:spcBef>
+          <a:spcPts val="500"/>
+        </a:spcBef>
+        <a:buFont typeface="Amazon Ember Display"/>
+        <a:buChar char="•"/>
+        <a:defRPr sz="1800" kern="1200">
+          <a:solidFill>
+            <a:schemeClr val="tx1"/>
+          </a:solidFill>
+          <a:latin typeface="Amazon Ember display"/>
+        </a:defRPr>
+      </a:lvl6pPr>
+      <a:lvl7pPr marL="2971800" indent="-228600" algn="l" defTabSz="914400" rtl="0" eaLnBrk="1" latinLnBrk="0" hangingPunct="1">
+        <a:lnSpc>
+          <a:spcPct val="90000"/>
+        </a:lnSpc>
+        <a:spcBef>
+          <a:spcPts val="500"/>
+        </a:spcBef>
+        <a:buFont typeface="Amazon Ember Display"/>
+        <a:buChar char="•"/>
+        <a:defRPr sz="1800" kern="1200">
+          <a:solidFill>
+            <a:schemeClr val="tx1"/>
+          </a:solidFill>
+          <a:latin typeface="Amazon Ember display"/>
+        </a:defRPr>
+      </a:lvl7pPr>
+      <a:lvl8pPr marL="3429000" indent="-228600" algn="l" defTabSz="914400" rtl="0" eaLnBrk="1" latinLnBrk="0" hangingPunct="1">
+        <a:lnSpc>
+          <a:spcPct val="90000"/>
+        </a:lnSpc>
+        <a:spcBef>
+          <a:spcPts val="500"/>
+        </a:spcBef>
+        <a:buFont typeface="Amazon Ember Display"/>
+        <a:buChar char="•"/>
+        <a:defRPr sz="1800" kern="1200">
+          <a:solidFill>
+            <a:schemeClr val="tx1"/>
+          </a:solidFill>
+          <a:latin typeface="Amazon Ember display"/>
+        </a:defRPr>
+      </a:lvl8pPr>
+      <a:lvl9pPr marL="3886200" indent="-228600" algn="l" defTabSz="914400" rtl="0" eaLnBrk="1" latinLnBrk="0" hangingPunct="1">
+        <a:lnSpc>
+          <a:spcPct val="90000"/>
+        </a:lnSpc>
+        <a:spcBef>
+          <a:spcPts val="500"/>
+        </a:spcBef>
+        <a:buFont typeface="Amazon Ember Display"/>
+        <a:buChar char="•"/>
+        <a:defRPr sz="1800" kern="1200">
+          <a:solidFill>
+            <a:schemeClr val="tx1"/>
+          </a:solidFill>
+          <a:latin typeface="Amazon Ember display"/>
+        </a:defRPr>
+      </a:lvl9pPr>
+    </p:bodyStyle>
+    <p:otherStyle>
+      <a:defPPr>
+        <a:defRPr lang="en-US"/>
+      </a:defPPr>
+      <a:lvl1pPr marL="0" algn="l" defTabSz="914400" rtl="0" eaLnBrk="1" latinLnBrk="0" hangingPunct="1">
+        <a:defRPr sz="1800" kern="1200">
+          <a:solidFill>
+            <a:schemeClr val="tx1"/>
+          </a:solidFill>
+          <a:latin typeface="Amazon Ember display"/>
+        </a:defRPr>
+      </a:lvl1pPr>
+      <a:lvl2pPr marL="457200" algn="l" defTabSz="914400" rtl="0" eaLnBrk="1" latinLnBrk="0" hangingPunct="1">
+        <a:defRPr sz="1800" kern="1200">
+          <a:solidFill>
+            <a:schemeClr val="tx1"/>
+          </a:solidFill>
+          <a:latin typeface="Amazon Ember display"/>
+        </a:defRPr>
+      </a:lvl2pPr>
+      <a:lvl3pPr marL="914400" algn="l" defTabSz="914400" rtl="0" eaLnBrk="1" latinLnBrk="0" hangingPunct="1">
+        <a:defRPr sz="1800" kern="1200">
+          <a:solidFill>
+            <a:schemeClr val="tx1"/>
+          </a:solidFill>
+          <a:latin typeface="Amazon Ember display"/>
+        </a:defRPr>
+      </a:lvl3pPr>
+      <a:lvl4pPr marL="1371600" algn="l" defTabSz="914400" rtl="0" eaLnBrk="1" latinLnBrk="0" hangingPunct="1">
+        <a:defRPr sz="1800" kern="1200">
+          <a:solidFill>
+            <a:schemeClr val="tx1"/>
+          </a:solidFill>
+          <a:latin typeface="Amazon Ember display"/>
+        </a:defRPr>
+      </a:lvl4pPr>
+      <a:lvl5pPr marL="1828800" algn="l" defTabSz="914400" rtl="0" eaLnBrk="1" latinLnBrk="0" hangingPunct="1">
+        <a:defRPr sz="1800" kern="1200">
+          <a:solidFill>
+            <a:schemeClr val="tx1"/>
+          </a:solidFill>
+          <a:latin typeface="Amazon Ember display"/>
+        </a:defRPr>
+      </a:lvl5pPr>
+      <a:lvl6pPr marL="2286000" algn="l" defTabSz="914400" rtl="0" eaLnBrk="1" latinLnBrk="0" hangingPunct="1">
+        <a:defRPr sz="1800" kern="1200">
+          <a:solidFill>
+            <a:schemeClr val="tx1"/>
+          </a:solidFill>
+          <a:latin typeface="Amazon Ember display"/>
+        </a:defRPr>
+      </a:lvl6pPr>
+      <a:lvl7pPr marL="2743200" algn="l" defTabSz="914400" rtl="0" eaLnBrk="1" latinLnBrk="0" hangingPunct="1">
+        <a:defRPr sz="1800" kern="1200">
+          <a:solidFill>
+            <a:schemeClr val="tx1"/>
+          </a:solidFill>
+          <a:latin typeface="Amazon Ember display"/>
+        </a:defRPr>
+      </a:lvl7pPr>
+      <a:lvl8pPr marL="3200400" algn="l" defTabSz="914400" rtl="0" eaLnBrk="1" latinLnBrk="0" hangingPunct="1">
+        <a:defRPr sz="1800" kern="1200">
+          <a:solidFill>
+            <a:schemeClr val="tx1"/>
+          </a:solidFill>
+          <a:latin typeface="Amazon Ember display"/>
+        </a:defRPr>
+      </a:lvl8pPr>
+      <a:lvl9pPr marL="3657600" algn="l" defTabSz="914400" rtl="0" eaLnBrk="1" latinLnBrk="0" hangingPunct="1">
+        <a:defRPr sz="1800" kern="1200">
+          <a:solidFill>
+            <a:schemeClr val="tx1"/>
+          </a:solidFill>
+          <a:latin typeface="Amazon Ember display"/>
+        </a:defRPr>
+      </a:lvl9pPr>
+    </p:otherStyle>
+  </p:txStyles>
+</p:sldMaster>
+</file>
+
+<file path=ppt/slideMasters/slideMaster2.xml><?xml version="1.0" encoding="utf-8"?>
 <p:sldMaster xmlns:a="http://schemas.openxmlformats.org/drawingml/2006/main" xmlns:r="http://schemas.openxmlformats.org/officeDocument/2006/relationships" xmlns:p="http://schemas.openxmlformats.org/presentationml/2006/main" preserve="1">
   <p:cSld>
     <p:bg>
@@ -8453,7 +11970,7 @@
           <a:p>
             <a:fld id="{3A884B4A-747C-AA41-80CD-0F87274B77BC}" type="datetimeFigureOut">
               <a:rPr lang="en-US" smtClean="0"/>
-              <a:t>6/3/25</a:t>
+              <a:t>8/6/25</a:t>
             </a:fld>
             <a:endParaRPr lang="en-US"/>
           </a:p>
@@ -17063,12 +20580,7 @@
             <p:ph idx="2"/>
           </p:nvPr>
         </p:nvSpPr>
-        <p:spPr>
-          <a:xfrm>
-            <a:off x="365760" y="1165536"/>
-            <a:ext cx="8260080" cy="5262696"/>
-          </a:xfrm>
-        </p:spPr>
+        <p:spPr/>
         <p:txBody>
           <a:bodyPr/>
           <a:lstStyle/>
@@ -25029,9 +28541,7 @@
         </p:nvSpPr>
         <p:spPr/>
         <p:txBody>
-          <a:bodyPr>
-            <a:normAutofit fontScale="90000"/>
-          </a:bodyPr>
+          <a:bodyPr/>
           <a:lstStyle/>
           <a:p>
             <a:r>
@@ -25244,7 +28754,7 @@
           </p:nvPr>
         </p:nvGraphicFramePr>
         <p:xfrm>
-          <a:off x="6418263" y="1465263"/>
+          <a:off x="3307222" y="1465448"/>
           <a:ext cx="5774025" cy="4572000"/>
         </p:xfrm>
         <a:graphic>
@@ -25902,9 +29412,7 @@
         </p:nvSpPr>
         <p:spPr/>
         <p:txBody>
-          <a:bodyPr>
-            <a:normAutofit fontScale="90000"/>
-          </a:bodyPr>
+          <a:bodyPr/>
           <a:lstStyle/>
           <a:p>
             <a:r>
@@ -26096,9 +29604,7 @@
         </p:nvSpPr>
         <p:spPr/>
         <p:txBody>
-          <a:bodyPr>
-            <a:normAutofit fontScale="90000"/>
-          </a:bodyPr>
+          <a:bodyPr/>
           <a:lstStyle/>
           <a:p>
             <a:r>
@@ -26812,7 +30318,61 @@
 </p:tagLst>
 </file>
 
+<file path=ppt/tags/tag45.xml><?xml version="1.0" encoding="utf-8"?>
+<p:tagLst xmlns:a="http://schemas.openxmlformats.org/drawingml/2006/main" xmlns:r="http://schemas.openxmlformats.org/officeDocument/2006/relationships" xmlns:p="http://schemas.openxmlformats.org/presentationml/2006/main">
+  <p:tag name="ARTICULATE_SLIDE_THUMBNAIL_REFRESH" val="1"/>
+</p:tagLst>
+</file>
+
+<file path=ppt/tags/tag46.xml><?xml version="1.0" encoding="utf-8"?>
+<p:tagLst xmlns:a="http://schemas.openxmlformats.org/drawingml/2006/main" xmlns:r="http://schemas.openxmlformats.org/officeDocument/2006/relationships" xmlns:p="http://schemas.openxmlformats.org/presentationml/2006/main">
+  <p:tag name="ARTICULATE_SLIDE_THUMBNAIL_REFRESH" val="1"/>
+</p:tagLst>
+</file>
+
+<file path=ppt/tags/tag47.xml><?xml version="1.0" encoding="utf-8"?>
+<p:tagLst xmlns:a="http://schemas.openxmlformats.org/drawingml/2006/main" xmlns:r="http://schemas.openxmlformats.org/officeDocument/2006/relationships" xmlns:p="http://schemas.openxmlformats.org/presentationml/2006/main">
+  <p:tag name="ARTICULATE_SLIDE_THUMBNAIL_REFRESH" val="1"/>
+</p:tagLst>
+</file>
+
+<file path=ppt/tags/tag48.xml><?xml version="1.0" encoding="utf-8"?>
+<p:tagLst xmlns:a="http://schemas.openxmlformats.org/drawingml/2006/main" xmlns:r="http://schemas.openxmlformats.org/officeDocument/2006/relationships" xmlns:p="http://schemas.openxmlformats.org/presentationml/2006/main">
+  <p:tag name="ARTICULATE_SLIDE_THUMBNAIL_REFRESH" val="1"/>
+</p:tagLst>
+</file>
+
+<file path=ppt/tags/tag49.xml><?xml version="1.0" encoding="utf-8"?>
+<p:tagLst xmlns:a="http://schemas.openxmlformats.org/drawingml/2006/main" xmlns:r="http://schemas.openxmlformats.org/officeDocument/2006/relationships" xmlns:p="http://schemas.openxmlformats.org/presentationml/2006/main">
+  <p:tag name="ARTICULATE_SLIDE_THUMBNAIL_REFRESH" val="1"/>
+</p:tagLst>
+</file>
+
 <file path=ppt/tags/tag5.xml><?xml version="1.0" encoding="utf-8"?>
+<p:tagLst xmlns:a="http://schemas.openxmlformats.org/drawingml/2006/main" xmlns:r="http://schemas.openxmlformats.org/officeDocument/2006/relationships" xmlns:p="http://schemas.openxmlformats.org/presentationml/2006/main">
+  <p:tag name="ARTICULATE_SLIDE_THUMBNAIL_REFRESH" val="1"/>
+</p:tagLst>
+</file>
+
+<file path=ppt/tags/tag50.xml><?xml version="1.0" encoding="utf-8"?>
+<p:tagLst xmlns:a="http://schemas.openxmlformats.org/drawingml/2006/main" xmlns:r="http://schemas.openxmlformats.org/officeDocument/2006/relationships" xmlns:p="http://schemas.openxmlformats.org/presentationml/2006/main">
+  <p:tag name="ARTICULATE_SLIDE_THUMBNAIL_REFRESH" val="1"/>
+</p:tagLst>
+</file>
+
+<file path=ppt/tags/tag51.xml><?xml version="1.0" encoding="utf-8"?>
+<p:tagLst xmlns:a="http://schemas.openxmlformats.org/drawingml/2006/main" xmlns:r="http://schemas.openxmlformats.org/officeDocument/2006/relationships" xmlns:p="http://schemas.openxmlformats.org/presentationml/2006/main">
+  <p:tag name="ARTICULATE_SLIDE_THUMBNAIL_REFRESH" val="1"/>
+</p:tagLst>
+</file>
+
+<file path=ppt/tags/tag52.xml><?xml version="1.0" encoding="utf-8"?>
+<p:tagLst xmlns:a="http://schemas.openxmlformats.org/drawingml/2006/main" xmlns:r="http://schemas.openxmlformats.org/officeDocument/2006/relationships" xmlns:p="http://schemas.openxmlformats.org/presentationml/2006/main">
+  <p:tag name="ARTICULATE_SLIDE_THUMBNAIL_REFRESH" val="1"/>
+</p:tagLst>
+</file>
+
+<file path=ppt/tags/tag53.xml><?xml version="1.0" encoding="utf-8"?>
 <p:tagLst xmlns:a="http://schemas.openxmlformats.org/drawingml/2006/main" xmlns:r="http://schemas.openxmlformats.org/officeDocument/2006/relationships" xmlns:p="http://schemas.openxmlformats.org/presentationml/2006/main">
   <p:tag name="ARTICULATE_SLIDE_THUMBNAIL_REFRESH" val="1"/>
 </p:tagLst>
@@ -26843,231 +30403,97 @@
 </file>
 
 <file path=ppt/theme/theme1.xml><?xml version="1.0" encoding="utf-8"?>
-<a:theme xmlns:a="http://schemas.openxmlformats.org/drawingml/2006/main" name="Custom Design">
+<a:theme xmlns:a="http://schemas.openxmlformats.org/drawingml/2006/main" name="MLU-Academy-v5">
   <a:themeElements>
-    <a:clrScheme name="Office">
+    <a:clrScheme name="MLU Course">
       <a:dk1>
-        <a:sysClr val="windowText" lastClr="000000"/>
+        <a:srgbClr val="000000"/>
       </a:dk1>
       <a:lt1>
-        <a:sysClr val="window" lastClr="FFFFFF"/>
+        <a:srgbClr val="FFFFFF"/>
       </a:lt1>
       <a:dk2>
-        <a:srgbClr val="44546A"/>
+        <a:srgbClr val="232F3E"/>
       </a:dk2>
       <a:lt2>
-        <a:srgbClr val="E7E6E6"/>
+        <a:srgbClr val="F1F3F3"/>
       </a:lt2>
       <a:accent1>
-        <a:srgbClr val="4472C4"/>
+        <a:srgbClr val="003181"/>
       </a:accent1>
       <a:accent2>
-        <a:srgbClr val="ED7D31"/>
+        <a:srgbClr val="FFAD97"/>
       </a:accent2>
       <a:accent3>
-        <a:srgbClr val="A5A5A5"/>
+        <a:srgbClr val="F46EBB"/>
       </a:accent3>
       <a:accent4>
-        <a:srgbClr val="FFC000"/>
+        <a:srgbClr val="2074D5"/>
       </a:accent4>
       <a:accent5>
-        <a:srgbClr val="5B9BD5"/>
+        <a:srgbClr val="504BAB"/>
       </a:accent5>
       <a:accent6>
-        <a:srgbClr val="70AD47"/>
+        <a:srgbClr val="DF2A5D"/>
       </a:accent6>
       <a:hlink>
-        <a:srgbClr val="0563C1"/>
+        <a:srgbClr val="2074D5"/>
       </a:hlink>
       <a:folHlink>
-        <a:srgbClr val="954F72"/>
+        <a:srgbClr val="2074D5"/>
       </a:folHlink>
     </a:clrScheme>
-    <a:fontScheme name="Office">
+    <a:fontScheme name="MLU-Academy-fonts">
       <a:majorFont>
-        <a:latin typeface="Calibri Light" panose="020F0302020204030204"/>
+        <a:latin typeface="Amazon Ember Display Heavy"/>
         <a:ea typeface=""/>
         <a:cs typeface=""/>
-        <a:font script="Jpan" typeface="游ゴシック Light"/>
-        <a:font script="Hang" typeface="맑은 고딕"/>
-        <a:font script="Hans" typeface="等线 Light"/>
-        <a:font script="Hant" typeface="新細明體"/>
-        <a:font script="Arab" typeface="Times New Roman"/>
-        <a:font script="Hebr" typeface="Times New Roman"/>
-        <a:font script="Thai" typeface="Angsana New"/>
-        <a:font script="Ethi" typeface="Nyala"/>
-        <a:font script="Beng" typeface="Vrinda"/>
-        <a:font script="Gujr" typeface="Shruti"/>
-        <a:font script="Khmr" typeface="MoolBoran"/>
-        <a:font script="Knda" typeface="Tunga"/>
-        <a:font script="Guru" typeface="Raavi"/>
-        <a:font script="Cans" typeface="Euphemia"/>
-        <a:font script="Cher" typeface="Plantagenet Cherokee"/>
-        <a:font script="Yiii" typeface="Microsoft Yi Baiti"/>
-        <a:font script="Tibt" typeface="Microsoft Himalaya"/>
-        <a:font script="Thaa" typeface="MV Boli"/>
-        <a:font script="Deva" typeface="Mangal"/>
-        <a:font script="Telu" typeface="Gautami"/>
-        <a:font script="Taml" typeface="Latha"/>
-        <a:font script="Syrc" typeface="Estrangelo Edessa"/>
-        <a:font script="Orya" typeface="Kalinga"/>
-        <a:font script="Mlym" typeface="Kartika"/>
-        <a:font script="Laoo" typeface="DokChampa"/>
-        <a:font script="Sinh" typeface="Iskoola Pota"/>
-        <a:font script="Mong" typeface="Mongolian Baiti"/>
-        <a:font script="Viet" typeface="Times New Roman"/>
-        <a:font script="Uigh" typeface="Microsoft Uighur"/>
-        <a:font script="Geor" typeface="Sylfaen"/>
-        <a:font script="Armn" typeface="Arial"/>
-        <a:font script="Bugi" typeface="Leelawadee UI"/>
-        <a:font script="Bopo" typeface="Microsoft JhengHei"/>
-        <a:font script="Java" typeface="Javanese Text"/>
-        <a:font script="Lisu" typeface="Segoe UI"/>
-        <a:font script="Mymr" typeface="Myanmar Text"/>
-        <a:font script="Nkoo" typeface="Ebrima"/>
-        <a:font script="Olck" typeface="Nirmala UI"/>
-        <a:font script="Osma" typeface="Ebrima"/>
-        <a:font script="Phag" typeface="Phagspa"/>
-        <a:font script="Syrn" typeface="Estrangelo Edessa"/>
-        <a:font script="Syrj" typeface="Estrangelo Edessa"/>
-        <a:font script="Syre" typeface="Estrangelo Edessa"/>
-        <a:font script="Sora" typeface="Nirmala UI"/>
-        <a:font script="Tale" typeface="Microsoft Tai Le"/>
-        <a:font script="Talu" typeface="Microsoft New Tai Lue"/>
-        <a:font script="Tfng" typeface="Ebrima"/>
       </a:majorFont>
       <a:minorFont>
-        <a:latin typeface="Calibri" panose="020F0502020204030204"/>
+        <a:latin typeface="Amazon Ember Display"/>
         <a:ea typeface=""/>
         <a:cs typeface=""/>
-        <a:font script="Jpan" typeface="游ゴシック"/>
-        <a:font script="Hang" typeface="맑은 고딕"/>
-        <a:font script="Hans" typeface="等线"/>
-        <a:font script="Hant" typeface="新細明體"/>
-        <a:font script="Arab" typeface="Arial"/>
-        <a:font script="Hebr" typeface="Arial"/>
-        <a:font script="Thai" typeface="Cordia New"/>
-        <a:font script="Ethi" typeface="Nyala"/>
-        <a:font script="Beng" typeface="Vrinda"/>
-        <a:font script="Gujr" typeface="Shruti"/>
-        <a:font script="Khmr" typeface="DaunPenh"/>
-        <a:font script="Knda" typeface="Tunga"/>
-        <a:font script="Guru" typeface="Raavi"/>
-        <a:font script="Cans" typeface="Euphemia"/>
-        <a:font script="Cher" typeface="Plantagenet Cherokee"/>
-        <a:font script="Yiii" typeface="Microsoft Yi Baiti"/>
-        <a:font script="Tibt" typeface="Microsoft Himalaya"/>
-        <a:font script="Thaa" typeface="MV Boli"/>
-        <a:font script="Deva" typeface="Mangal"/>
-        <a:font script="Telu" typeface="Gautami"/>
-        <a:font script="Taml" typeface="Latha"/>
-        <a:font script="Syrc" typeface="Estrangelo Edessa"/>
-        <a:font script="Orya" typeface="Kalinga"/>
-        <a:font script="Mlym" typeface="Kartika"/>
-        <a:font script="Laoo" typeface="DokChampa"/>
-        <a:font script="Sinh" typeface="Iskoola Pota"/>
-        <a:font script="Mong" typeface="Mongolian Baiti"/>
-        <a:font script="Viet" typeface="Arial"/>
-        <a:font script="Uigh" typeface="Microsoft Uighur"/>
-        <a:font script="Geor" typeface="Sylfaen"/>
-        <a:font script="Armn" typeface="Arial"/>
-        <a:font script="Bugi" typeface="Leelawadee UI"/>
-        <a:font script="Bopo" typeface="Microsoft JhengHei"/>
-        <a:font script="Java" typeface="Javanese Text"/>
-        <a:font script="Lisu" typeface="Segoe UI"/>
-        <a:font script="Mymr" typeface="Myanmar Text"/>
-        <a:font script="Nkoo" typeface="Ebrima"/>
-        <a:font script="Olck" typeface="Nirmala UI"/>
-        <a:font script="Osma" typeface="Ebrima"/>
-        <a:font script="Phag" typeface="Phagspa"/>
-        <a:font script="Syrn" typeface="Estrangelo Edessa"/>
-        <a:font script="Syrj" typeface="Estrangelo Edessa"/>
-        <a:font script="Syre" typeface="Estrangelo Edessa"/>
-        <a:font script="Sora" typeface="Nirmala UI"/>
-        <a:font script="Tale" typeface="Microsoft Tai Le"/>
-        <a:font script="Talu" typeface="Microsoft New Tai Lue"/>
-        <a:font script="Tfng" typeface="Ebrima"/>
       </a:minorFont>
     </a:fontScheme>
-    <a:fmtScheme name="Office">
+    <a:fmtScheme name="Subtle Solids">
       <a:fillStyleLst>
         <a:solidFill>
           <a:schemeClr val="phClr"/>
         </a:solidFill>
-        <a:gradFill rotWithShape="1">
-          <a:gsLst>
-            <a:gs pos="0">
-              <a:schemeClr val="phClr">
-                <a:lumMod val="110000"/>
-                <a:satMod val="105000"/>
-                <a:tint val="67000"/>
-              </a:schemeClr>
-            </a:gs>
-            <a:gs pos="50000">
-              <a:schemeClr val="phClr">
-                <a:lumMod val="105000"/>
-                <a:satMod val="103000"/>
-                <a:tint val="73000"/>
-              </a:schemeClr>
-            </a:gs>
-            <a:gs pos="100000">
-              <a:schemeClr val="phClr">
-                <a:lumMod val="105000"/>
-                <a:satMod val="109000"/>
-                <a:tint val="81000"/>
-              </a:schemeClr>
-            </a:gs>
-          </a:gsLst>
-          <a:lin ang="5400000" scaled="0"/>
-        </a:gradFill>
-        <a:gradFill rotWithShape="1">
-          <a:gsLst>
-            <a:gs pos="0">
-              <a:schemeClr val="phClr">
-                <a:satMod val="103000"/>
-                <a:lumMod val="102000"/>
-                <a:tint val="94000"/>
-              </a:schemeClr>
-            </a:gs>
-            <a:gs pos="50000">
-              <a:schemeClr val="phClr">
-                <a:satMod val="110000"/>
-                <a:lumMod val="100000"/>
-                <a:shade val="100000"/>
-              </a:schemeClr>
-            </a:gs>
-            <a:gs pos="100000">
-              <a:schemeClr val="phClr">
-                <a:lumMod val="99000"/>
-                <a:satMod val="120000"/>
-                <a:shade val="78000"/>
-              </a:schemeClr>
-            </a:gs>
-          </a:gsLst>
-          <a:lin ang="5400000" scaled="0"/>
-        </a:gradFill>
+        <a:solidFill>
+          <a:schemeClr val="phClr">
+            <a:tint val="65000"/>
+          </a:schemeClr>
+        </a:solidFill>
+        <a:solidFill>
+          <a:schemeClr val="phClr">
+            <a:shade val="80000"/>
+            <a:satMod val="150000"/>
+          </a:schemeClr>
+        </a:solidFill>
       </a:fillStyleLst>
       <a:lnStyleLst>
-        <a:ln w="6350" cap="flat" cmpd="sng" algn="ctr">
+        <a:ln w="9525" cap="flat" cmpd="sng" algn="ctr">
           <a:solidFill>
             <a:schemeClr val="phClr"/>
           </a:solidFill>
           <a:prstDash val="solid"/>
-          <a:miter lim="800000"/>
         </a:ln>
-        <a:ln w="12700" cap="flat" cmpd="sng" algn="ctr">
+        <a:ln w="10795" cap="flat" cmpd="sng" algn="ctr">
           <a:solidFill>
             <a:schemeClr val="phClr"/>
           </a:solidFill>
           <a:prstDash val="solid"/>
-          <a:miter lim="800000"/>
         </a:ln>
-        <a:ln w="19050" cap="flat" cmpd="sng" algn="ctr">
+        <a:ln w="17145" cap="flat" cmpd="sng" algn="ctr">
           <a:solidFill>
-            <a:schemeClr val="phClr"/>
+            <a:schemeClr val="phClr">
+              <a:shade val="95000"/>
+              <a:alpha val="50000"/>
+              <a:satMod val="150000"/>
+            </a:schemeClr>
           </a:solidFill>
           <a:prstDash val="solid"/>
-          <a:miter lim="800000"/>
         </a:ln>
       </a:lnStyleLst>
       <a:effectStyleLst>
@@ -27079,12 +30505,21 @@
         </a:effectStyle>
         <a:effectStyle>
           <a:effectLst>
-            <a:outerShdw blurRad="57150" dist="19050" dir="5400000" algn="ctr" rotWithShape="0">
+            <a:outerShdw blurRad="44450" dist="13970" dir="5400000" algn="ctr" rotWithShape="0">
               <a:srgbClr val="000000">
-                <a:alpha val="63000"/>
+                <a:alpha val="45000"/>
               </a:srgbClr>
             </a:outerShdw>
           </a:effectLst>
+          <a:scene3d>
+            <a:camera prst="orthographicFront">
+              <a:rot lat="0" lon="0" rev="0"/>
+            </a:camera>
+            <a:lightRig rig="twoPt" dir="tl"/>
+          </a:scene3d>
+          <a:sp3d prstMaterial="flat">
+            <a:bevelT w="12700" h="25400" prst="coolSlant"/>
+          </a:sp3d>
         </a:effectStyle>
       </a:effectStyleLst>
       <a:bgFillStyleLst>
@@ -27129,16 +30564,108 @@
   </a:themeElements>
   <a:objectDefaults/>
   <a:extraClrSchemeLst/>
+  <a:custClrLst>
+    <a:custClr name="Dark Squid Ink">
+      <a:srgbClr val="161E2D"/>
+    </a:custClr>
+    <a:custClr name="Squid Ink">
+      <a:srgbClr val="232F3E"/>
+    </a:custClr>
+    <a:custClr name="Stone">
+      <a:srgbClr val="D4DADA"/>
+    </a:custClr>
+    <a:custClr name="Paper">
+      <a:srgbClr val="F1F3F3"/>
+    </a:custClr>
+    <a:custClr name="White">
+      <a:srgbClr val="FFFFFF"/>
+    </a:custClr>
+    <a:custClr name="blank">
+      <a:srgbClr val="FFFFFF"/>
+    </a:custClr>
+    <a:custClr name="blank">
+      <a:srgbClr val="FFFFFF"/>
+    </a:custClr>
+    <a:custClr name="blank">
+      <a:srgbClr val="FFFFFF"/>
+    </a:custClr>
+    <a:custClr name="blank">
+      <a:srgbClr val="FFFFFF"/>
+    </a:custClr>
+    <a:custClr name="blank">
+      <a:srgbClr val="FFFFFF"/>
+    </a:custClr>
+    <a:custClr name="Anchor">
+      <a:srgbClr val="003181"/>
+    </a:custClr>
+    <a:custClr name="Sky">
+      <a:srgbClr val="2074D5"/>
+    </a:custClr>
+    <a:custClr name="Rind">
+      <a:srgbClr val="FBD8BF"/>
+    </a:custClr>
+    <a:custClr name="Smile">
+      <a:srgbClr val="FF9900"/>
+    </a:custClr>
+    <a:custClr name="blank">
+      <a:srgbClr val="FFFFFF"/>
+    </a:custClr>
+    <a:custClr name="Galaxy">
+      <a:srgbClr val="330066"/>
+    </a:custClr>
+    <a:custClr name="Cosmos">
+      <a:srgbClr val="DF2A5D"/>
+    </a:custClr>
+    <a:custClr name="Violet">
+      <a:srgbClr val="7C5AED"/>
+    </a:custClr>
+    <a:custClr name="Cyan">
+      <a:srgbClr val="7CE8F4"/>
+    </a:custClr>
+    <a:custClr name="blank">
+      <a:srgbClr val="FFFFFF"/>
+    </a:custClr>
+    <a:custClr name="Sea Blue">
+      <a:srgbClr val="005276"/>
+    </a:custClr>
+    <a:custClr name="Aqua">
+      <a:srgbClr val="007FAA"/>
+    </a:custClr>
+    <a:custClr name="Lab">
+      <a:srgbClr val="38EF7D"/>
+    </a:custClr>
+    <a:custClr name="Mist">
+      <a:srgbClr val="9FFCEA"/>
+    </a:custClr>
+    <a:custClr name="blank">
+      <a:srgbClr val="FFFFFF"/>
+    </a:custClr>
+    <a:custClr name="Anchor">
+      <a:srgbClr val="003181"/>
+    </a:custClr>
+    <a:custClr name="Sky">
+      <a:srgbClr val="2074D5"/>
+    </a:custClr>
+    <a:custClr name="Magenta">
+      <a:srgbClr val="F46EBB"/>
+    </a:custClr>
+    <a:custClr name="Peach">
+      <a:srgbClr val="FFAD97"/>
+    </a:custClr>
+    <a:custClr name="blank">
+      <a:srgbClr val="FFFFFF"/>
+    </a:custClr>
+  </a:custClrLst>
   <a:extLst>
     <a:ext uri="{05A4C25C-085E-4340-85A3-A5531E510DB2}">
-      <thm15:themeFamily xmlns:thm15="http://schemas.microsoft.com/office/thememl/2012/main" name="Office Theme" id="{62F939B6-93AF-4DB8-9C6B-D6C7DFDC589F}" vid="{4A3C46E8-61CC-4603-A589-7422A47A8E4A}"/>
+      <thm15:themeFamily xmlns:thm15="http://schemas.microsoft.com/office/thememl/2012/main" name="MLU-Academy-v5" id="{AF6B2458-436E-3945-9373-6B61770FC521}" vid="{96B01566-A4A9-C34A-93B0-9FE11D97381B}"/>
     </a:ext>
   </a:extLst>
 </a:theme>
 </file>
 
 <file path=ppt/theme/theme2.xml><?xml version="1.0" encoding="utf-8"?>
-<a:theme xmlns:a="http://schemas.openxmlformats.org/drawingml/2006/main" name="Office Theme">
+<a:theme xmlns:a="http://schemas.openxmlformats.org/drawingml/2006/main" name="Custom Design">
   <a:themeElements>
     <a:clrScheme name="Office">
       <a:dk1>
@@ -27725,4 +31252,299 @@
     </a:ext>
   </a:extLst>
 </a:theme>
+</file>
+
+<file path=ppt/theme/theme4.xml><?xml version="1.0" encoding="utf-8"?>
+<a:theme xmlns:a="http://schemas.openxmlformats.org/drawingml/2006/main" name="Office Theme">
+  <a:themeElements>
+    <a:clrScheme name="Office">
+      <a:dk1>
+        <a:sysClr val="windowText" lastClr="000000"/>
+      </a:dk1>
+      <a:lt1>
+        <a:sysClr val="window" lastClr="FFFFFF"/>
+      </a:lt1>
+      <a:dk2>
+        <a:srgbClr val="44546A"/>
+      </a:dk2>
+      <a:lt2>
+        <a:srgbClr val="E7E6E6"/>
+      </a:lt2>
+      <a:accent1>
+        <a:srgbClr val="4472C4"/>
+      </a:accent1>
+      <a:accent2>
+        <a:srgbClr val="ED7D31"/>
+      </a:accent2>
+      <a:accent3>
+        <a:srgbClr val="A5A5A5"/>
+      </a:accent3>
+      <a:accent4>
+        <a:srgbClr val="FFC000"/>
+      </a:accent4>
+      <a:accent5>
+        <a:srgbClr val="5B9BD5"/>
+      </a:accent5>
+      <a:accent6>
+        <a:srgbClr val="70AD47"/>
+      </a:accent6>
+      <a:hlink>
+        <a:srgbClr val="0563C1"/>
+      </a:hlink>
+      <a:folHlink>
+        <a:srgbClr val="954F72"/>
+      </a:folHlink>
+    </a:clrScheme>
+    <a:fontScheme name="Office">
+      <a:majorFont>
+        <a:latin typeface="Calibri Light" panose="020F0302020204030204"/>
+        <a:ea typeface=""/>
+        <a:cs typeface=""/>
+        <a:font script="Jpan" typeface="游ゴシック Light"/>
+        <a:font script="Hang" typeface="맑은 고딕"/>
+        <a:font script="Hans" typeface="等线 Light"/>
+        <a:font script="Hant" typeface="新細明體"/>
+        <a:font script="Arab" typeface="Times New Roman"/>
+        <a:font script="Hebr" typeface="Times New Roman"/>
+        <a:font script="Thai" typeface="Angsana New"/>
+        <a:font script="Ethi" typeface="Nyala"/>
+        <a:font script="Beng" typeface="Vrinda"/>
+        <a:font script="Gujr" typeface="Shruti"/>
+        <a:font script="Khmr" typeface="MoolBoran"/>
+        <a:font script="Knda" typeface="Tunga"/>
+        <a:font script="Guru" typeface="Raavi"/>
+        <a:font script="Cans" typeface="Euphemia"/>
+        <a:font script="Cher" typeface="Plantagenet Cherokee"/>
+        <a:font script="Yiii" typeface="Microsoft Yi Baiti"/>
+        <a:font script="Tibt" typeface="Microsoft Himalaya"/>
+        <a:font script="Thaa" typeface="MV Boli"/>
+        <a:font script="Deva" typeface="Mangal"/>
+        <a:font script="Telu" typeface="Gautami"/>
+        <a:font script="Taml" typeface="Latha"/>
+        <a:font script="Syrc" typeface="Estrangelo Edessa"/>
+        <a:font script="Orya" typeface="Kalinga"/>
+        <a:font script="Mlym" typeface="Kartika"/>
+        <a:font script="Laoo" typeface="DokChampa"/>
+        <a:font script="Sinh" typeface="Iskoola Pota"/>
+        <a:font script="Mong" typeface="Mongolian Baiti"/>
+        <a:font script="Viet" typeface="Times New Roman"/>
+        <a:font script="Uigh" typeface="Microsoft Uighur"/>
+        <a:font script="Geor" typeface="Sylfaen"/>
+        <a:font script="Armn" typeface="Arial"/>
+        <a:font script="Bugi" typeface="Leelawadee UI"/>
+        <a:font script="Bopo" typeface="Microsoft JhengHei"/>
+        <a:font script="Java" typeface="Javanese Text"/>
+        <a:font script="Lisu" typeface="Segoe UI"/>
+        <a:font script="Mymr" typeface="Myanmar Text"/>
+        <a:font script="Nkoo" typeface="Ebrima"/>
+        <a:font script="Olck" typeface="Nirmala UI"/>
+        <a:font script="Osma" typeface="Ebrima"/>
+        <a:font script="Phag" typeface="Phagspa"/>
+        <a:font script="Syrn" typeface="Estrangelo Edessa"/>
+        <a:font script="Syrj" typeface="Estrangelo Edessa"/>
+        <a:font script="Syre" typeface="Estrangelo Edessa"/>
+        <a:font script="Sora" typeface="Nirmala UI"/>
+        <a:font script="Tale" typeface="Microsoft Tai Le"/>
+        <a:font script="Talu" typeface="Microsoft New Tai Lue"/>
+        <a:font script="Tfng" typeface="Ebrima"/>
+      </a:majorFont>
+      <a:minorFont>
+        <a:latin typeface="Calibri" panose="020F0502020204030204"/>
+        <a:ea typeface=""/>
+        <a:cs typeface=""/>
+        <a:font script="Jpan" typeface="游ゴシック"/>
+        <a:font script="Hang" typeface="맑은 고딕"/>
+        <a:font script="Hans" typeface="等线"/>
+        <a:font script="Hant" typeface="新細明體"/>
+        <a:font script="Arab" typeface="Arial"/>
+        <a:font script="Hebr" typeface="Arial"/>
+        <a:font script="Thai" typeface="Cordia New"/>
+        <a:font script="Ethi" typeface="Nyala"/>
+        <a:font script="Beng" typeface="Vrinda"/>
+        <a:font script="Gujr" typeface="Shruti"/>
+        <a:font script="Khmr" typeface="DaunPenh"/>
+        <a:font script="Knda" typeface="Tunga"/>
+        <a:font script="Guru" typeface="Raavi"/>
+        <a:font script="Cans" typeface="Euphemia"/>
+        <a:font script="Cher" typeface="Plantagenet Cherokee"/>
+        <a:font script="Yiii" typeface="Microsoft Yi Baiti"/>
+        <a:font script="Tibt" typeface="Microsoft Himalaya"/>
+        <a:font script="Thaa" typeface="MV Boli"/>
+        <a:font script="Deva" typeface="Mangal"/>
+        <a:font script="Telu" typeface="Gautami"/>
+        <a:font script="Taml" typeface="Latha"/>
+        <a:font script="Syrc" typeface="Estrangelo Edessa"/>
+        <a:font script="Orya" typeface="Kalinga"/>
+        <a:font script="Mlym" typeface="Kartika"/>
+        <a:font script="Laoo" typeface="DokChampa"/>
+        <a:font script="Sinh" typeface="Iskoola Pota"/>
+        <a:font script="Mong" typeface="Mongolian Baiti"/>
+        <a:font script="Viet" typeface="Arial"/>
+        <a:font script="Uigh" typeface="Microsoft Uighur"/>
+        <a:font script="Geor" typeface="Sylfaen"/>
+        <a:font script="Armn" typeface="Arial"/>
+        <a:font script="Bugi" typeface="Leelawadee UI"/>
+        <a:font script="Bopo" typeface="Microsoft JhengHei"/>
+        <a:font script="Java" typeface="Javanese Text"/>
+        <a:font script="Lisu" typeface="Segoe UI"/>
+        <a:font script="Mymr" typeface="Myanmar Text"/>
+        <a:font script="Nkoo" typeface="Ebrima"/>
+        <a:font script="Olck" typeface="Nirmala UI"/>
+        <a:font script="Osma" typeface="Ebrima"/>
+        <a:font script="Phag" typeface="Phagspa"/>
+        <a:font script="Syrn" typeface="Estrangelo Edessa"/>
+        <a:font script="Syrj" typeface="Estrangelo Edessa"/>
+        <a:font script="Syre" typeface="Estrangelo Edessa"/>
+        <a:font script="Sora" typeface="Nirmala UI"/>
+        <a:font script="Tale" typeface="Microsoft Tai Le"/>
+        <a:font script="Talu" typeface="Microsoft New Tai Lue"/>
+        <a:font script="Tfng" typeface="Ebrima"/>
+      </a:minorFont>
+    </a:fontScheme>
+    <a:fmtScheme name="Office">
+      <a:fillStyleLst>
+        <a:solidFill>
+          <a:schemeClr val="phClr"/>
+        </a:solidFill>
+        <a:gradFill rotWithShape="1">
+          <a:gsLst>
+            <a:gs pos="0">
+              <a:schemeClr val="phClr">
+                <a:lumMod val="110000"/>
+                <a:satMod val="105000"/>
+                <a:tint val="67000"/>
+              </a:schemeClr>
+            </a:gs>
+            <a:gs pos="50000">
+              <a:schemeClr val="phClr">
+                <a:lumMod val="105000"/>
+                <a:satMod val="103000"/>
+                <a:tint val="73000"/>
+              </a:schemeClr>
+            </a:gs>
+            <a:gs pos="100000">
+              <a:schemeClr val="phClr">
+                <a:lumMod val="105000"/>
+                <a:satMod val="109000"/>
+                <a:tint val="81000"/>
+              </a:schemeClr>
+            </a:gs>
+          </a:gsLst>
+          <a:lin ang="5400000" scaled="0"/>
+        </a:gradFill>
+        <a:gradFill rotWithShape="1">
+          <a:gsLst>
+            <a:gs pos="0">
+              <a:schemeClr val="phClr">
+                <a:satMod val="103000"/>
+                <a:lumMod val="102000"/>
+                <a:tint val="94000"/>
+              </a:schemeClr>
+            </a:gs>
+            <a:gs pos="50000">
+              <a:schemeClr val="phClr">
+                <a:satMod val="110000"/>
+                <a:lumMod val="100000"/>
+                <a:shade val="100000"/>
+              </a:schemeClr>
+            </a:gs>
+            <a:gs pos="100000">
+              <a:schemeClr val="phClr">
+                <a:lumMod val="99000"/>
+                <a:satMod val="120000"/>
+                <a:shade val="78000"/>
+              </a:schemeClr>
+            </a:gs>
+          </a:gsLst>
+          <a:lin ang="5400000" scaled="0"/>
+        </a:gradFill>
+      </a:fillStyleLst>
+      <a:lnStyleLst>
+        <a:ln w="6350" cap="flat" cmpd="sng" algn="ctr">
+          <a:solidFill>
+            <a:schemeClr val="phClr"/>
+          </a:solidFill>
+          <a:prstDash val="solid"/>
+          <a:miter lim="800000"/>
+        </a:ln>
+        <a:ln w="12700" cap="flat" cmpd="sng" algn="ctr">
+          <a:solidFill>
+            <a:schemeClr val="phClr"/>
+          </a:solidFill>
+          <a:prstDash val="solid"/>
+          <a:miter lim="800000"/>
+        </a:ln>
+        <a:ln w="19050" cap="flat" cmpd="sng" algn="ctr">
+          <a:solidFill>
+            <a:schemeClr val="phClr"/>
+          </a:solidFill>
+          <a:prstDash val="solid"/>
+          <a:miter lim="800000"/>
+        </a:ln>
+      </a:lnStyleLst>
+      <a:effectStyleLst>
+        <a:effectStyle>
+          <a:effectLst/>
+        </a:effectStyle>
+        <a:effectStyle>
+          <a:effectLst/>
+        </a:effectStyle>
+        <a:effectStyle>
+          <a:effectLst>
+            <a:outerShdw blurRad="57150" dist="19050" dir="5400000" algn="ctr" rotWithShape="0">
+              <a:srgbClr val="000000">
+                <a:alpha val="63000"/>
+              </a:srgbClr>
+            </a:outerShdw>
+          </a:effectLst>
+        </a:effectStyle>
+      </a:effectStyleLst>
+      <a:bgFillStyleLst>
+        <a:solidFill>
+          <a:schemeClr val="phClr"/>
+        </a:solidFill>
+        <a:solidFill>
+          <a:schemeClr val="phClr">
+            <a:tint val="95000"/>
+            <a:satMod val="170000"/>
+          </a:schemeClr>
+        </a:solidFill>
+        <a:gradFill rotWithShape="1">
+          <a:gsLst>
+            <a:gs pos="0">
+              <a:schemeClr val="phClr">
+                <a:tint val="93000"/>
+                <a:satMod val="150000"/>
+                <a:shade val="98000"/>
+                <a:lumMod val="102000"/>
+              </a:schemeClr>
+            </a:gs>
+            <a:gs pos="50000">
+              <a:schemeClr val="phClr">
+                <a:tint val="98000"/>
+                <a:satMod val="130000"/>
+                <a:shade val="90000"/>
+                <a:lumMod val="103000"/>
+              </a:schemeClr>
+            </a:gs>
+            <a:gs pos="100000">
+              <a:schemeClr val="phClr">
+                <a:shade val="63000"/>
+                <a:satMod val="120000"/>
+              </a:schemeClr>
+            </a:gs>
+          </a:gsLst>
+          <a:lin ang="5400000" scaled="0"/>
+        </a:gradFill>
+      </a:bgFillStyleLst>
+    </a:fmtScheme>
+  </a:themeElements>
+  <a:objectDefaults/>
+  <a:extraClrSchemeLst/>
+  <a:extLst>
+    <a:ext uri="{05A4C25C-085E-4340-85A3-A5531E510DB2}">
+      <thm15:themeFamily xmlns:thm15="http://schemas.microsoft.com/office/thememl/2012/main" name="Office Theme" id="{62F939B6-93AF-4DB8-9C6B-D6C7DFDC589F}" vid="{4A3C46E8-61CC-4603-A589-7422A47A8E4A}"/>
+    </a:ext>
+  </a:extLst>
+</a:theme>
 </file>